--- a/brand_analysis.pptx
+++ b/brand_analysis.pptx
@@ -5,7 +5,7 @@
     <p:sldMasterId id="2147483660" r:id="rId4"/>
   </p:sldMasterIdLst>
   <p:notesMasterIdLst>
-    <p:notesMasterId r:id="rId11"/>
+    <p:notesMasterId r:id="rId12"/>
   </p:notesMasterIdLst>
   <p:sldIdLst>
     <p:sldId id="257" r:id="rId5"/>
@@ -14,6 +14,7 @@
     <p:sldId id="260" r:id="rId8"/>
     <p:sldId id="261" r:id="rId9"/>
     <p:sldId id="262" r:id="rId10"/>
+    <p:sldId id="263" r:id="rId11"/>
   </p:sldIdLst>
   <p:sldSz cx="12192000" cy="6858000"/>
   <p:notesSz cx="6858000" cy="9144000"/>
@@ -118,6 +119,186 @@
     </p:ext>
   </p:extLst>
 </p:presentation>
+</file>
+
+<file path=ppt/revisionInfo.xml><?xml version="1.0" encoding="utf-8"?>
+<p1510:revInfo xmlns:a="http://schemas.openxmlformats.org/drawingml/2006/main" xmlns:r="http://schemas.openxmlformats.org/officeDocument/2006/relationships" xmlns:p1510="http://schemas.microsoft.com/office/powerpoint/2015/10/main">
+  <p1510:revLst>
+    <p1510:client id="{4556A5B9-6119-9E43-A737-A900491520CF}" v="1" dt="2024-08-31T13:28:23.466"/>
+  </p1510:revLst>
+</p1510:revInfo>
+</file>
+
+<file path=ppt/changesInfos/changesInfo1.xml><?xml version="1.0" encoding="utf-8"?>
+<pc:chgInfo xmlns:a="http://schemas.openxmlformats.org/drawingml/2006/main" xmlns:r="http://schemas.openxmlformats.org/officeDocument/2006/relationships" xmlns:ac="http://schemas.microsoft.com/office/drawing/2013/main/command" xmlns:pc="http://schemas.microsoft.com/office/powerpoint/2013/main/command">
+  <pc:docChgLst>
+    <pc:chgData name="Arbour, Duncan" userId="f8c76c83-f09a-4702-8a60-e00215c8b89f" providerId="ADAL" clId="{4556A5B9-6119-9E43-A737-A900491520CF}"/>
+    <pc:docChg chg="custSel addSld delSld modSld modMainMaster">
+      <pc:chgData name="Arbour, Duncan" userId="f8c76c83-f09a-4702-8a60-e00215c8b89f" providerId="ADAL" clId="{4556A5B9-6119-9E43-A737-A900491520CF}" dt="2024-08-31T13:34:59.786" v="53" actId="2890"/>
+      <pc:docMkLst>
+        <pc:docMk/>
+      </pc:docMkLst>
+      <pc:sldChg chg="addSp delSp modSp mod">
+        <pc:chgData name="Arbour, Duncan" userId="f8c76c83-f09a-4702-8a60-e00215c8b89f" providerId="ADAL" clId="{4556A5B9-6119-9E43-A737-A900491520CF}" dt="2024-08-31T13:34:23.796" v="47" actId="14100"/>
+        <pc:sldMkLst>
+          <pc:docMk/>
+          <pc:sldMk cId="3236585661" sldId="257"/>
+        </pc:sldMkLst>
+        <pc:spChg chg="add mod">
+          <ac:chgData name="Arbour, Duncan" userId="f8c76c83-f09a-4702-8a60-e00215c8b89f" providerId="ADAL" clId="{4556A5B9-6119-9E43-A737-A900491520CF}" dt="2024-08-31T13:34:23.796" v="47" actId="14100"/>
+          <ac:spMkLst>
+            <pc:docMk/>
+            <pc:sldMk cId="3236585661" sldId="257"/>
+            <ac:spMk id="2" creationId="{90B9BD73-23BB-657A-6D2F-F8AA494BEFC0}"/>
+          </ac:spMkLst>
+        </pc:spChg>
+        <pc:spChg chg="del">
+          <ac:chgData name="Arbour, Duncan" userId="f8c76c83-f09a-4702-8a60-e00215c8b89f" providerId="ADAL" clId="{4556A5B9-6119-9E43-A737-A900491520CF}" dt="2024-08-31T13:28:19.776" v="7" actId="478"/>
+          <ac:spMkLst>
+            <pc:docMk/>
+            <pc:sldMk cId="3236585661" sldId="257"/>
+            <ac:spMk id="3" creationId="{37016B67-9C8E-D8F0-F155-4A79F5CF537C}"/>
+          </ac:spMkLst>
+        </pc:spChg>
+        <pc:spChg chg="del">
+          <ac:chgData name="Arbour, Duncan" userId="f8c76c83-f09a-4702-8a60-e00215c8b89f" providerId="ADAL" clId="{4556A5B9-6119-9E43-A737-A900491520CF}" dt="2024-08-31T13:28:19.776" v="7" actId="478"/>
+          <ac:spMkLst>
+            <pc:docMk/>
+            <pc:sldMk cId="3236585661" sldId="257"/>
+            <ac:spMk id="4" creationId="{D90BB40D-6DD8-D4CD-FDEA-F57FEF1C9764}"/>
+          </ac:spMkLst>
+        </pc:spChg>
+        <pc:spChg chg="del">
+          <ac:chgData name="Arbour, Duncan" userId="f8c76c83-f09a-4702-8a60-e00215c8b89f" providerId="ADAL" clId="{4556A5B9-6119-9E43-A737-A900491520CF}" dt="2024-08-31T13:28:19.776" v="7" actId="478"/>
+          <ac:spMkLst>
+            <pc:docMk/>
+            <pc:sldMk cId="3236585661" sldId="257"/>
+            <ac:spMk id="5" creationId="{C280E5DE-0A1C-B8FC-5E83-6F8908DBD25E}"/>
+          </ac:spMkLst>
+        </pc:spChg>
+      </pc:sldChg>
+      <pc:sldChg chg="del">
+        <pc:chgData name="Arbour, Duncan" userId="f8c76c83-f09a-4702-8a60-e00215c8b89f" providerId="ADAL" clId="{4556A5B9-6119-9E43-A737-A900491520CF}" dt="2024-08-31T13:27:38.883" v="0" actId="2696"/>
+        <pc:sldMkLst>
+          <pc:docMk/>
+          <pc:sldMk cId="317447270" sldId="258"/>
+        </pc:sldMkLst>
+      </pc:sldChg>
+      <pc:sldChg chg="add">
+        <pc:chgData name="Arbour, Duncan" userId="f8c76c83-f09a-4702-8a60-e00215c8b89f" providerId="ADAL" clId="{4556A5B9-6119-9E43-A737-A900491520CF}" dt="2024-08-31T13:34:56.402" v="48" actId="2890"/>
+        <pc:sldMkLst>
+          <pc:docMk/>
+          <pc:sldMk cId="1478095669" sldId="258"/>
+        </pc:sldMkLst>
+      </pc:sldChg>
+      <pc:sldChg chg="add">
+        <pc:chgData name="Arbour, Duncan" userId="f8c76c83-f09a-4702-8a60-e00215c8b89f" providerId="ADAL" clId="{4556A5B9-6119-9E43-A737-A900491520CF}" dt="2024-08-31T13:34:57.415" v="49" actId="2890"/>
+        <pc:sldMkLst>
+          <pc:docMk/>
+          <pc:sldMk cId="569411363" sldId="259"/>
+        </pc:sldMkLst>
+      </pc:sldChg>
+      <pc:sldChg chg="del">
+        <pc:chgData name="Arbour, Duncan" userId="f8c76c83-f09a-4702-8a60-e00215c8b89f" providerId="ADAL" clId="{4556A5B9-6119-9E43-A737-A900491520CF}" dt="2024-08-31T13:27:38.901" v="4" actId="2696"/>
+        <pc:sldMkLst>
+          <pc:docMk/>
+          <pc:sldMk cId="1711594109" sldId="259"/>
+        </pc:sldMkLst>
+      </pc:sldChg>
+      <pc:sldChg chg="del">
+        <pc:chgData name="Arbour, Duncan" userId="f8c76c83-f09a-4702-8a60-e00215c8b89f" providerId="ADAL" clId="{4556A5B9-6119-9E43-A737-A900491520CF}" dt="2024-08-31T13:27:38.888" v="3" actId="2696"/>
+        <pc:sldMkLst>
+          <pc:docMk/>
+          <pc:sldMk cId="3111924551" sldId="260"/>
+        </pc:sldMkLst>
+      </pc:sldChg>
+      <pc:sldChg chg="add">
+        <pc:chgData name="Arbour, Duncan" userId="f8c76c83-f09a-4702-8a60-e00215c8b89f" providerId="ADAL" clId="{4556A5B9-6119-9E43-A737-A900491520CF}" dt="2024-08-31T13:34:57.932" v="50" actId="2890"/>
+        <pc:sldMkLst>
+          <pc:docMk/>
+          <pc:sldMk cId="3197340929" sldId="260"/>
+        </pc:sldMkLst>
+      </pc:sldChg>
+      <pc:sldChg chg="add">
+        <pc:chgData name="Arbour, Duncan" userId="f8c76c83-f09a-4702-8a60-e00215c8b89f" providerId="ADAL" clId="{4556A5B9-6119-9E43-A737-A900491520CF}" dt="2024-08-31T13:34:58.412" v="51" actId="2890"/>
+        <pc:sldMkLst>
+          <pc:docMk/>
+          <pc:sldMk cId="1834060381" sldId="261"/>
+        </pc:sldMkLst>
+      </pc:sldChg>
+      <pc:sldChg chg="del">
+        <pc:chgData name="Arbour, Duncan" userId="f8c76c83-f09a-4702-8a60-e00215c8b89f" providerId="ADAL" clId="{4556A5B9-6119-9E43-A737-A900491520CF}" dt="2024-08-31T13:27:38.886" v="2" actId="2696"/>
+        <pc:sldMkLst>
+          <pc:docMk/>
+          <pc:sldMk cId="2469977368" sldId="261"/>
+        </pc:sldMkLst>
+      </pc:sldChg>
+      <pc:sldChg chg="add">
+        <pc:chgData name="Arbour, Duncan" userId="f8c76c83-f09a-4702-8a60-e00215c8b89f" providerId="ADAL" clId="{4556A5B9-6119-9E43-A737-A900491520CF}" dt="2024-08-31T13:34:58.964" v="52" actId="2890"/>
+        <pc:sldMkLst>
+          <pc:docMk/>
+          <pc:sldMk cId="334456570" sldId="262"/>
+        </pc:sldMkLst>
+      </pc:sldChg>
+      <pc:sldChg chg="del">
+        <pc:chgData name="Arbour, Duncan" userId="f8c76c83-f09a-4702-8a60-e00215c8b89f" providerId="ADAL" clId="{4556A5B9-6119-9E43-A737-A900491520CF}" dt="2024-08-31T13:27:38.885" v="1" actId="2696"/>
+        <pc:sldMkLst>
+          <pc:docMk/>
+          <pc:sldMk cId="3160467876" sldId="262"/>
+        </pc:sldMkLst>
+      </pc:sldChg>
+      <pc:sldChg chg="add">
+        <pc:chgData name="Arbour, Duncan" userId="f8c76c83-f09a-4702-8a60-e00215c8b89f" providerId="ADAL" clId="{4556A5B9-6119-9E43-A737-A900491520CF}" dt="2024-08-31T13:34:59.786" v="53" actId="2890"/>
+        <pc:sldMkLst>
+          <pc:docMk/>
+          <pc:sldMk cId="3612699142" sldId="263"/>
+        </pc:sldMkLst>
+      </pc:sldChg>
+      <pc:sldMasterChg chg="modSldLayout">
+        <pc:chgData name="Arbour, Duncan" userId="f8c76c83-f09a-4702-8a60-e00215c8b89f" providerId="ADAL" clId="{4556A5B9-6119-9E43-A737-A900491520CF}" dt="2024-08-31T13:28:04.352" v="6" actId="478"/>
+        <pc:sldMasterMkLst>
+          <pc:docMk/>
+          <pc:sldMasterMk cId="2707644625" sldId="2147483660"/>
+        </pc:sldMasterMkLst>
+        <pc:sldLayoutChg chg="delSp mod">
+          <pc:chgData name="Arbour, Duncan" userId="f8c76c83-f09a-4702-8a60-e00215c8b89f" providerId="ADAL" clId="{4556A5B9-6119-9E43-A737-A900491520CF}" dt="2024-08-31T13:28:04.352" v="6" actId="478"/>
+          <pc:sldLayoutMkLst>
+            <pc:docMk/>
+            <pc:sldMasterMk cId="2707644625" sldId="2147483660"/>
+            <pc:sldLayoutMk cId="664280814" sldId="2147483716"/>
+          </pc:sldLayoutMkLst>
+          <pc:spChg chg="del">
+            <ac:chgData name="Arbour, Duncan" userId="f8c76c83-f09a-4702-8a60-e00215c8b89f" providerId="ADAL" clId="{4556A5B9-6119-9E43-A737-A900491520CF}" dt="2024-08-31T13:28:04.352" v="6" actId="478"/>
+            <ac:spMkLst>
+              <pc:docMk/>
+              <pc:sldMasterMk cId="2707644625" sldId="2147483660"/>
+              <pc:sldLayoutMk cId="664280814" sldId="2147483716"/>
+              <ac:spMk id="5" creationId="{3CAC4FD0-6407-3161-1C1C-CD54ED384F1F}"/>
+            </ac:spMkLst>
+          </pc:spChg>
+          <pc:spChg chg="del">
+            <ac:chgData name="Arbour, Duncan" userId="f8c76c83-f09a-4702-8a60-e00215c8b89f" providerId="ADAL" clId="{4556A5B9-6119-9E43-A737-A900491520CF}" dt="2024-08-31T13:28:01.410" v="5" actId="478"/>
+            <ac:spMkLst>
+              <pc:docMk/>
+              <pc:sldMasterMk cId="2707644625" sldId="2147483660"/>
+              <pc:sldLayoutMk cId="664280814" sldId="2147483716"/>
+              <ac:spMk id="6" creationId="{E2FB4663-3F40-C3CE-CF61-0DA4ADBA22BC}"/>
+            </ac:spMkLst>
+          </pc:spChg>
+          <pc:spChg chg="del">
+            <ac:chgData name="Arbour, Duncan" userId="f8c76c83-f09a-4702-8a60-e00215c8b89f" providerId="ADAL" clId="{4556A5B9-6119-9E43-A737-A900491520CF}" dt="2024-08-31T13:28:01.410" v="5" actId="478"/>
+            <ac:spMkLst>
+              <pc:docMk/>
+              <pc:sldMasterMk cId="2707644625" sldId="2147483660"/>
+              <pc:sldLayoutMk cId="664280814" sldId="2147483716"/>
+              <ac:spMk id="7" creationId="{A006D185-CE14-0819-CBF8-17B5C79FC102}"/>
+            </ac:spMkLst>
+          </pc:spChg>
+        </pc:sldLayoutChg>
+      </pc:sldMasterChg>
+    </pc:docChg>
+  </pc:docChgLst>
+</pc:chgInfo>
 </file>
 
 <file path=ppt/notesMasters/notesMaster1.xml><?xml version="1.0" encoding="utf-8"?>
@@ -562,7 +743,7 @@
         <p:cNvPr id="1" name="">
           <a:extLst>
             <a:ext uri="{FF2B5EF4-FFF2-40B4-BE49-F238E27FC236}">
-              <a16:creationId xmlns:a16="http://schemas.microsoft.com/office/drawing/2014/main" id="{48DF0C55-9E76-EFE3-6E35-5D068E70E755}"/>
+              <a16:creationId xmlns:a16="http://schemas.microsoft.com/office/drawing/2014/main" id="{06E112E1-CCFE-7250-9E75-B2556EAC2632}"/>
             </a:ext>
           </a:extLst>
         </p:cNvPr>
@@ -582,7 +763,7 @@
           <p:cNvPr id="2" name="Slide Image Placeholder 1">
             <a:extLst>
               <a:ext uri="{FF2B5EF4-FFF2-40B4-BE49-F238E27FC236}">
-                <a16:creationId xmlns:a16="http://schemas.microsoft.com/office/drawing/2014/main" id="{2CE0A503-D5B3-9F5C-4B60-42A87C3F4F41}"/>
+                <a16:creationId xmlns:a16="http://schemas.microsoft.com/office/drawing/2014/main" id="{3EF2EE82-8A7E-97B0-C5E4-078DF192398E}"/>
               </a:ext>
             </a:extLst>
           </p:cNvPr>
@@ -600,7 +781,7 @@
           <p:cNvPr id="3" name="Notes Placeholder 2">
             <a:extLst>
               <a:ext uri="{FF2B5EF4-FFF2-40B4-BE49-F238E27FC236}">
-                <a16:creationId xmlns:a16="http://schemas.microsoft.com/office/drawing/2014/main" id="{668CE745-C3EC-B3AD-7F34-A9E2AF4EC27E}"/>
+                <a16:creationId xmlns:a16="http://schemas.microsoft.com/office/drawing/2014/main" id="{9D59DA67-0D3D-6443-7C64-2AD1FA3AE5CD}"/>
               </a:ext>
             </a:extLst>
           </p:cNvPr>
@@ -625,7 +806,7 @@
           <p:cNvPr id="4" name="Slide Number Placeholder 3">
             <a:extLst>
               <a:ext uri="{FF2B5EF4-FFF2-40B4-BE49-F238E27FC236}">
-                <a16:creationId xmlns:a16="http://schemas.microsoft.com/office/drawing/2014/main" id="{288CA410-7C39-9AF5-9A59-734E392B21B1}"/>
+                <a16:creationId xmlns:a16="http://schemas.microsoft.com/office/drawing/2014/main" id="{DE782749-5709-EC68-4D2E-BA9E2990EED1}"/>
               </a:ext>
             </a:extLst>
           </p:cNvPr>
@@ -652,7 +833,7 @@
     </p:spTree>
     <p:extLst>
       <p:ext uri="{BB962C8B-B14F-4D97-AF65-F5344CB8AC3E}">
-        <p14:creationId xmlns:p14="http://schemas.microsoft.com/office/powerpoint/2010/main" val="882302132"/>
+        <p14:creationId xmlns:p14="http://schemas.microsoft.com/office/powerpoint/2010/main" val="880597256"/>
       </p:ext>
     </p:extLst>
   </p:cSld>
@@ -670,7 +851,7 @@
         <p:cNvPr id="1" name="">
           <a:extLst>
             <a:ext uri="{FF2B5EF4-FFF2-40B4-BE49-F238E27FC236}">
-              <a16:creationId xmlns:a16="http://schemas.microsoft.com/office/drawing/2014/main" id="{AD67C1F0-2119-27F1-BC1A-8F871D3C16D9}"/>
+              <a16:creationId xmlns:a16="http://schemas.microsoft.com/office/drawing/2014/main" id="{E14B981B-57A3-EEE0-C932-84B87A8D13AD}"/>
             </a:ext>
           </a:extLst>
         </p:cNvPr>
@@ -690,7 +871,7 @@
           <p:cNvPr id="2" name="Slide Image Placeholder 1">
             <a:extLst>
               <a:ext uri="{FF2B5EF4-FFF2-40B4-BE49-F238E27FC236}">
-                <a16:creationId xmlns:a16="http://schemas.microsoft.com/office/drawing/2014/main" id="{CEA8C3E1-4CE0-DDCC-EE1C-FB8D50851CFE}"/>
+                <a16:creationId xmlns:a16="http://schemas.microsoft.com/office/drawing/2014/main" id="{515A4FA3-120D-CC54-DDAF-4DADE9869E70}"/>
               </a:ext>
             </a:extLst>
           </p:cNvPr>
@@ -708,7 +889,7 @@
           <p:cNvPr id="3" name="Notes Placeholder 2">
             <a:extLst>
               <a:ext uri="{FF2B5EF4-FFF2-40B4-BE49-F238E27FC236}">
-                <a16:creationId xmlns:a16="http://schemas.microsoft.com/office/drawing/2014/main" id="{EAA53890-A1F3-3FA5-DDB2-C9017EFCC3CF}"/>
+                <a16:creationId xmlns:a16="http://schemas.microsoft.com/office/drawing/2014/main" id="{EA6449E4-023A-2D9C-F55C-199996C59F63}"/>
               </a:ext>
             </a:extLst>
           </p:cNvPr>
@@ -733,7 +914,7 @@
           <p:cNvPr id="4" name="Slide Number Placeholder 3">
             <a:extLst>
               <a:ext uri="{FF2B5EF4-FFF2-40B4-BE49-F238E27FC236}">
-                <a16:creationId xmlns:a16="http://schemas.microsoft.com/office/drawing/2014/main" id="{E2ABB57D-86EB-4595-7B11-5F21CEFBB37E}"/>
+                <a16:creationId xmlns:a16="http://schemas.microsoft.com/office/drawing/2014/main" id="{4ADBD7A8-23B5-D991-CBDE-DF99E08B7E53}"/>
               </a:ext>
             </a:extLst>
           </p:cNvPr>
@@ -760,7 +941,7 @@
     </p:spTree>
     <p:extLst>
       <p:ext uri="{BB962C8B-B14F-4D97-AF65-F5344CB8AC3E}">
-        <p14:creationId xmlns:p14="http://schemas.microsoft.com/office/powerpoint/2010/main" val="3897649016"/>
+        <p14:creationId xmlns:p14="http://schemas.microsoft.com/office/powerpoint/2010/main" val="838987454"/>
       </p:ext>
     </p:extLst>
   </p:cSld>
@@ -778,7 +959,7 @@
         <p:cNvPr id="1" name="">
           <a:extLst>
             <a:ext uri="{FF2B5EF4-FFF2-40B4-BE49-F238E27FC236}">
-              <a16:creationId xmlns:a16="http://schemas.microsoft.com/office/drawing/2014/main" id="{60C74787-36D5-FE07-4292-DA879848AD93}"/>
+              <a16:creationId xmlns:a16="http://schemas.microsoft.com/office/drawing/2014/main" id="{4C5103AF-D924-2DEC-F4CB-F8B9D1B00E9F}"/>
             </a:ext>
           </a:extLst>
         </p:cNvPr>
@@ -798,7 +979,7 @@
           <p:cNvPr id="2" name="Slide Image Placeholder 1">
             <a:extLst>
               <a:ext uri="{FF2B5EF4-FFF2-40B4-BE49-F238E27FC236}">
-                <a16:creationId xmlns:a16="http://schemas.microsoft.com/office/drawing/2014/main" id="{3AB425CF-89B2-124C-2112-C199F6DAEC0A}"/>
+                <a16:creationId xmlns:a16="http://schemas.microsoft.com/office/drawing/2014/main" id="{65CA07CF-B97C-B00F-F436-4D8DA799471F}"/>
               </a:ext>
             </a:extLst>
           </p:cNvPr>
@@ -816,7 +997,7 @@
           <p:cNvPr id="3" name="Notes Placeholder 2">
             <a:extLst>
               <a:ext uri="{FF2B5EF4-FFF2-40B4-BE49-F238E27FC236}">
-                <a16:creationId xmlns:a16="http://schemas.microsoft.com/office/drawing/2014/main" id="{C4B6BC2B-C372-847B-CA74-B5059B1D84A5}"/>
+                <a16:creationId xmlns:a16="http://schemas.microsoft.com/office/drawing/2014/main" id="{0B7CE29F-BE3C-A903-C94E-1A9328020F57}"/>
               </a:ext>
             </a:extLst>
           </p:cNvPr>
@@ -841,7 +1022,7 @@
           <p:cNvPr id="4" name="Slide Number Placeholder 3">
             <a:extLst>
               <a:ext uri="{FF2B5EF4-FFF2-40B4-BE49-F238E27FC236}">
-                <a16:creationId xmlns:a16="http://schemas.microsoft.com/office/drawing/2014/main" id="{82C45631-9CC0-1330-6830-F394165DF423}"/>
+                <a16:creationId xmlns:a16="http://schemas.microsoft.com/office/drawing/2014/main" id="{86190608-492F-D36A-23FF-2D73DE142EBB}"/>
               </a:ext>
             </a:extLst>
           </p:cNvPr>
@@ -868,7 +1049,7 @@
     </p:spTree>
     <p:extLst>
       <p:ext uri="{BB962C8B-B14F-4D97-AF65-F5344CB8AC3E}">
-        <p14:creationId xmlns:p14="http://schemas.microsoft.com/office/powerpoint/2010/main" val="959885105"/>
+        <p14:creationId xmlns:p14="http://schemas.microsoft.com/office/powerpoint/2010/main" val="42434954"/>
       </p:ext>
     </p:extLst>
   </p:cSld>
@@ -886,7 +1067,7 @@
         <p:cNvPr id="1" name="">
           <a:extLst>
             <a:ext uri="{FF2B5EF4-FFF2-40B4-BE49-F238E27FC236}">
-              <a16:creationId xmlns:a16="http://schemas.microsoft.com/office/drawing/2014/main" id="{74D67591-1558-46A2-338E-43DCDFBAA879}"/>
+              <a16:creationId xmlns:a16="http://schemas.microsoft.com/office/drawing/2014/main" id="{2F067619-822B-BE71-5A92-B7D10D8B1789}"/>
             </a:ext>
           </a:extLst>
         </p:cNvPr>
@@ -906,7 +1087,7 @@
           <p:cNvPr id="2" name="Slide Image Placeholder 1">
             <a:extLst>
               <a:ext uri="{FF2B5EF4-FFF2-40B4-BE49-F238E27FC236}">
-                <a16:creationId xmlns:a16="http://schemas.microsoft.com/office/drawing/2014/main" id="{7B54BF25-05F2-82BB-3BB1-3DFAF80EC1ED}"/>
+                <a16:creationId xmlns:a16="http://schemas.microsoft.com/office/drawing/2014/main" id="{CA4821CA-6EB3-63C1-B4FE-B61DB36D8F3D}"/>
               </a:ext>
             </a:extLst>
           </p:cNvPr>
@@ -924,7 +1105,7 @@
           <p:cNvPr id="3" name="Notes Placeholder 2">
             <a:extLst>
               <a:ext uri="{FF2B5EF4-FFF2-40B4-BE49-F238E27FC236}">
-                <a16:creationId xmlns:a16="http://schemas.microsoft.com/office/drawing/2014/main" id="{EE892B62-4AD5-CE7E-E5CE-A8922EDF4E5B}"/>
+                <a16:creationId xmlns:a16="http://schemas.microsoft.com/office/drawing/2014/main" id="{CAD84720-65AF-4A31-02CD-719F72BAAF9D}"/>
               </a:ext>
             </a:extLst>
           </p:cNvPr>
@@ -949,7 +1130,7 @@
           <p:cNvPr id="4" name="Slide Number Placeholder 3">
             <a:extLst>
               <a:ext uri="{FF2B5EF4-FFF2-40B4-BE49-F238E27FC236}">
-                <a16:creationId xmlns:a16="http://schemas.microsoft.com/office/drawing/2014/main" id="{437E1004-6AC8-4B11-FBC4-1D82984B396F}"/>
+                <a16:creationId xmlns:a16="http://schemas.microsoft.com/office/drawing/2014/main" id="{C0065C5F-A97B-13B7-05F6-CA796F4E703A}"/>
               </a:ext>
             </a:extLst>
           </p:cNvPr>
@@ -976,7 +1157,7 @@
     </p:spTree>
     <p:extLst>
       <p:ext uri="{BB962C8B-B14F-4D97-AF65-F5344CB8AC3E}">
-        <p14:creationId xmlns:p14="http://schemas.microsoft.com/office/powerpoint/2010/main" val="3590143168"/>
+        <p14:creationId xmlns:p14="http://schemas.microsoft.com/office/powerpoint/2010/main" val="3785178892"/>
       </p:ext>
     </p:extLst>
   </p:cSld>
@@ -994,7 +1175,7 @@
         <p:cNvPr id="1" name="">
           <a:extLst>
             <a:ext uri="{FF2B5EF4-FFF2-40B4-BE49-F238E27FC236}">
-              <a16:creationId xmlns:a16="http://schemas.microsoft.com/office/drawing/2014/main" id="{A3FF56AC-B156-04DB-A96F-F1A847B23AB6}"/>
+              <a16:creationId xmlns:a16="http://schemas.microsoft.com/office/drawing/2014/main" id="{9C5052FA-B2EF-AD0E-D1BE-BF2DD4CDC5A7}"/>
             </a:ext>
           </a:extLst>
         </p:cNvPr>
@@ -1014,7 +1195,7 @@
           <p:cNvPr id="2" name="Slide Image Placeholder 1">
             <a:extLst>
               <a:ext uri="{FF2B5EF4-FFF2-40B4-BE49-F238E27FC236}">
-                <a16:creationId xmlns:a16="http://schemas.microsoft.com/office/drawing/2014/main" id="{5655F05E-0A2E-5248-3C78-355DECAD4AF6}"/>
+                <a16:creationId xmlns:a16="http://schemas.microsoft.com/office/drawing/2014/main" id="{4BEECF34-094D-B580-3581-882F06EE0FB2}"/>
               </a:ext>
             </a:extLst>
           </p:cNvPr>
@@ -1032,7 +1213,7 @@
           <p:cNvPr id="3" name="Notes Placeholder 2">
             <a:extLst>
               <a:ext uri="{FF2B5EF4-FFF2-40B4-BE49-F238E27FC236}">
-                <a16:creationId xmlns:a16="http://schemas.microsoft.com/office/drawing/2014/main" id="{32A1750B-58E9-2389-1D73-94B8324AF8A4}"/>
+                <a16:creationId xmlns:a16="http://schemas.microsoft.com/office/drawing/2014/main" id="{0A8E8EF8-1FBE-CC63-EDF1-892F78924C5E}"/>
               </a:ext>
             </a:extLst>
           </p:cNvPr>
@@ -1057,7 +1238,7 @@
           <p:cNvPr id="4" name="Slide Number Placeholder 3">
             <a:extLst>
               <a:ext uri="{FF2B5EF4-FFF2-40B4-BE49-F238E27FC236}">
-                <a16:creationId xmlns:a16="http://schemas.microsoft.com/office/drawing/2014/main" id="{7CA84F2D-AF3D-9C15-CDF8-2663D47DCC59}"/>
+                <a16:creationId xmlns:a16="http://schemas.microsoft.com/office/drawing/2014/main" id="{FC80A8AC-CFF5-3A07-3E58-F255F284DE83}"/>
               </a:ext>
             </a:extLst>
           </p:cNvPr>
@@ -1084,7 +1265,115 @@
     </p:spTree>
     <p:extLst>
       <p:ext uri="{BB962C8B-B14F-4D97-AF65-F5344CB8AC3E}">
-        <p14:creationId xmlns:p14="http://schemas.microsoft.com/office/powerpoint/2010/main" val="3917769561"/>
+        <p14:creationId xmlns:p14="http://schemas.microsoft.com/office/powerpoint/2010/main" val="2689124138"/>
+      </p:ext>
+    </p:extLst>
+  </p:cSld>
+  <p:clrMapOvr>
+    <a:masterClrMapping/>
+  </p:clrMapOvr>
+</p:notes>
+</file>
+
+<file path=ppt/notesSlides/notesSlide7.xml><?xml version="1.0" encoding="utf-8"?>
+<p:notes xmlns:a="http://schemas.openxmlformats.org/drawingml/2006/main" xmlns:r="http://schemas.openxmlformats.org/officeDocument/2006/relationships" xmlns:p="http://schemas.openxmlformats.org/presentationml/2006/main">
+  <p:cSld>
+    <p:spTree>
+      <p:nvGrpSpPr>
+        <p:cNvPr id="1" name="">
+          <a:extLst>
+            <a:ext uri="{FF2B5EF4-FFF2-40B4-BE49-F238E27FC236}">
+              <a16:creationId xmlns:a16="http://schemas.microsoft.com/office/drawing/2014/main" id="{F515DB19-4EAC-A2EC-A31E-476201E46498}"/>
+            </a:ext>
+          </a:extLst>
+        </p:cNvPr>
+        <p:cNvGrpSpPr/>
+        <p:nvPr/>
+      </p:nvGrpSpPr>
+      <p:grpSpPr>
+        <a:xfrm>
+          <a:off x="0" y="0"/>
+          <a:ext cx="0" cy="0"/>
+          <a:chOff x="0" y="0"/>
+          <a:chExt cx="0" cy="0"/>
+        </a:xfrm>
+      </p:grpSpPr>
+      <p:sp>
+        <p:nvSpPr>
+          <p:cNvPr id="2" name="Slide Image Placeholder 1">
+            <a:extLst>
+              <a:ext uri="{FF2B5EF4-FFF2-40B4-BE49-F238E27FC236}">
+                <a16:creationId xmlns:a16="http://schemas.microsoft.com/office/drawing/2014/main" id="{C1625F1D-3417-7EA6-A179-453373169047}"/>
+              </a:ext>
+            </a:extLst>
+          </p:cNvPr>
+          <p:cNvSpPr>
+            <a:spLocks noGrp="1" noRot="1" noChangeAspect="1"/>
+          </p:cNvSpPr>
+          <p:nvPr>
+            <p:ph type="sldImg"/>
+          </p:nvPr>
+        </p:nvSpPr>
+        <p:spPr/>
+      </p:sp>
+      <p:sp>
+        <p:nvSpPr>
+          <p:cNvPr id="3" name="Notes Placeholder 2">
+            <a:extLst>
+              <a:ext uri="{FF2B5EF4-FFF2-40B4-BE49-F238E27FC236}">
+                <a16:creationId xmlns:a16="http://schemas.microsoft.com/office/drawing/2014/main" id="{21AE5316-4D28-07A8-3BF6-0BA361370842}"/>
+              </a:ext>
+            </a:extLst>
+          </p:cNvPr>
+          <p:cNvSpPr>
+            <a:spLocks noGrp="1"/>
+          </p:cNvSpPr>
+          <p:nvPr>
+            <p:ph type="body" idx="1"/>
+          </p:nvPr>
+        </p:nvSpPr>
+        <p:spPr/>
+        <p:txBody>
+          <a:bodyPr/>
+          <a:lstStyle/>
+          <a:p>
+            <a:endParaRPr lang="en-GB" dirty="0"/>
+          </a:p>
+        </p:txBody>
+      </p:sp>
+      <p:sp>
+        <p:nvSpPr>
+          <p:cNvPr id="4" name="Slide Number Placeholder 3">
+            <a:extLst>
+              <a:ext uri="{FF2B5EF4-FFF2-40B4-BE49-F238E27FC236}">
+                <a16:creationId xmlns:a16="http://schemas.microsoft.com/office/drawing/2014/main" id="{79B8A786-E143-4626-BEA5-A13DA127556B}"/>
+              </a:ext>
+            </a:extLst>
+          </p:cNvPr>
+          <p:cNvSpPr>
+            <a:spLocks noGrp="1"/>
+          </p:cNvSpPr>
+          <p:nvPr>
+            <p:ph type="sldNum" sz="quarter" idx="5"/>
+          </p:nvPr>
+        </p:nvSpPr>
+        <p:spPr/>
+        <p:txBody>
+          <a:bodyPr/>
+          <a:lstStyle/>
+          <a:p>
+            <a:fld id="{763931CF-879D-C24C-B4FC-A16B88D776C8}" type="slidenum">
+              <a:rPr lang="en-US" smtClean="0"/>
+              <a:t>7</a:t>
+            </a:fld>
+            <a:endParaRPr lang="en-US"/>
+          </a:p>
+        </p:txBody>
+      </p:sp>
+    </p:spTree>
+    <p:extLst>
+      <p:ext uri="{BB962C8B-B14F-4D97-AF65-F5344CB8AC3E}">
+        <p14:creationId xmlns:p14="http://schemas.microsoft.com/office/powerpoint/2010/main" val="3698112343"/>
       </p:ext>
     </p:extLst>
   </p:cSld>
@@ -1337,129 +1626,6 @@
                 <a:schemeClr val="tx2"/>
               </a:solidFill>
             </a:endParaRPr>
-          </a:p>
-        </p:txBody>
-      </p:sp>
-      <p:sp>
-        <p:nvSpPr>
-          <p:cNvPr id="5" name="TextBox 4">
-            <a:extLst>
-              <a:ext uri="{FF2B5EF4-FFF2-40B4-BE49-F238E27FC236}">
-                <a16:creationId xmlns:a16="http://schemas.microsoft.com/office/drawing/2014/main" id="{3CAC4FD0-6407-3161-1C1C-CD54ED384F1F}"/>
-              </a:ext>
-            </a:extLst>
-          </p:cNvPr>
-          <p:cNvSpPr txBox="1"/>
-          <p:nvPr userDrawn="1"/>
-        </p:nvSpPr>
-        <p:spPr>
-          <a:xfrm>
-            <a:off x="759781" y="1527858"/>
-            <a:ext cx="2342234" cy="215444"/>
-          </a:xfrm>
-          <a:prstGeom prst="rect">
-            <a:avLst/>
-          </a:prstGeom>
-        </p:spPr>
-        <p:txBody>
-          <a:bodyPr wrap="square" lIns="0" tIns="0" rIns="0" bIns="0" rtlCol="0" anchor="t" anchorCtr="0">
-            <a:spAutoFit/>
-          </a:bodyPr>
-          <a:lstStyle/>
-          <a:p>
-            <a:pPr algn="l"/>
-            <a:r>
-              <a:rPr lang="en-GB" sz="1400" b="1" dirty="0">
-                <a:solidFill>
-                  <a:srgbClr val="FF0000"/>
-                </a:solidFill>
-                <a:latin typeface="Calibri" panose="020F0502020204030204" pitchFamily="34" charset="0"/>
-                <a:cs typeface="Calibri" panose="020F0502020204030204" pitchFamily="34" charset="0"/>
-              </a:rPr>
-              <a:t>Overview:</a:t>
-            </a:r>
-          </a:p>
-        </p:txBody>
-      </p:sp>
-      <p:sp>
-        <p:nvSpPr>
-          <p:cNvPr id="6" name="TextBox 5">
-            <a:extLst>
-              <a:ext uri="{FF2B5EF4-FFF2-40B4-BE49-F238E27FC236}">
-                <a16:creationId xmlns:a16="http://schemas.microsoft.com/office/drawing/2014/main" id="{E2FB4663-3F40-C3CE-CF61-0DA4ADBA22BC}"/>
-              </a:ext>
-            </a:extLst>
-          </p:cNvPr>
-          <p:cNvSpPr txBox="1"/>
-          <p:nvPr userDrawn="1"/>
-        </p:nvSpPr>
-        <p:spPr>
-          <a:xfrm>
-            <a:off x="774398" y="3713229"/>
-            <a:ext cx="2342234" cy="215444"/>
-          </a:xfrm>
-          <a:prstGeom prst="rect">
-            <a:avLst/>
-          </a:prstGeom>
-        </p:spPr>
-        <p:txBody>
-          <a:bodyPr wrap="square" lIns="0" tIns="0" rIns="0" bIns="0" rtlCol="0" anchor="t" anchorCtr="0">
-            <a:spAutoFit/>
-          </a:bodyPr>
-          <a:lstStyle/>
-          <a:p>
-            <a:pPr algn="l"/>
-            <a:r>
-              <a:rPr lang="en-GB" sz="1400" b="1" dirty="0">
-                <a:solidFill>
-                  <a:srgbClr val="FF0000"/>
-                </a:solidFill>
-                <a:latin typeface="Calibri" panose="020F0502020204030204" pitchFamily="34" charset="0"/>
-                <a:cs typeface="Calibri" panose="020F0502020204030204" pitchFamily="34" charset="0"/>
-              </a:rPr>
-              <a:t>Messaging focus:</a:t>
-            </a:r>
-          </a:p>
-        </p:txBody>
-      </p:sp>
-      <p:sp>
-        <p:nvSpPr>
-          <p:cNvPr id="7" name="TextBox 6">
-            <a:extLst>
-              <a:ext uri="{FF2B5EF4-FFF2-40B4-BE49-F238E27FC236}">
-                <a16:creationId xmlns:a16="http://schemas.microsoft.com/office/drawing/2014/main" id="{A006D185-CE14-0819-CBF8-17B5C79FC102}"/>
-              </a:ext>
-            </a:extLst>
-          </p:cNvPr>
-          <p:cNvSpPr txBox="1"/>
-          <p:nvPr userDrawn="1"/>
-        </p:nvSpPr>
-        <p:spPr>
-          <a:xfrm>
-            <a:off x="774398" y="4903173"/>
-            <a:ext cx="2342234" cy="215444"/>
-          </a:xfrm>
-          <a:prstGeom prst="rect">
-            <a:avLst/>
-          </a:prstGeom>
-        </p:spPr>
-        <p:txBody>
-          <a:bodyPr wrap="square" lIns="0" tIns="0" rIns="0" bIns="0" rtlCol="0" anchor="t" anchorCtr="0">
-            <a:spAutoFit/>
-          </a:bodyPr>
-          <a:lstStyle/>
-          <a:p>
-            <a:pPr algn="l"/>
-            <a:r>
-              <a:rPr lang="en-GB" sz="1400" b="1" dirty="0">
-                <a:solidFill>
-                  <a:srgbClr val="FF0000"/>
-                </a:solidFill>
-                <a:latin typeface="Calibri" panose="020F0502020204030204" pitchFamily="34" charset="0"/>
-                <a:cs typeface="Calibri" panose="020F0502020204030204" pitchFamily="34" charset="0"/>
-              </a:rPr>
-              <a:t>Imagery  focus:</a:t>
-            </a:r>
           </a:p>
         </p:txBody>
       </p:sp>
@@ -2283,138 +2449,6 @@
       </p:sp>
       <p:sp>
         <p:nvSpPr>
-          <p:cNvPr id="3" name="TextBox 2">
-            <a:extLst>
-              <a:ext uri="{FF2B5EF4-FFF2-40B4-BE49-F238E27FC236}">
-                <a16:creationId xmlns:a16="http://schemas.microsoft.com/office/drawing/2014/main" id="{37016B67-9C8E-D8F0-F155-4A79F5CF537C}"/>
-              </a:ext>
-            </a:extLst>
-          </p:cNvPr>
-          <p:cNvSpPr txBox="1"/>
-          <p:nvPr/>
-        </p:nvSpPr>
-        <p:spPr>
-          <a:xfrm>
-            <a:off x="763929" y="1851951"/>
-            <a:ext cx="3622876" cy="169277"/>
-          </a:xfrm>
-          <a:prstGeom prst="rect">
-            <a:avLst/>
-          </a:prstGeom>
-        </p:spPr>
-        <p:txBody>
-          <a:bodyPr wrap="square" lIns="0" tIns="0" rIns="0" bIns="0" rtlCol="0" anchor="t" anchorCtr="0">
-            <a:spAutoFit/>
-          </a:bodyPr>
-          <a:lstStyle/>
-          <a:p>
-            <a:pPr algn="l"/>
-            <a:r>
-              <a:rPr kumimoji="0" lang="en-GB" sz="1100" b="0" i="0" u="none" strike="noStrike" kern="1200" cap="none" spc="0" normalizeH="0" baseline="0" noProof="0" dirty="0" err="1">
-                <a:ln>
-                  <a:noFill/>
-                </a:ln>
-                <a:effectLst/>
-                <a:uLnTx/>
-                <a:uFillTx/>
-                <a:latin typeface="Arial" panose="020B0604020202020204" pitchFamily="34" charset="0"/>
-                <a:cs typeface="Arial" panose="020B0604020202020204" pitchFamily="34" charset="0"/>
-              </a:rPr>
-              <a:t>stage_overview</a:t>
-            </a:r>
-            <a:endParaRPr lang="en-GB" sz="1100" b="0" dirty="0">
-              <a:latin typeface="Arial" panose="020B0604020202020204" pitchFamily="34" charset="0"/>
-              <a:cs typeface="Arial" panose="020B0604020202020204" pitchFamily="34" charset="0"/>
-            </a:endParaRPr>
-          </a:p>
-        </p:txBody>
-      </p:sp>
-      <p:sp>
-        <p:nvSpPr>
-          <p:cNvPr id="4" name="TextBox 3">
-            <a:extLst>
-              <a:ext uri="{FF2B5EF4-FFF2-40B4-BE49-F238E27FC236}">
-                <a16:creationId xmlns:a16="http://schemas.microsoft.com/office/drawing/2014/main" id="{D90BB40D-6DD8-D4CD-FDEA-F57FEF1C9764}"/>
-              </a:ext>
-            </a:extLst>
-          </p:cNvPr>
-          <p:cNvSpPr txBox="1"/>
-          <p:nvPr/>
-        </p:nvSpPr>
-        <p:spPr>
-          <a:xfrm>
-            <a:off x="763929" y="3974804"/>
-            <a:ext cx="3622876" cy="169277"/>
-          </a:xfrm>
-          <a:prstGeom prst="rect">
-            <a:avLst/>
-          </a:prstGeom>
-        </p:spPr>
-        <p:txBody>
-          <a:bodyPr wrap="square" lIns="0" tIns="0" rIns="0" bIns="0" rtlCol="0" anchor="t" anchorCtr="0">
-            <a:spAutoFit/>
-          </a:bodyPr>
-          <a:lstStyle/>
-          <a:p>
-            <a:pPr algn="l"/>
-            <a:r>
-              <a:rPr lang="en-GB" sz="1100" dirty="0" err="1">
-                <a:latin typeface="Arial" panose="020B0604020202020204" pitchFamily="34" charset="0"/>
-                <a:cs typeface="Arial" panose="020B0604020202020204" pitchFamily="34" charset="0"/>
-              </a:rPr>
-              <a:t>stage_messaging</a:t>
-            </a:r>
-            <a:endParaRPr lang="en-GB" sz="1100" b="0" dirty="0">
-              <a:latin typeface="Arial" panose="020B0604020202020204" pitchFamily="34" charset="0"/>
-              <a:cs typeface="Arial" panose="020B0604020202020204" pitchFamily="34" charset="0"/>
-            </a:endParaRPr>
-          </a:p>
-        </p:txBody>
-      </p:sp>
-      <p:sp>
-        <p:nvSpPr>
-          <p:cNvPr id="5" name="TextBox 4">
-            <a:extLst>
-              <a:ext uri="{FF2B5EF4-FFF2-40B4-BE49-F238E27FC236}">
-                <a16:creationId xmlns:a16="http://schemas.microsoft.com/office/drawing/2014/main" id="{C280E5DE-0A1C-B8FC-5E83-6F8908DBD25E}"/>
-              </a:ext>
-            </a:extLst>
-          </p:cNvPr>
-          <p:cNvSpPr txBox="1"/>
-          <p:nvPr/>
-        </p:nvSpPr>
-        <p:spPr>
-          <a:xfrm>
-            <a:off x="763929" y="5169868"/>
-            <a:ext cx="3622876" cy="169277"/>
-          </a:xfrm>
-          <a:prstGeom prst="rect">
-            <a:avLst/>
-          </a:prstGeom>
-        </p:spPr>
-        <p:txBody>
-          <a:bodyPr wrap="square" lIns="0" tIns="0" rIns="0" bIns="0" rtlCol="0" anchor="t" anchorCtr="0">
-            <a:spAutoFit/>
-          </a:bodyPr>
-          <a:lstStyle/>
-          <a:p>
-            <a:pPr algn="l"/>
-            <a:r>
-              <a:rPr lang="en-GB" sz="1100" dirty="0" err="1">
-                <a:latin typeface="Arial" panose="020B0604020202020204" pitchFamily="34" charset="0"/>
-                <a:cs typeface="Arial" panose="020B0604020202020204" pitchFamily="34" charset="0"/>
-              </a:rPr>
-              <a:t>stage_imagery</a:t>
-            </a:r>
-            <a:endParaRPr lang="en-GB" sz="1100" b="0" dirty="0">
-              <a:latin typeface="Arial" panose="020B0604020202020204" pitchFamily="34" charset="0"/>
-              <a:cs typeface="Arial" panose="020B0604020202020204" pitchFamily="34" charset="0"/>
-            </a:endParaRPr>
-          </a:p>
-        </p:txBody>
-      </p:sp>
-      <p:sp>
-        <p:nvSpPr>
           <p:cNvPr id="6" name="TextBox 5">
             <a:extLst>
               <a:ext uri="{FF2B5EF4-FFF2-40B4-BE49-F238E27FC236}">
@@ -2447,6 +2481,48 @@
                 <a:cs typeface="Arial" panose="020B0604020202020204" pitchFamily="34" charset="0"/>
               </a:rPr>
               <a:t>stage_sas_urls</a:t>
+            </a:r>
+            <a:endParaRPr lang="en-GB" sz="1100" b="0" dirty="0">
+              <a:latin typeface="Arial" panose="020B0604020202020204" pitchFamily="34" charset="0"/>
+              <a:cs typeface="Arial" panose="020B0604020202020204" pitchFamily="34" charset="0"/>
+            </a:endParaRPr>
+          </a:p>
+        </p:txBody>
+      </p:sp>
+      <p:sp>
+        <p:nvSpPr>
+          <p:cNvPr id="2" name="TextBox 1">
+            <a:extLst>
+              <a:ext uri="{FF2B5EF4-FFF2-40B4-BE49-F238E27FC236}">
+                <a16:creationId xmlns:a16="http://schemas.microsoft.com/office/drawing/2014/main" id="{90B9BD73-23BB-657A-6D2F-F8AA494BEFC0}"/>
+              </a:ext>
+            </a:extLst>
+          </p:cNvPr>
+          <p:cNvSpPr txBox="1"/>
+          <p:nvPr/>
+        </p:nvSpPr>
+        <p:spPr>
+          <a:xfrm>
+            <a:off x="763931" y="1491048"/>
+            <a:ext cx="3675548" cy="169277"/>
+          </a:xfrm>
+          <a:prstGeom prst="rect">
+            <a:avLst/>
+          </a:prstGeom>
+        </p:spPr>
+        <p:txBody>
+          <a:bodyPr wrap="square" lIns="0" tIns="0" rIns="0" bIns="0" rtlCol="0" anchor="t" anchorCtr="0">
+            <a:spAutoFit/>
+          </a:bodyPr>
+          <a:lstStyle/>
+          <a:p>
+            <a:pPr algn="l"/>
+            <a:r>
+              <a:rPr lang="en-GB" sz="1100" dirty="0" err="1">
+                <a:latin typeface="Arial" panose="020B0604020202020204" pitchFamily="34" charset="0"/>
+                <a:cs typeface="Arial" panose="020B0604020202020204" pitchFamily="34" charset="0"/>
+              </a:rPr>
+              <a:t>json_content</a:t>
             </a:r>
             <a:endParaRPr lang="en-GB" sz="1100" b="0" dirty="0">
               <a:latin typeface="Arial" panose="020B0604020202020204" pitchFamily="34" charset="0"/>
@@ -2488,7 +2564,7 @@
         <p:cNvPr id="1" name="">
           <a:extLst>
             <a:ext uri="{FF2B5EF4-FFF2-40B4-BE49-F238E27FC236}">
-              <a16:creationId xmlns:a16="http://schemas.microsoft.com/office/drawing/2014/main" id="{4B598A33-6D28-3D91-F43C-E12FF883F076}"/>
+              <a16:creationId xmlns:a16="http://schemas.microsoft.com/office/drawing/2014/main" id="{C84E3E58-1EC7-1E4E-DACA-F19BBB4D60DC}"/>
             </a:ext>
           </a:extLst>
         </p:cNvPr>
@@ -2508,7 +2584,7 @@
           <p:cNvPr id="8" name="Text Placeholder 7">
             <a:extLst>
               <a:ext uri="{FF2B5EF4-FFF2-40B4-BE49-F238E27FC236}">
-                <a16:creationId xmlns:a16="http://schemas.microsoft.com/office/drawing/2014/main" id="{E6A9E0C3-3C3C-3BC6-2F35-D4842AA9D22F}"/>
+                <a16:creationId xmlns:a16="http://schemas.microsoft.com/office/drawing/2014/main" id="{B5C06E10-F574-7992-0E45-6226A2335E16}"/>
               </a:ext>
             </a:extLst>
           </p:cNvPr>
@@ -2536,7 +2612,7 @@
           <p:cNvPr id="7" name="Title 6">
             <a:extLst>
               <a:ext uri="{FF2B5EF4-FFF2-40B4-BE49-F238E27FC236}">
-                <a16:creationId xmlns:a16="http://schemas.microsoft.com/office/drawing/2014/main" id="{5C2CA67E-FDB7-85C3-E561-6D3751A360D7}"/>
+                <a16:creationId xmlns:a16="http://schemas.microsoft.com/office/drawing/2014/main" id="{A639CE07-25F2-3777-0249-9E4992B28E5D}"/>
               </a:ext>
             </a:extLst>
           </p:cNvPr>
@@ -2567,142 +2643,10 @@
       </p:sp>
       <p:sp>
         <p:nvSpPr>
-          <p:cNvPr id="3" name="TextBox 2">
-            <a:extLst>
-              <a:ext uri="{FF2B5EF4-FFF2-40B4-BE49-F238E27FC236}">
-                <a16:creationId xmlns:a16="http://schemas.microsoft.com/office/drawing/2014/main" id="{8935C4A0-C074-C330-AB16-DA6D09B56685}"/>
-              </a:ext>
-            </a:extLst>
-          </p:cNvPr>
-          <p:cNvSpPr txBox="1"/>
-          <p:nvPr/>
-        </p:nvSpPr>
-        <p:spPr>
-          <a:xfrm>
-            <a:off x="763929" y="1851951"/>
-            <a:ext cx="3622876" cy="169277"/>
-          </a:xfrm>
-          <a:prstGeom prst="rect">
-            <a:avLst/>
-          </a:prstGeom>
-        </p:spPr>
-        <p:txBody>
-          <a:bodyPr wrap="square" lIns="0" tIns="0" rIns="0" bIns="0" rtlCol="0" anchor="t" anchorCtr="0">
-            <a:spAutoFit/>
-          </a:bodyPr>
-          <a:lstStyle/>
-          <a:p>
-            <a:pPr algn="l"/>
-            <a:r>
-              <a:rPr kumimoji="0" lang="en-GB" sz="1100" b="0" i="0" u="none" strike="noStrike" kern="1200" cap="none" spc="0" normalizeH="0" baseline="0" noProof="0" dirty="0" err="1">
-                <a:ln>
-                  <a:noFill/>
-                </a:ln>
-                <a:effectLst/>
-                <a:uLnTx/>
-                <a:uFillTx/>
-                <a:latin typeface="Arial" panose="020B0604020202020204" pitchFamily="34" charset="0"/>
-                <a:cs typeface="Arial" panose="020B0604020202020204" pitchFamily="34" charset="0"/>
-              </a:rPr>
-              <a:t>stage_overview</a:t>
-            </a:r>
-            <a:endParaRPr lang="en-GB" sz="1100" b="0" dirty="0">
-              <a:latin typeface="Arial" panose="020B0604020202020204" pitchFamily="34" charset="0"/>
-              <a:cs typeface="Arial" panose="020B0604020202020204" pitchFamily="34" charset="0"/>
-            </a:endParaRPr>
-          </a:p>
-        </p:txBody>
-      </p:sp>
-      <p:sp>
-        <p:nvSpPr>
-          <p:cNvPr id="4" name="TextBox 3">
-            <a:extLst>
-              <a:ext uri="{FF2B5EF4-FFF2-40B4-BE49-F238E27FC236}">
-                <a16:creationId xmlns:a16="http://schemas.microsoft.com/office/drawing/2014/main" id="{5F13FBC9-B8BA-2EC5-7DFF-BF5497D2C808}"/>
-              </a:ext>
-            </a:extLst>
-          </p:cNvPr>
-          <p:cNvSpPr txBox="1"/>
-          <p:nvPr/>
-        </p:nvSpPr>
-        <p:spPr>
-          <a:xfrm>
-            <a:off x="763929" y="3974804"/>
-            <a:ext cx="3622876" cy="169277"/>
-          </a:xfrm>
-          <a:prstGeom prst="rect">
-            <a:avLst/>
-          </a:prstGeom>
-        </p:spPr>
-        <p:txBody>
-          <a:bodyPr wrap="square" lIns="0" tIns="0" rIns="0" bIns="0" rtlCol="0" anchor="t" anchorCtr="0">
-            <a:spAutoFit/>
-          </a:bodyPr>
-          <a:lstStyle/>
-          <a:p>
-            <a:pPr algn="l"/>
-            <a:r>
-              <a:rPr lang="en-GB" sz="1100" dirty="0" err="1">
-                <a:latin typeface="Arial" panose="020B0604020202020204" pitchFamily="34" charset="0"/>
-                <a:cs typeface="Arial" panose="020B0604020202020204" pitchFamily="34" charset="0"/>
-              </a:rPr>
-              <a:t>stage_messaging</a:t>
-            </a:r>
-            <a:endParaRPr lang="en-GB" sz="1100" b="0" dirty="0">
-              <a:latin typeface="Arial" panose="020B0604020202020204" pitchFamily="34" charset="0"/>
-              <a:cs typeface="Arial" panose="020B0604020202020204" pitchFamily="34" charset="0"/>
-            </a:endParaRPr>
-          </a:p>
-        </p:txBody>
-      </p:sp>
-      <p:sp>
-        <p:nvSpPr>
-          <p:cNvPr id="5" name="TextBox 4">
-            <a:extLst>
-              <a:ext uri="{FF2B5EF4-FFF2-40B4-BE49-F238E27FC236}">
-                <a16:creationId xmlns:a16="http://schemas.microsoft.com/office/drawing/2014/main" id="{E04F6D46-6BDD-4672-8857-865F23FE285C}"/>
-              </a:ext>
-            </a:extLst>
-          </p:cNvPr>
-          <p:cNvSpPr txBox="1"/>
-          <p:nvPr/>
-        </p:nvSpPr>
-        <p:spPr>
-          <a:xfrm>
-            <a:off x="763929" y="5169868"/>
-            <a:ext cx="3622876" cy="169277"/>
-          </a:xfrm>
-          <a:prstGeom prst="rect">
-            <a:avLst/>
-          </a:prstGeom>
-        </p:spPr>
-        <p:txBody>
-          <a:bodyPr wrap="square" lIns="0" tIns="0" rIns="0" bIns="0" rtlCol="0" anchor="t" anchorCtr="0">
-            <a:spAutoFit/>
-          </a:bodyPr>
-          <a:lstStyle/>
-          <a:p>
-            <a:pPr algn="l"/>
-            <a:r>
-              <a:rPr lang="en-GB" sz="1100" dirty="0" err="1">
-                <a:latin typeface="Arial" panose="020B0604020202020204" pitchFamily="34" charset="0"/>
-                <a:cs typeface="Arial" panose="020B0604020202020204" pitchFamily="34" charset="0"/>
-              </a:rPr>
-              <a:t>stage_imagery</a:t>
-            </a:r>
-            <a:endParaRPr lang="en-GB" sz="1100" b="0" dirty="0">
-              <a:latin typeface="Arial" panose="020B0604020202020204" pitchFamily="34" charset="0"/>
-              <a:cs typeface="Arial" panose="020B0604020202020204" pitchFamily="34" charset="0"/>
-            </a:endParaRPr>
-          </a:p>
-        </p:txBody>
-      </p:sp>
-      <p:sp>
-        <p:nvSpPr>
           <p:cNvPr id="6" name="TextBox 5">
             <a:extLst>
               <a:ext uri="{FF2B5EF4-FFF2-40B4-BE49-F238E27FC236}">
-                <a16:creationId xmlns:a16="http://schemas.microsoft.com/office/drawing/2014/main" id="{87111CE2-B16A-1461-8237-489D689861D0}"/>
+                <a16:creationId xmlns:a16="http://schemas.microsoft.com/office/drawing/2014/main" id="{ED89FF21-D92A-AC4E-EC6D-BB6CB0A8C782}"/>
               </a:ext>
             </a:extLst>
           </p:cNvPr>
@@ -2739,23 +2683,65 @@
           </a:p>
         </p:txBody>
       </p:sp>
+      <p:sp>
+        <p:nvSpPr>
+          <p:cNvPr id="2" name="TextBox 1">
+            <a:extLst>
+              <a:ext uri="{FF2B5EF4-FFF2-40B4-BE49-F238E27FC236}">
+                <a16:creationId xmlns:a16="http://schemas.microsoft.com/office/drawing/2014/main" id="{F2162378-565C-F919-0250-1BE871E3BD28}"/>
+              </a:ext>
+            </a:extLst>
+          </p:cNvPr>
+          <p:cNvSpPr txBox="1"/>
+          <p:nvPr/>
+        </p:nvSpPr>
+        <p:spPr>
+          <a:xfrm>
+            <a:off x="763931" y="1491048"/>
+            <a:ext cx="3675548" cy="169277"/>
+          </a:xfrm>
+          <a:prstGeom prst="rect">
+            <a:avLst/>
+          </a:prstGeom>
+        </p:spPr>
+        <p:txBody>
+          <a:bodyPr wrap="square" lIns="0" tIns="0" rIns="0" bIns="0" rtlCol="0" anchor="t" anchorCtr="0">
+            <a:spAutoFit/>
+          </a:bodyPr>
+          <a:lstStyle/>
+          <a:p>
+            <a:pPr algn="l"/>
+            <a:r>
+              <a:rPr lang="en-GB" sz="1100" dirty="0" err="1">
+                <a:latin typeface="Arial" panose="020B0604020202020204" pitchFamily="34" charset="0"/>
+                <a:cs typeface="Arial" panose="020B0604020202020204" pitchFamily="34" charset="0"/>
+              </a:rPr>
+              <a:t>json_content</a:t>
+            </a:r>
+            <a:endParaRPr lang="en-GB" sz="1100" b="0" dirty="0">
+              <a:latin typeface="Arial" panose="020B0604020202020204" pitchFamily="34" charset="0"/>
+              <a:cs typeface="Arial" panose="020B0604020202020204" pitchFamily="34" charset="0"/>
+            </a:endParaRPr>
+          </a:p>
+        </p:txBody>
+      </p:sp>
     </p:spTree>
     <p:extLst>
       <p:ext uri="{BB962C8B-B14F-4D97-AF65-F5344CB8AC3E}">
-        <p14:creationId xmlns:p14="http://schemas.microsoft.com/office/powerpoint/2010/main" val="317447270"/>
+        <p14:creationId xmlns:p14="http://schemas.microsoft.com/office/powerpoint/2010/main" val="1478095669"/>
       </p:ext>
     </p:extLst>
   </p:cSld>
   <p:clrMapOvr>
     <a:masterClrMapping/>
   </p:clrMapOvr>
-  <mc:AlternateContent xmlns:mc="http://schemas.openxmlformats.org/markup-compatibility/2006" xmlns:p14="http://schemas.microsoft.com/office/powerpoint/2010/main">
-    <mc:Choice Requires="p14">
+  <mc:AlternateContent xmlns:mc="http://schemas.openxmlformats.org/markup-compatibility/2006">
+    <mc:Choice xmlns:p14="http://schemas.microsoft.com/office/powerpoint/2010/main" Requires="p14">
       <p:transition spd="med" p14:dur="700">
         <p:fade/>
       </p:transition>
     </mc:Choice>
-    <mc:Fallback xmlns="">
+    <mc:Fallback>
       <p:transition spd="med">
         <p:fade/>
       </p:transition>
@@ -2772,7 +2758,7 @@
         <p:cNvPr id="1" name="">
           <a:extLst>
             <a:ext uri="{FF2B5EF4-FFF2-40B4-BE49-F238E27FC236}">
-              <a16:creationId xmlns:a16="http://schemas.microsoft.com/office/drawing/2014/main" id="{F57F3355-7E34-8F28-BBA9-6BB13C3E1186}"/>
+              <a16:creationId xmlns:a16="http://schemas.microsoft.com/office/drawing/2014/main" id="{E45B0BE2-03CE-A1EC-1409-F9D19AA11AA1}"/>
             </a:ext>
           </a:extLst>
         </p:cNvPr>
@@ -2792,7 +2778,7 @@
           <p:cNvPr id="8" name="Text Placeholder 7">
             <a:extLst>
               <a:ext uri="{FF2B5EF4-FFF2-40B4-BE49-F238E27FC236}">
-                <a16:creationId xmlns:a16="http://schemas.microsoft.com/office/drawing/2014/main" id="{3F7FCEB5-1513-70EE-BBB2-F22F6280EB35}"/>
+                <a16:creationId xmlns:a16="http://schemas.microsoft.com/office/drawing/2014/main" id="{F03D4640-F953-F618-BF98-6AA9CA23F68B}"/>
               </a:ext>
             </a:extLst>
           </p:cNvPr>
@@ -2820,7 +2806,7 @@
           <p:cNvPr id="7" name="Title 6">
             <a:extLst>
               <a:ext uri="{FF2B5EF4-FFF2-40B4-BE49-F238E27FC236}">
-                <a16:creationId xmlns:a16="http://schemas.microsoft.com/office/drawing/2014/main" id="{9A6E7A15-2686-863A-CDFD-CF5F329D0011}"/>
+                <a16:creationId xmlns:a16="http://schemas.microsoft.com/office/drawing/2014/main" id="{4BC94572-C240-EE73-6469-CCE8747A40F7}"/>
               </a:ext>
             </a:extLst>
           </p:cNvPr>
@@ -2851,142 +2837,10 @@
       </p:sp>
       <p:sp>
         <p:nvSpPr>
-          <p:cNvPr id="3" name="TextBox 2">
-            <a:extLst>
-              <a:ext uri="{FF2B5EF4-FFF2-40B4-BE49-F238E27FC236}">
-                <a16:creationId xmlns:a16="http://schemas.microsoft.com/office/drawing/2014/main" id="{7AD81248-B289-2896-4C8C-DC40296A607C}"/>
-              </a:ext>
-            </a:extLst>
-          </p:cNvPr>
-          <p:cNvSpPr txBox="1"/>
-          <p:nvPr/>
-        </p:nvSpPr>
-        <p:spPr>
-          <a:xfrm>
-            <a:off x="763929" y="1851951"/>
-            <a:ext cx="3622876" cy="169277"/>
-          </a:xfrm>
-          <a:prstGeom prst="rect">
-            <a:avLst/>
-          </a:prstGeom>
-        </p:spPr>
-        <p:txBody>
-          <a:bodyPr wrap="square" lIns="0" tIns="0" rIns="0" bIns="0" rtlCol="0" anchor="t" anchorCtr="0">
-            <a:spAutoFit/>
-          </a:bodyPr>
-          <a:lstStyle/>
-          <a:p>
-            <a:pPr algn="l"/>
-            <a:r>
-              <a:rPr kumimoji="0" lang="en-GB" sz="1100" b="0" i="0" u="none" strike="noStrike" kern="1200" cap="none" spc="0" normalizeH="0" baseline="0" noProof="0" dirty="0" err="1">
-                <a:ln>
-                  <a:noFill/>
-                </a:ln>
-                <a:effectLst/>
-                <a:uLnTx/>
-                <a:uFillTx/>
-                <a:latin typeface="Arial" panose="020B0604020202020204" pitchFamily="34" charset="0"/>
-                <a:cs typeface="Arial" panose="020B0604020202020204" pitchFamily="34" charset="0"/>
-              </a:rPr>
-              <a:t>stage_overview</a:t>
-            </a:r>
-            <a:endParaRPr lang="en-GB" sz="1100" b="0" dirty="0">
-              <a:latin typeface="Arial" panose="020B0604020202020204" pitchFamily="34" charset="0"/>
-              <a:cs typeface="Arial" panose="020B0604020202020204" pitchFamily="34" charset="0"/>
-            </a:endParaRPr>
-          </a:p>
-        </p:txBody>
-      </p:sp>
-      <p:sp>
-        <p:nvSpPr>
-          <p:cNvPr id="4" name="TextBox 3">
-            <a:extLst>
-              <a:ext uri="{FF2B5EF4-FFF2-40B4-BE49-F238E27FC236}">
-                <a16:creationId xmlns:a16="http://schemas.microsoft.com/office/drawing/2014/main" id="{D70EA986-2275-65CC-85DE-15E804755BEF}"/>
-              </a:ext>
-            </a:extLst>
-          </p:cNvPr>
-          <p:cNvSpPr txBox="1"/>
-          <p:nvPr/>
-        </p:nvSpPr>
-        <p:spPr>
-          <a:xfrm>
-            <a:off x="763929" y="3974804"/>
-            <a:ext cx="3622876" cy="169277"/>
-          </a:xfrm>
-          <a:prstGeom prst="rect">
-            <a:avLst/>
-          </a:prstGeom>
-        </p:spPr>
-        <p:txBody>
-          <a:bodyPr wrap="square" lIns="0" tIns="0" rIns="0" bIns="0" rtlCol="0" anchor="t" anchorCtr="0">
-            <a:spAutoFit/>
-          </a:bodyPr>
-          <a:lstStyle/>
-          <a:p>
-            <a:pPr algn="l"/>
-            <a:r>
-              <a:rPr lang="en-GB" sz="1100" dirty="0" err="1">
-                <a:latin typeface="Arial" panose="020B0604020202020204" pitchFamily="34" charset="0"/>
-                <a:cs typeface="Arial" panose="020B0604020202020204" pitchFamily="34" charset="0"/>
-              </a:rPr>
-              <a:t>stage_messaging</a:t>
-            </a:r>
-            <a:endParaRPr lang="en-GB" sz="1100" b="0" dirty="0">
-              <a:latin typeface="Arial" panose="020B0604020202020204" pitchFamily="34" charset="0"/>
-              <a:cs typeface="Arial" panose="020B0604020202020204" pitchFamily="34" charset="0"/>
-            </a:endParaRPr>
-          </a:p>
-        </p:txBody>
-      </p:sp>
-      <p:sp>
-        <p:nvSpPr>
-          <p:cNvPr id="5" name="TextBox 4">
-            <a:extLst>
-              <a:ext uri="{FF2B5EF4-FFF2-40B4-BE49-F238E27FC236}">
-                <a16:creationId xmlns:a16="http://schemas.microsoft.com/office/drawing/2014/main" id="{1877F3D9-DFFF-5E3B-218A-B85BA22E0068}"/>
-              </a:ext>
-            </a:extLst>
-          </p:cNvPr>
-          <p:cNvSpPr txBox="1"/>
-          <p:nvPr/>
-        </p:nvSpPr>
-        <p:spPr>
-          <a:xfrm>
-            <a:off x="763929" y="5169868"/>
-            <a:ext cx="3622876" cy="169277"/>
-          </a:xfrm>
-          <a:prstGeom prst="rect">
-            <a:avLst/>
-          </a:prstGeom>
-        </p:spPr>
-        <p:txBody>
-          <a:bodyPr wrap="square" lIns="0" tIns="0" rIns="0" bIns="0" rtlCol="0" anchor="t" anchorCtr="0">
-            <a:spAutoFit/>
-          </a:bodyPr>
-          <a:lstStyle/>
-          <a:p>
-            <a:pPr algn="l"/>
-            <a:r>
-              <a:rPr lang="en-GB" sz="1100" dirty="0" err="1">
-                <a:latin typeface="Arial" panose="020B0604020202020204" pitchFamily="34" charset="0"/>
-                <a:cs typeface="Arial" panose="020B0604020202020204" pitchFamily="34" charset="0"/>
-              </a:rPr>
-              <a:t>stage_imagery</a:t>
-            </a:r>
-            <a:endParaRPr lang="en-GB" sz="1100" b="0" dirty="0">
-              <a:latin typeface="Arial" panose="020B0604020202020204" pitchFamily="34" charset="0"/>
-              <a:cs typeface="Arial" panose="020B0604020202020204" pitchFamily="34" charset="0"/>
-            </a:endParaRPr>
-          </a:p>
-        </p:txBody>
-      </p:sp>
-      <p:sp>
-        <p:nvSpPr>
           <p:cNvPr id="6" name="TextBox 5">
             <a:extLst>
               <a:ext uri="{FF2B5EF4-FFF2-40B4-BE49-F238E27FC236}">
-                <a16:creationId xmlns:a16="http://schemas.microsoft.com/office/drawing/2014/main" id="{1113B546-A653-0027-456C-6F0031C0B8E2}"/>
+                <a16:creationId xmlns:a16="http://schemas.microsoft.com/office/drawing/2014/main" id="{66F84390-C082-1108-4820-5147135A0143}"/>
               </a:ext>
             </a:extLst>
           </p:cNvPr>
@@ -3023,23 +2877,65 @@
           </a:p>
         </p:txBody>
       </p:sp>
+      <p:sp>
+        <p:nvSpPr>
+          <p:cNvPr id="2" name="TextBox 1">
+            <a:extLst>
+              <a:ext uri="{FF2B5EF4-FFF2-40B4-BE49-F238E27FC236}">
+                <a16:creationId xmlns:a16="http://schemas.microsoft.com/office/drawing/2014/main" id="{406BA65E-E733-97E1-4982-07826F9FFFCC}"/>
+              </a:ext>
+            </a:extLst>
+          </p:cNvPr>
+          <p:cNvSpPr txBox="1"/>
+          <p:nvPr/>
+        </p:nvSpPr>
+        <p:spPr>
+          <a:xfrm>
+            <a:off x="763931" y="1491048"/>
+            <a:ext cx="3675548" cy="169277"/>
+          </a:xfrm>
+          <a:prstGeom prst="rect">
+            <a:avLst/>
+          </a:prstGeom>
+        </p:spPr>
+        <p:txBody>
+          <a:bodyPr wrap="square" lIns="0" tIns="0" rIns="0" bIns="0" rtlCol="0" anchor="t" anchorCtr="0">
+            <a:spAutoFit/>
+          </a:bodyPr>
+          <a:lstStyle/>
+          <a:p>
+            <a:pPr algn="l"/>
+            <a:r>
+              <a:rPr lang="en-GB" sz="1100" dirty="0" err="1">
+                <a:latin typeface="Arial" panose="020B0604020202020204" pitchFamily="34" charset="0"/>
+                <a:cs typeface="Arial" panose="020B0604020202020204" pitchFamily="34" charset="0"/>
+              </a:rPr>
+              <a:t>json_content</a:t>
+            </a:r>
+            <a:endParaRPr lang="en-GB" sz="1100" b="0" dirty="0">
+              <a:latin typeface="Arial" panose="020B0604020202020204" pitchFamily="34" charset="0"/>
+              <a:cs typeface="Arial" panose="020B0604020202020204" pitchFamily="34" charset="0"/>
+            </a:endParaRPr>
+          </a:p>
+        </p:txBody>
+      </p:sp>
     </p:spTree>
     <p:extLst>
       <p:ext uri="{BB962C8B-B14F-4D97-AF65-F5344CB8AC3E}">
-        <p14:creationId xmlns:p14="http://schemas.microsoft.com/office/powerpoint/2010/main" val="1711594109"/>
+        <p14:creationId xmlns:p14="http://schemas.microsoft.com/office/powerpoint/2010/main" val="569411363"/>
       </p:ext>
     </p:extLst>
   </p:cSld>
   <p:clrMapOvr>
     <a:masterClrMapping/>
   </p:clrMapOvr>
-  <mc:AlternateContent xmlns:mc="http://schemas.openxmlformats.org/markup-compatibility/2006" xmlns:p14="http://schemas.microsoft.com/office/powerpoint/2010/main">
-    <mc:Choice Requires="p14">
+  <mc:AlternateContent xmlns:mc="http://schemas.openxmlformats.org/markup-compatibility/2006">
+    <mc:Choice xmlns:p14="http://schemas.microsoft.com/office/powerpoint/2010/main" Requires="p14">
       <p:transition spd="med" p14:dur="700">
         <p:fade/>
       </p:transition>
     </mc:Choice>
-    <mc:Fallback xmlns="">
+    <mc:Fallback>
       <p:transition spd="med">
         <p:fade/>
       </p:transition>
@@ -3056,7 +2952,7 @@
         <p:cNvPr id="1" name="">
           <a:extLst>
             <a:ext uri="{FF2B5EF4-FFF2-40B4-BE49-F238E27FC236}">
-              <a16:creationId xmlns:a16="http://schemas.microsoft.com/office/drawing/2014/main" id="{AFA45F19-FD64-13B2-4A6B-4978A401D1B2}"/>
+              <a16:creationId xmlns:a16="http://schemas.microsoft.com/office/drawing/2014/main" id="{D9A5E4B9-0F62-588E-7310-7711BD6E4E95}"/>
             </a:ext>
           </a:extLst>
         </p:cNvPr>
@@ -3076,7 +2972,7 @@
           <p:cNvPr id="8" name="Text Placeholder 7">
             <a:extLst>
               <a:ext uri="{FF2B5EF4-FFF2-40B4-BE49-F238E27FC236}">
-                <a16:creationId xmlns:a16="http://schemas.microsoft.com/office/drawing/2014/main" id="{F538AD54-97A7-1C65-4333-F61183E04FFE}"/>
+                <a16:creationId xmlns:a16="http://schemas.microsoft.com/office/drawing/2014/main" id="{80DEEAD4-970C-F606-FDBE-A9FCBB925B4B}"/>
               </a:ext>
             </a:extLst>
           </p:cNvPr>
@@ -3104,7 +3000,7 @@
           <p:cNvPr id="7" name="Title 6">
             <a:extLst>
               <a:ext uri="{FF2B5EF4-FFF2-40B4-BE49-F238E27FC236}">
-                <a16:creationId xmlns:a16="http://schemas.microsoft.com/office/drawing/2014/main" id="{4D2C36F1-FB0C-F8B8-6F35-9674220DCCA2}"/>
+                <a16:creationId xmlns:a16="http://schemas.microsoft.com/office/drawing/2014/main" id="{922740D8-1EC1-C059-2E27-277F7721E784}"/>
               </a:ext>
             </a:extLst>
           </p:cNvPr>
@@ -3135,142 +3031,10 @@
       </p:sp>
       <p:sp>
         <p:nvSpPr>
-          <p:cNvPr id="3" name="TextBox 2">
-            <a:extLst>
-              <a:ext uri="{FF2B5EF4-FFF2-40B4-BE49-F238E27FC236}">
-                <a16:creationId xmlns:a16="http://schemas.microsoft.com/office/drawing/2014/main" id="{235F06F6-1C3D-8A24-6FC2-03B53A0D2BCF}"/>
-              </a:ext>
-            </a:extLst>
-          </p:cNvPr>
-          <p:cNvSpPr txBox="1"/>
-          <p:nvPr/>
-        </p:nvSpPr>
-        <p:spPr>
-          <a:xfrm>
-            <a:off x="763929" y="1851951"/>
-            <a:ext cx="3622876" cy="169277"/>
-          </a:xfrm>
-          <a:prstGeom prst="rect">
-            <a:avLst/>
-          </a:prstGeom>
-        </p:spPr>
-        <p:txBody>
-          <a:bodyPr wrap="square" lIns="0" tIns="0" rIns="0" bIns="0" rtlCol="0" anchor="t" anchorCtr="0">
-            <a:spAutoFit/>
-          </a:bodyPr>
-          <a:lstStyle/>
-          <a:p>
-            <a:pPr algn="l"/>
-            <a:r>
-              <a:rPr kumimoji="0" lang="en-GB" sz="1100" b="0" i="0" u="none" strike="noStrike" kern="1200" cap="none" spc="0" normalizeH="0" baseline="0" noProof="0" dirty="0" err="1">
-                <a:ln>
-                  <a:noFill/>
-                </a:ln>
-                <a:effectLst/>
-                <a:uLnTx/>
-                <a:uFillTx/>
-                <a:latin typeface="Arial" panose="020B0604020202020204" pitchFamily="34" charset="0"/>
-                <a:cs typeface="Arial" panose="020B0604020202020204" pitchFamily="34" charset="0"/>
-              </a:rPr>
-              <a:t>stage_overview</a:t>
-            </a:r>
-            <a:endParaRPr lang="en-GB" sz="1100" b="0" dirty="0">
-              <a:latin typeface="Arial" panose="020B0604020202020204" pitchFamily="34" charset="0"/>
-              <a:cs typeface="Arial" panose="020B0604020202020204" pitchFamily="34" charset="0"/>
-            </a:endParaRPr>
-          </a:p>
-        </p:txBody>
-      </p:sp>
-      <p:sp>
-        <p:nvSpPr>
-          <p:cNvPr id="4" name="TextBox 3">
-            <a:extLst>
-              <a:ext uri="{FF2B5EF4-FFF2-40B4-BE49-F238E27FC236}">
-                <a16:creationId xmlns:a16="http://schemas.microsoft.com/office/drawing/2014/main" id="{6F8A3C7C-F392-EF48-80D5-6D54FFCA4ECA}"/>
-              </a:ext>
-            </a:extLst>
-          </p:cNvPr>
-          <p:cNvSpPr txBox="1"/>
-          <p:nvPr/>
-        </p:nvSpPr>
-        <p:spPr>
-          <a:xfrm>
-            <a:off x="763929" y="3974804"/>
-            <a:ext cx="3622876" cy="169277"/>
-          </a:xfrm>
-          <a:prstGeom prst="rect">
-            <a:avLst/>
-          </a:prstGeom>
-        </p:spPr>
-        <p:txBody>
-          <a:bodyPr wrap="square" lIns="0" tIns="0" rIns="0" bIns="0" rtlCol="0" anchor="t" anchorCtr="0">
-            <a:spAutoFit/>
-          </a:bodyPr>
-          <a:lstStyle/>
-          <a:p>
-            <a:pPr algn="l"/>
-            <a:r>
-              <a:rPr lang="en-GB" sz="1100" dirty="0" err="1">
-                <a:latin typeface="Arial" panose="020B0604020202020204" pitchFamily="34" charset="0"/>
-                <a:cs typeface="Arial" panose="020B0604020202020204" pitchFamily="34" charset="0"/>
-              </a:rPr>
-              <a:t>stage_messaging</a:t>
-            </a:r>
-            <a:endParaRPr lang="en-GB" sz="1100" b="0" dirty="0">
-              <a:latin typeface="Arial" panose="020B0604020202020204" pitchFamily="34" charset="0"/>
-              <a:cs typeface="Arial" panose="020B0604020202020204" pitchFamily="34" charset="0"/>
-            </a:endParaRPr>
-          </a:p>
-        </p:txBody>
-      </p:sp>
-      <p:sp>
-        <p:nvSpPr>
-          <p:cNvPr id="5" name="TextBox 4">
-            <a:extLst>
-              <a:ext uri="{FF2B5EF4-FFF2-40B4-BE49-F238E27FC236}">
-                <a16:creationId xmlns:a16="http://schemas.microsoft.com/office/drawing/2014/main" id="{BCAE0CC4-DA49-5C8D-1E21-8131BE5085C3}"/>
-              </a:ext>
-            </a:extLst>
-          </p:cNvPr>
-          <p:cNvSpPr txBox="1"/>
-          <p:nvPr/>
-        </p:nvSpPr>
-        <p:spPr>
-          <a:xfrm>
-            <a:off x="763929" y="5169868"/>
-            <a:ext cx="3622876" cy="169277"/>
-          </a:xfrm>
-          <a:prstGeom prst="rect">
-            <a:avLst/>
-          </a:prstGeom>
-        </p:spPr>
-        <p:txBody>
-          <a:bodyPr wrap="square" lIns="0" tIns="0" rIns="0" bIns="0" rtlCol="0" anchor="t" anchorCtr="0">
-            <a:spAutoFit/>
-          </a:bodyPr>
-          <a:lstStyle/>
-          <a:p>
-            <a:pPr algn="l"/>
-            <a:r>
-              <a:rPr lang="en-GB" sz="1100" dirty="0" err="1">
-                <a:latin typeface="Arial" panose="020B0604020202020204" pitchFamily="34" charset="0"/>
-                <a:cs typeface="Arial" panose="020B0604020202020204" pitchFamily="34" charset="0"/>
-              </a:rPr>
-              <a:t>stage_imagery</a:t>
-            </a:r>
-            <a:endParaRPr lang="en-GB" sz="1100" b="0" dirty="0">
-              <a:latin typeface="Arial" panose="020B0604020202020204" pitchFamily="34" charset="0"/>
-              <a:cs typeface="Arial" panose="020B0604020202020204" pitchFamily="34" charset="0"/>
-            </a:endParaRPr>
-          </a:p>
-        </p:txBody>
-      </p:sp>
-      <p:sp>
-        <p:nvSpPr>
           <p:cNvPr id="6" name="TextBox 5">
             <a:extLst>
               <a:ext uri="{FF2B5EF4-FFF2-40B4-BE49-F238E27FC236}">
-                <a16:creationId xmlns:a16="http://schemas.microsoft.com/office/drawing/2014/main" id="{53A1227D-B63F-B3D6-E02E-4AAFADD64854}"/>
+                <a16:creationId xmlns:a16="http://schemas.microsoft.com/office/drawing/2014/main" id="{EAEFA61E-2675-D408-43EC-DE9B6EF304E3}"/>
               </a:ext>
             </a:extLst>
           </p:cNvPr>
@@ -3307,23 +3071,65 @@
           </a:p>
         </p:txBody>
       </p:sp>
+      <p:sp>
+        <p:nvSpPr>
+          <p:cNvPr id="2" name="TextBox 1">
+            <a:extLst>
+              <a:ext uri="{FF2B5EF4-FFF2-40B4-BE49-F238E27FC236}">
+                <a16:creationId xmlns:a16="http://schemas.microsoft.com/office/drawing/2014/main" id="{1C416BDC-7FFB-DCEE-DC99-CB83ABBC0A16}"/>
+              </a:ext>
+            </a:extLst>
+          </p:cNvPr>
+          <p:cNvSpPr txBox="1"/>
+          <p:nvPr/>
+        </p:nvSpPr>
+        <p:spPr>
+          <a:xfrm>
+            <a:off x="763931" y="1491048"/>
+            <a:ext cx="3675548" cy="169277"/>
+          </a:xfrm>
+          <a:prstGeom prst="rect">
+            <a:avLst/>
+          </a:prstGeom>
+        </p:spPr>
+        <p:txBody>
+          <a:bodyPr wrap="square" lIns="0" tIns="0" rIns="0" bIns="0" rtlCol="0" anchor="t" anchorCtr="0">
+            <a:spAutoFit/>
+          </a:bodyPr>
+          <a:lstStyle/>
+          <a:p>
+            <a:pPr algn="l"/>
+            <a:r>
+              <a:rPr lang="en-GB" sz="1100" dirty="0" err="1">
+                <a:latin typeface="Arial" panose="020B0604020202020204" pitchFamily="34" charset="0"/>
+                <a:cs typeface="Arial" panose="020B0604020202020204" pitchFamily="34" charset="0"/>
+              </a:rPr>
+              <a:t>json_content</a:t>
+            </a:r>
+            <a:endParaRPr lang="en-GB" sz="1100" b="0" dirty="0">
+              <a:latin typeface="Arial" panose="020B0604020202020204" pitchFamily="34" charset="0"/>
+              <a:cs typeface="Arial" panose="020B0604020202020204" pitchFamily="34" charset="0"/>
+            </a:endParaRPr>
+          </a:p>
+        </p:txBody>
+      </p:sp>
     </p:spTree>
     <p:extLst>
       <p:ext uri="{BB962C8B-B14F-4D97-AF65-F5344CB8AC3E}">
-        <p14:creationId xmlns:p14="http://schemas.microsoft.com/office/powerpoint/2010/main" val="3111924551"/>
+        <p14:creationId xmlns:p14="http://schemas.microsoft.com/office/powerpoint/2010/main" val="3197340929"/>
       </p:ext>
     </p:extLst>
   </p:cSld>
   <p:clrMapOvr>
     <a:masterClrMapping/>
   </p:clrMapOvr>
-  <mc:AlternateContent xmlns:mc="http://schemas.openxmlformats.org/markup-compatibility/2006" xmlns:p14="http://schemas.microsoft.com/office/powerpoint/2010/main">
-    <mc:Choice Requires="p14">
+  <mc:AlternateContent xmlns:mc="http://schemas.openxmlformats.org/markup-compatibility/2006">
+    <mc:Choice xmlns:p14="http://schemas.microsoft.com/office/powerpoint/2010/main" Requires="p14">
       <p:transition spd="med" p14:dur="700">
         <p:fade/>
       </p:transition>
     </mc:Choice>
-    <mc:Fallback xmlns="">
+    <mc:Fallback>
       <p:transition spd="med">
         <p:fade/>
       </p:transition>
@@ -3340,7 +3146,7 @@
         <p:cNvPr id="1" name="">
           <a:extLst>
             <a:ext uri="{FF2B5EF4-FFF2-40B4-BE49-F238E27FC236}">
-              <a16:creationId xmlns:a16="http://schemas.microsoft.com/office/drawing/2014/main" id="{3A27554C-CA0A-875C-EABA-872F9BC28BAE}"/>
+              <a16:creationId xmlns:a16="http://schemas.microsoft.com/office/drawing/2014/main" id="{28A9435C-5235-7B99-180D-76FDB49B70A0}"/>
             </a:ext>
           </a:extLst>
         </p:cNvPr>
@@ -3360,7 +3166,7 @@
           <p:cNvPr id="8" name="Text Placeholder 7">
             <a:extLst>
               <a:ext uri="{FF2B5EF4-FFF2-40B4-BE49-F238E27FC236}">
-                <a16:creationId xmlns:a16="http://schemas.microsoft.com/office/drawing/2014/main" id="{F6320F67-DDCE-1991-1C7F-1BB6CCF22A0F}"/>
+                <a16:creationId xmlns:a16="http://schemas.microsoft.com/office/drawing/2014/main" id="{AC0F2E6E-D24A-D891-A849-A2699C3C731B}"/>
               </a:ext>
             </a:extLst>
           </p:cNvPr>
@@ -3388,7 +3194,7 @@
           <p:cNvPr id="7" name="Title 6">
             <a:extLst>
               <a:ext uri="{FF2B5EF4-FFF2-40B4-BE49-F238E27FC236}">
-                <a16:creationId xmlns:a16="http://schemas.microsoft.com/office/drawing/2014/main" id="{D8888E29-9433-4B6E-2A3B-C60996F8AC76}"/>
+                <a16:creationId xmlns:a16="http://schemas.microsoft.com/office/drawing/2014/main" id="{ED0D1876-F463-E796-B822-F42728A434E1}"/>
               </a:ext>
             </a:extLst>
           </p:cNvPr>
@@ -3419,142 +3225,10 @@
       </p:sp>
       <p:sp>
         <p:nvSpPr>
-          <p:cNvPr id="3" name="TextBox 2">
-            <a:extLst>
-              <a:ext uri="{FF2B5EF4-FFF2-40B4-BE49-F238E27FC236}">
-                <a16:creationId xmlns:a16="http://schemas.microsoft.com/office/drawing/2014/main" id="{5B01AAB1-5102-097D-CD22-FB9A8EB957E5}"/>
-              </a:ext>
-            </a:extLst>
-          </p:cNvPr>
-          <p:cNvSpPr txBox="1"/>
-          <p:nvPr/>
-        </p:nvSpPr>
-        <p:spPr>
-          <a:xfrm>
-            <a:off x="763929" y="1851951"/>
-            <a:ext cx="3622876" cy="169277"/>
-          </a:xfrm>
-          <a:prstGeom prst="rect">
-            <a:avLst/>
-          </a:prstGeom>
-        </p:spPr>
-        <p:txBody>
-          <a:bodyPr wrap="square" lIns="0" tIns="0" rIns="0" bIns="0" rtlCol="0" anchor="t" anchorCtr="0">
-            <a:spAutoFit/>
-          </a:bodyPr>
-          <a:lstStyle/>
-          <a:p>
-            <a:pPr algn="l"/>
-            <a:r>
-              <a:rPr kumimoji="0" lang="en-GB" sz="1100" b="0" i="0" u="none" strike="noStrike" kern="1200" cap="none" spc="0" normalizeH="0" baseline="0" noProof="0" dirty="0" err="1">
-                <a:ln>
-                  <a:noFill/>
-                </a:ln>
-                <a:effectLst/>
-                <a:uLnTx/>
-                <a:uFillTx/>
-                <a:latin typeface="Arial" panose="020B0604020202020204" pitchFamily="34" charset="0"/>
-                <a:cs typeface="Arial" panose="020B0604020202020204" pitchFamily="34" charset="0"/>
-              </a:rPr>
-              <a:t>stage_overview</a:t>
-            </a:r>
-            <a:endParaRPr lang="en-GB" sz="1100" b="0" dirty="0">
-              <a:latin typeface="Arial" panose="020B0604020202020204" pitchFamily="34" charset="0"/>
-              <a:cs typeface="Arial" panose="020B0604020202020204" pitchFamily="34" charset="0"/>
-            </a:endParaRPr>
-          </a:p>
-        </p:txBody>
-      </p:sp>
-      <p:sp>
-        <p:nvSpPr>
-          <p:cNvPr id="4" name="TextBox 3">
-            <a:extLst>
-              <a:ext uri="{FF2B5EF4-FFF2-40B4-BE49-F238E27FC236}">
-                <a16:creationId xmlns:a16="http://schemas.microsoft.com/office/drawing/2014/main" id="{E376AE00-9EBA-FE44-0569-079757A86F42}"/>
-              </a:ext>
-            </a:extLst>
-          </p:cNvPr>
-          <p:cNvSpPr txBox="1"/>
-          <p:nvPr/>
-        </p:nvSpPr>
-        <p:spPr>
-          <a:xfrm>
-            <a:off x="763929" y="3974804"/>
-            <a:ext cx="3622876" cy="169277"/>
-          </a:xfrm>
-          <a:prstGeom prst="rect">
-            <a:avLst/>
-          </a:prstGeom>
-        </p:spPr>
-        <p:txBody>
-          <a:bodyPr wrap="square" lIns="0" tIns="0" rIns="0" bIns="0" rtlCol="0" anchor="t" anchorCtr="0">
-            <a:spAutoFit/>
-          </a:bodyPr>
-          <a:lstStyle/>
-          <a:p>
-            <a:pPr algn="l"/>
-            <a:r>
-              <a:rPr lang="en-GB" sz="1100" dirty="0" err="1">
-                <a:latin typeface="Arial" panose="020B0604020202020204" pitchFamily="34" charset="0"/>
-                <a:cs typeface="Arial" panose="020B0604020202020204" pitchFamily="34" charset="0"/>
-              </a:rPr>
-              <a:t>stage_messaging</a:t>
-            </a:r>
-            <a:endParaRPr lang="en-GB" sz="1100" b="0" dirty="0">
-              <a:latin typeface="Arial" panose="020B0604020202020204" pitchFamily="34" charset="0"/>
-              <a:cs typeface="Arial" panose="020B0604020202020204" pitchFamily="34" charset="0"/>
-            </a:endParaRPr>
-          </a:p>
-        </p:txBody>
-      </p:sp>
-      <p:sp>
-        <p:nvSpPr>
-          <p:cNvPr id="5" name="TextBox 4">
-            <a:extLst>
-              <a:ext uri="{FF2B5EF4-FFF2-40B4-BE49-F238E27FC236}">
-                <a16:creationId xmlns:a16="http://schemas.microsoft.com/office/drawing/2014/main" id="{6EDB68DB-2EE6-5BEA-2A72-32D18D86411E}"/>
-              </a:ext>
-            </a:extLst>
-          </p:cNvPr>
-          <p:cNvSpPr txBox="1"/>
-          <p:nvPr/>
-        </p:nvSpPr>
-        <p:spPr>
-          <a:xfrm>
-            <a:off x="763929" y="5169868"/>
-            <a:ext cx="3622876" cy="169277"/>
-          </a:xfrm>
-          <a:prstGeom prst="rect">
-            <a:avLst/>
-          </a:prstGeom>
-        </p:spPr>
-        <p:txBody>
-          <a:bodyPr wrap="square" lIns="0" tIns="0" rIns="0" bIns="0" rtlCol="0" anchor="t" anchorCtr="0">
-            <a:spAutoFit/>
-          </a:bodyPr>
-          <a:lstStyle/>
-          <a:p>
-            <a:pPr algn="l"/>
-            <a:r>
-              <a:rPr lang="en-GB" sz="1100" dirty="0" err="1">
-                <a:latin typeface="Arial" panose="020B0604020202020204" pitchFamily="34" charset="0"/>
-                <a:cs typeface="Arial" panose="020B0604020202020204" pitchFamily="34" charset="0"/>
-              </a:rPr>
-              <a:t>stage_imagery</a:t>
-            </a:r>
-            <a:endParaRPr lang="en-GB" sz="1100" b="0" dirty="0">
-              <a:latin typeface="Arial" panose="020B0604020202020204" pitchFamily="34" charset="0"/>
-              <a:cs typeface="Arial" panose="020B0604020202020204" pitchFamily="34" charset="0"/>
-            </a:endParaRPr>
-          </a:p>
-        </p:txBody>
-      </p:sp>
-      <p:sp>
-        <p:nvSpPr>
           <p:cNvPr id="6" name="TextBox 5">
             <a:extLst>
               <a:ext uri="{FF2B5EF4-FFF2-40B4-BE49-F238E27FC236}">
-                <a16:creationId xmlns:a16="http://schemas.microsoft.com/office/drawing/2014/main" id="{034326F0-F570-BAA6-00B5-423B7790A9D8}"/>
+                <a16:creationId xmlns:a16="http://schemas.microsoft.com/office/drawing/2014/main" id="{6931B8C5-9566-020F-7E50-0F8A64AF39E7}"/>
               </a:ext>
             </a:extLst>
           </p:cNvPr>
@@ -3591,23 +3265,65 @@
           </a:p>
         </p:txBody>
       </p:sp>
+      <p:sp>
+        <p:nvSpPr>
+          <p:cNvPr id="2" name="TextBox 1">
+            <a:extLst>
+              <a:ext uri="{FF2B5EF4-FFF2-40B4-BE49-F238E27FC236}">
+                <a16:creationId xmlns:a16="http://schemas.microsoft.com/office/drawing/2014/main" id="{AF518C03-8420-0A5B-79BA-2BE01E713EB8}"/>
+              </a:ext>
+            </a:extLst>
+          </p:cNvPr>
+          <p:cNvSpPr txBox="1"/>
+          <p:nvPr/>
+        </p:nvSpPr>
+        <p:spPr>
+          <a:xfrm>
+            <a:off x="763931" y="1491048"/>
+            <a:ext cx="3675548" cy="169277"/>
+          </a:xfrm>
+          <a:prstGeom prst="rect">
+            <a:avLst/>
+          </a:prstGeom>
+        </p:spPr>
+        <p:txBody>
+          <a:bodyPr wrap="square" lIns="0" tIns="0" rIns="0" bIns="0" rtlCol="0" anchor="t" anchorCtr="0">
+            <a:spAutoFit/>
+          </a:bodyPr>
+          <a:lstStyle/>
+          <a:p>
+            <a:pPr algn="l"/>
+            <a:r>
+              <a:rPr lang="en-GB" sz="1100" dirty="0" err="1">
+                <a:latin typeface="Arial" panose="020B0604020202020204" pitchFamily="34" charset="0"/>
+                <a:cs typeface="Arial" panose="020B0604020202020204" pitchFamily="34" charset="0"/>
+              </a:rPr>
+              <a:t>json_content</a:t>
+            </a:r>
+            <a:endParaRPr lang="en-GB" sz="1100" b="0" dirty="0">
+              <a:latin typeface="Arial" panose="020B0604020202020204" pitchFamily="34" charset="0"/>
+              <a:cs typeface="Arial" panose="020B0604020202020204" pitchFamily="34" charset="0"/>
+            </a:endParaRPr>
+          </a:p>
+        </p:txBody>
+      </p:sp>
     </p:spTree>
     <p:extLst>
       <p:ext uri="{BB962C8B-B14F-4D97-AF65-F5344CB8AC3E}">
-        <p14:creationId xmlns:p14="http://schemas.microsoft.com/office/powerpoint/2010/main" val="2469977368"/>
+        <p14:creationId xmlns:p14="http://schemas.microsoft.com/office/powerpoint/2010/main" val="1834060381"/>
       </p:ext>
     </p:extLst>
   </p:cSld>
   <p:clrMapOvr>
     <a:masterClrMapping/>
   </p:clrMapOvr>
-  <mc:AlternateContent xmlns:mc="http://schemas.openxmlformats.org/markup-compatibility/2006" xmlns:p14="http://schemas.microsoft.com/office/powerpoint/2010/main">
-    <mc:Choice Requires="p14">
+  <mc:AlternateContent xmlns:mc="http://schemas.openxmlformats.org/markup-compatibility/2006">
+    <mc:Choice xmlns:p14="http://schemas.microsoft.com/office/powerpoint/2010/main" Requires="p14">
       <p:transition spd="med" p14:dur="700">
         <p:fade/>
       </p:transition>
     </mc:Choice>
-    <mc:Fallback xmlns="">
+    <mc:Fallback>
       <p:transition spd="med">
         <p:fade/>
       </p:transition>
@@ -3624,7 +3340,7 @@
         <p:cNvPr id="1" name="">
           <a:extLst>
             <a:ext uri="{FF2B5EF4-FFF2-40B4-BE49-F238E27FC236}">
-              <a16:creationId xmlns:a16="http://schemas.microsoft.com/office/drawing/2014/main" id="{B6F824FD-CB73-ECD4-F85B-268E24FCD6C2}"/>
+              <a16:creationId xmlns:a16="http://schemas.microsoft.com/office/drawing/2014/main" id="{7B63FBDC-00CB-5B0A-3A52-81C230E42BB2}"/>
             </a:ext>
           </a:extLst>
         </p:cNvPr>
@@ -3644,7 +3360,7 @@
           <p:cNvPr id="8" name="Text Placeholder 7">
             <a:extLst>
               <a:ext uri="{FF2B5EF4-FFF2-40B4-BE49-F238E27FC236}">
-                <a16:creationId xmlns:a16="http://schemas.microsoft.com/office/drawing/2014/main" id="{2E96C626-07B0-96AB-DEC9-857051A8FCD5}"/>
+                <a16:creationId xmlns:a16="http://schemas.microsoft.com/office/drawing/2014/main" id="{864B6736-AC5B-E384-9F6F-55D2423BD961}"/>
               </a:ext>
             </a:extLst>
           </p:cNvPr>
@@ -3672,7 +3388,7 @@
           <p:cNvPr id="7" name="Title 6">
             <a:extLst>
               <a:ext uri="{FF2B5EF4-FFF2-40B4-BE49-F238E27FC236}">
-                <a16:creationId xmlns:a16="http://schemas.microsoft.com/office/drawing/2014/main" id="{69D1FC23-AD93-B03D-760A-F174CB58A7DE}"/>
+                <a16:creationId xmlns:a16="http://schemas.microsoft.com/office/drawing/2014/main" id="{89E064B6-8025-022F-00CF-9C9F7131CE29}"/>
               </a:ext>
             </a:extLst>
           </p:cNvPr>
@@ -3703,142 +3419,10 @@
       </p:sp>
       <p:sp>
         <p:nvSpPr>
-          <p:cNvPr id="3" name="TextBox 2">
-            <a:extLst>
-              <a:ext uri="{FF2B5EF4-FFF2-40B4-BE49-F238E27FC236}">
-                <a16:creationId xmlns:a16="http://schemas.microsoft.com/office/drawing/2014/main" id="{6FB4F8F9-AA01-8DF6-3E2E-B096C4DE73AD}"/>
-              </a:ext>
-            </a:extLst>
-          </p:cNvPr>
-          <p:cNvSpPr txBox="1"/>
-          <p:nvPr/>
-        </p:nvSpPr>
-        <p:spPr>
-          <a:xfrm>
-            <a:off x="763929" y="1851951"/>
-            <a:ext cx="3622876" cy="169277"/>
-          </a:xfrm>
-          <a:prstGeom prst="rect">
-            <a:avLst/>
-          </a:prstGeom>
-        </p:spPr>
-        <p:txBody>
-          <a:bodyPr wrap="square" lIns="0" tIns="0" rIns="0" bIns="0" rtlCol="0" anchor="t" anchorCtr="0">
-            <a:spAutoFit/>
-          </a:bodyPr>
-          <a:lstStyle/>
-          <a:p>
-            <a:pPr algn="l"/>
-            <a:r>
-              <a:rPr kumimoji="0" lang="en-GB" sz="1100" b="0" i="0" u="none" strike="noStrike" kern="1200" cap="none" spc="0" normalizeH="0" baseline="0" noProof="0" dirty="0" err="1">
-                <a:ln>
-                  <a:noFill/>
-                </a:ln>
-                <a:effectLst/>
-                <a:uLnTx/>
-                <a:uFillTx/>
-                <a:latin typeface="Arial" panose="020B0604020202020204" pitchFamily="34" charset="0"/>
-                <a:cs typeface="Arial" panose="020B0604020202020204" pitchFamily="34" charset="0"/>
-              </a:rPr>
-              <a:t>stage_overview</a:t>
-            </a:r>
-            <a:endParaRPr lang="en-GB" sz="1100" b="0" dirty="0">
-              <a:latin typeface="Arial" panose="020B0604020202020204" pitchFamily="34" charset="0"/>
-              <a:cs typeface="Arial" panose="020B0604020202020204" pitchFamily="34" charset="0"/>
-            </a:endParaRPr>
-          </a:p>
-        </p:txBody>
-      </p:sp>
-      <p:sp>
-        <p:nvSpPr>
-          <p:cNvPr id="4" name="TextBox 3">
-            <a:extLst>
-              <a:ext uri="{FF2B5EF4-FFF2-40B4-BE49-F238E27FC236}">
-                <a16:creationId xmlns:a16="http://schemas.microsoft.com/office/drawing/2014/main" id="{E07E8566-67D6-5A42-4209-10FE7F297823}"/>
-              </a:ext>
-            </a:extLst>
-          </p:cNvPr>
-          <p:cNvSpPr txBox="1"/>
-          <p:nvPr/>
-        </p:nvSpPr>
-        <p:spPr>
-          <a:xfrm>
-            <a:off x="763929" y="3974804"/>
-            <a:ext cx="3622876" cy="169277"/>
-          </a:xfrm>
-          <a:prstGeom prst="rect">
-            <a:avLst/>
-          </a:prstGeom>
-        </p:spPr>
-        <p:txBody>
-          <a:bodyPr wrap="square" lIns="0" tIns="0" rIns="0" bIns="0" rtlCol="0" anchor="t" anchorCtr="0">
-            <a:spAutoFit/>
-          </a:bodyPr>
-          <a:lstStyle/>
-          <a:p>
-            <a:pPr algn="l"/>
-            <a:r>
-              <a:rPr lang="en-GB" sz="1100" dirty="0" err="1">
-                <a:latin typeface="Arial" panose="020B0604020202020204" pitchFamily="34" charset="0"/>
-                <a:cs typeface="Arial" panose="020B0604020202020204" pitchFamily="34" charset="0"/>
-              </a:rPr>
-              <a:t>stage_messaging</a:t>
-            </a:r>
-            <a:endParaRPr lang="en-GB" sz="1100" b="0" dirty="0">
-              <a:latin typeface="Arial" panose="020B0604020202020204" pitchFamily="34" charset="0"/>
-              <a:cs typeface="Arial" panose="020B0604020202020204" pitchFamily="34" charset="0"/>
-            </a:endParaRPr>
-          </a:p>
-        </p:txBody>
-      </p:sp>
-      <p:sp>
-        <p:nvSpPr>
-          <p:cNvPr id="5" name="TextBox 4">
-            <a:extLst>
-              <a:ext uri="{FF2B5EF4-FFF2-40B4-BE49-F238E27FC236}">
-                <a16:creationId xmlns:a16="http://schemas.microsoft.com/office/drawing/2014/main" id="{E86018DD-D2BC-AA87-33A1-4BD2FCB60B30}"/>
-              </a:ext>
-            </a:extLst>
-          </p:cNvPr>
-          <p:cNvSpPr txBox="1"/>
-          <p:nvPr/>
-        </p:nvSpPr>
-        <p:spPr>
-          <a:xfrm>
-            <a:off x="763929" y="5169868"/>
-            <a:ext cx="3622876" cy="169277"/>
-          </a:xfrm>
-          <a:prstGeom prst="rect">
-            <a:avLst/>
-          </a:prstGeom>
-        </p:spPr>
-        <p:txBody>
-          <a:bodyPr wrap="square" lIns="0" tIns="0" rIns="0" bIns="0" rtlCol="0" anchor="t" anchorCtr="0">
-            <a:spAutoFit/>
-          </a:bodyPr>
-          <a:lstStyle/>
-          <a:p>
-            <a:pPr algn="l"/>
-            <a:r>
-              <a:rPr lang="en-GB" sz="1100" dirty="0" err="1">
-                <a:latin typeface="Arial" panose="020B0604020202020204" pitchFamily="34" charset="0"/>
-                <a:cs typeface="Arial" panose="020B0604020202020204" pitchFamily="34" charset="0"/>
-              </a:rPr>
-              <a:t>stage_imagery</a:t>
-            </a:r>
-            <a:endParaRPr lang="en-GB" sz="1100" b="0" dirty="0">
-              <a:latin typeface="Arial" panose="020B0604020202020204" pitchFamily="34" charset="0"/>
-              <a:cs typeface="Arial" panose="020B0604020202020204" pitchFamily="34" charset="0"/>
-            </a:endParaRPr>
-          </a:p>
-        </p:txBody>
-      </p:sp>
-      <p:sp>
-        <p:nvSpPr>
           <p:cNvPr id="6" name="TextBox 5">
             <a:extLst>
               <a:ext uri="{FF2B5EF4-FFF2-40B4-BE49-F238E27FC236}">
-                <a16:creationId xmlns:a16="http://schemas.microsoft.com/office/drawing/2014/main" id="{01868E94-F4B5-E867-800D-FD759B24964A}"/>
+                <a16:creationId xmlns:a16="http://schemas.microsoft.com/office/drawing/2014/main" id="{ABD8C196-963A-3F98-790C-BE8458398CD5}"/>
               </a:ext>
             </a:extLst>
           </p:cNvPr>
@@ -3875,23 +3459,259 @@
           </a:p>
         </p:txBody>
       </p:sp>
+      <p:sp>
+        <p:nvSpPr>
+          <p:cNvPr id="2" name="TextBox 1">
+            <a:extLst>
+              <a:ext uri="{FF2B5EF4-FFF2-40B4-BE49-F238E27FC236}">
+                <a16:creationId xmlns:a16="http://schemas.microsoft.com/office/drawing/2014/main" id="{761512EA-6751-A4F8-EA5C-66332D513C83}"/>
+              </a:ext>
+            </a:extLst>
+          </p:cNvPr>
+          <p:cNvSpPr txBox="1"/>
+          <p:nvPr/>
+        </p:nvSpPr>
+        <p:spPr>
+          <a:xfrm>
+            <a:off x="763931" y="1491048"/>
+            <a:ext cx="3675548" cy="169277"/>
+          </a:xfrm>
+          <a:prstGeom prst="rect">
+            <a:avLst/>
+          </a:prstGeom>
+        </p:spPr>
+        <p:txBody>
+          <a:bodyPr wrap="square" lIns="0" tIns="0" rIns="0" bIns="0" rtlCol="0" anchor="t" anchorCtr="0">
+            <a:spAutoFit/>
+          </a:bodyPr>
+          <a:lstStyle/>
+          <a:p>
+            <a:pPr algn="l"/>
+            <a:r>
+              <a:rPr lang="en-GB" sz="1100" dirty="0" err="1">
+                <a:latin typeface="Arial" panose="020B0604020202020204" pitchFamily="34" charset="0"/>
+                <a:cs typeface="Arial" panose="020B0604020202020204" pitchFamily="34" charset="0"/>
+              </a:rPr>
+              <a:t>json_content</a:t>
+            </a:r>
+            <a:endParaRPr lang="en-GB" sz="1100" b="0" dirty="0">
+              <a:latin typeface="Arial" panose="020B0604020202020204" pitchFamily="34" charset="0"/>
+              <a:cs typeface="Arial" panose="020B0604020202020204" pitchFamily="34" charset="0"/>
+            </a:endParaRPr>
+          </a:p>
+        </p:txBody>
+      </p:sp>
     </p:spTree>
     <p:extLst>
       <p:ext uri="{BB962C8B-B14F-4D97-AF65-F5344CB8AC3E}">
-        <p14:creationId xmlns:p14="http://schemas.microsoft.com/office/powerpoint/2010/main" val="3160467876"/>
+        <p14:creationId xmlns:p14="http://schemas.microsoft.com/office/powerpoint/2010/main" val="334456570"/>
       </p:ext>
     </p:extLst>
   </p:cSld>
   <p:clrMapOvr>
     <a:masterClrMapping/>
   </p:clrMapOvr>
-  <mc:AlternateContent xmlns:mc="http://schemas.openxmlformats.org/markup-compatibility/2006" xmlns:p14="http://schemas.microsoft.com/office/powerpoint/2010/main">
-    <mc:Choice Requires="p14">
+  <mc:AlternateContent xmlns:mc="http://schemas.openxmlformats.org/markup-compatibility/2006">
+    <mc:Choice xmlns:p14="http://schemas.microsoft.com/office/powerpoint/2010/main" Requires="p14">
       <p:transition spd="med" p14:dur="700">
         <p:fade/>
       </p:transition>
     </mc:Choice>
-    <mc:Fallback xmlns="">
+    <mc:Fallback>
+      <p:transition spd="med">
+        <p:fade/>
+      </p:transition>
+    </mc:Fallback>
+  </mc:AlternateContent>
+</p:sld>
+</file>
+
+<file path=ppt/slides/slide7.xml><?xml version="1.0" encoding="utf-8"?>
+<p:sld xmlns:a="http://schemas.openxmlformats.org/drawingml/2006/main" xmlns:r="http://schemas.openxmlformats.org/officeDocument/2006/relationships" xmlns:p="http://schemas.openxmlformats.org/presentationml/2006/main">
+  <p:cSld>
+    <p:spTree>
+      <p:nvGrpSpPr>
+        <p:cNvPr id="1" name="">
+          <a:extLst>
+            <a:ext uri="{FF2B5EF4-FFF2-40B4-BE49-F238E27FC236}">
+              <a16:creationId xmlns:a16="http://schemas.microsoft.com/office/drawing/2014/main" id="{81BFF29C-1E5D-5A40-D8E5-D1015D5D7940}"/>
+            </a:ext>
+          </a:extLst>
+        </p:cNvPr>
+        <p:cNvGrpSpPr/>
+        <p:nvPr/>
+      </p:nvGrpSpPr>
+      <p:grpSpPr>
+        <a:xfrm>
+          <a:off x="0" y="0"/>
+          <a:ext cx="0" cy="0"/>
+          <a:chOff x="0" y="0"/>
+          <a:chExt cx="0" cy="0"/>
+        </a:xfrm>
+      </p:grpSpPr>
+      <p:sp>
+        <p:nvSpPr>
+          <p:cNvPr id="8" name="Text Placeholder 7">
+            <a:extLst>
+              <a:ext uri="{FF2B5EF4-FFF2-40B4-BE49-F238E27FC236}">
+                <a16:creationId xmlns:a16="http://schemas.microsoft.com/office/drawing/2014/main" id="{4AC00E70-D86C-271E-1AC0-C39A3AEC18E7}"/>
+              </a:ext>
+            </a:extLst>
+          </p:cNvPr>
+          <p:cNvSpPr>
+            <a:spLocks noGrp="1"/>
+          </p:cNvSpPr>
+          <p:nvPr>
+            <p:ph type="body" sz="quarter" idx="10"/>
+          </p:nvPr>
+        </p:nvSpPr>
+        <p:spPr/>
+        <p:txBody>
+          <a:bodyPr/>
+          <a:lstStyle/>
+          <a:p>
+            <a:r>
+              <a:rPr lang="en-GB" dirty="0"/>
+              <a:t>Medicine</a:t>
+            </a:r>
+          </a:p>
+        </p:txBody>
+      </p:sp>
+      <p:sp>
+        <p:nvSpPr>
+          <p:cNvPr id="7" name="Title 6">
+            <a:extLst>
+              <a:ext uri="{FF2B5EF4-FFF2-40B4-BE49-F238E27FC236}">
+                <a16:creationId xmlns:a16="http://schemas.microsoft.com/office/drawing/2014/main" id="{AF8E6A36-B74C-2318-AB4F-D0A95774A9C8}"/>
+              </a:ext>
+            </a:extLst>
+          </p:cNvPr>
+          <p:cNvSpPr>
+            <a:spLocks noGrp="1"/>
+          </p:cNvSpPr>
+          <p:nvPr>
+            <p:ph type="title"/>
+          </p:nvPr>
+        </p:nvSpPr>
+        <p:spPr>
+          <a:xfrm>
+            <a:off x="632459" y="580136"/>
+            <a:ext cx="10751157" cy="731520"/>
+          </a:xfrm>
+        </p:spPr>
+        <p:txBody>
+          <a:bodyPr/>
+          <a:lstStyle/>
+          <a:p>
+            <a:r>
+              <a:rPr lang="en-GB" dirty="0" err="1"/>
+              <a:t>stage_name</a:t>
+            </a:r>
+            <a:endParaRPr lang="en-GB" dirty="0"/>
+          </a:p>
+        </p:txBody>
+      </p:sp>
+      <p:sp>
+        <p:nvSpPr>
+          <p:cNvPr id="6" name="TextBox 5">
+            <a:extLst>
+              <a:ext uri="{FF2B5EF4-FFF2-40B4-BE49-F238E27FC236}">
+                <a16:creationId xmlns:a16="http://schemas.microsoft.com/office/drawing/2014/main" id="{B8968132-C138-A8A5-661C-9273D83F0593}"/>
+              </a:ext>
+            </a:extLst>
+          </p:cNvPr>
+          <p:cNvSpPr txBox="1"/>
+          <p:nvPr/>
+        </p:nvSpPr>
+        <p:spPr>
+          <a:xfrm>
+            <a:off x="4955893" y="1491048"/>
+            <a:ext cx="6472177" cy="169277"/>
+          </a:xfrm>
+          <a:prstGeom prst="rect">
+            <a:avLst/>
+          </a:prstGeom>
+        </p:spPr>
+        <p:txBody>
+          <a:bodyPr wrap="square" lIns="0" tIns="0" rIns="0" bIns="0" rtlCol="0" anchor="t" anchorCtr="0">
+            <a:spAutoFit/>
+          </a:bodyPr>
+          <a:lstStyle/>
+          <a:p>
+            <a:pPr algn="l"/>
+            <a:r>
+              <a:rPr lang="en-GB" sz="1100" dirty="0" err="1">
+                <a:latin typeface="Arial" panose="020B0604020202020204" pitchFamily="34" charset="0"/>
+                <a:cs typeface="Arial" panose="020B0604020202020204" pitchFamily="34" charset="0"/>
+              </a:rPr>
+              <a:t>stage_sas_urls</a:t>
+            </a:r>
+            <a:endParaRPr lang="en-GB" sz="1100" b="0" dirty="0">
+              <a:latin typeface="Arial" panose="020B0604020202020204" pitchFamily="34" charset="0"/>
+              <a:cs typeface="Arial" panose="020B0604020202020204" pitchFamily="34" charset="0"/>
+            </a:endParaRPr>
+          </a:p>
+        </p:txBody>
+      </p:sp>
+      <p:sp>
+        <p:nvSpPr>
+          <p:cNvPr id="2" name="TextBox 1">
+            <a:extLst>
+              <a:ext uri="{FF2B5EF4-FFF2-40B4-BE49-F238E27FC236}">
+                <a16:creationId xmlns:a16="http://schemas.microsoft.com/office/drawing/2014/main" id="{F55DB964-4687-51FD-B571-8C7E7481C551}"/>
+              </a:ext>
+            </a:extLst>
+          </p:cNvPr>
+          <p:cNvSpPr txBox="1"/>
+          <p:nvPr/>
+        </p:nvSpPr>
+        <p:spPr>
+          <a:xfrm>
+            <a:off x="763931" y="1491048"/>
+            <a:ext cx="3675548" cy="169277"/>
+          </a:xfrm>
+          <a:prstGeom prst="rect">
+            <a:avLst/>
+          </a:prstGeom>
+        </p:spPr>
+        <p:txBody>
+          <a:bodyPr wrap="square" lIns="0" tIns="0" rIns="0" bIns="0" rtlCol="0" anchor="t" anchorCtr="0">
+            <a:spAutoFit/>
+          </a:bodyPr>
+          <a:lstStyle/>
+          <a:p>
+            <a:pPr algn="l"/>
+            <a:r>
+              <a:rPr lang="en-GB" sz="1100" dirty="0" err="1">
+                <a:latin typeface="Arial" panose="020B0604020202020204" pitchFamily="34" charset="0"/>
+                <a:cs typeface="Arial" panose="020B0604020202020204" pitchFamily="34" charset="0"/>
+              </a:rPr>
+              <a:t>json_content</a:t>
+            </a:r>
+            <a:endParaRPr lang="en-GB" sz="1100" b="0" dirty="0">
+              <a:latin typeface="Arial" panose="020B0604020202020204" pitchFamily="34" charset="0"/>
+              <a:cs typeface="Arial" panose="020B0604020202020204" pitchFamily="34" charset="0"/>
+            </a:endParaRPr>
+          </a:p>
+        </p:txBody>
+      </p:sp>
+    </p:spTree>
+    <p:extLst>
+      <p:ext uri="{BB962C8B-B14F-4D97-AF65-F5344CB8AC3E}">
+        <p14:creationId xmlns:p14="http://schemas.microsoft.com/office/powerpoint/2010/main" val="3612699142"/>
+      </p:ext>
+    </p:extLst>
+  </p:cSld>
+  <p:clrMapOvr>
+    <a:masterClrMapping/>
+  </p:clrMapOvr>
+  <mc:AlternateContent xmlns:mc="http://schemas.openxmlformats.org/markup-compatibility/2006">
+    <mc:Choice xmlns:p14="http://schemas.microsoft.com/office/powerpoint/2010/main" Requires="p14">
+      <p:transition spd="med" p14:dur="700">
+        <p:fade/>
+      </p:transition>
+    </mc:Choice>
+    <mc:Fallback>
       <p:transition spd="med">
         <p:fade/>
       </p:transition>
@@ -4577,14 +4397,12 @@
 </file>
 
 <file path=customXml/item1.xml><?xml version="1.0" encoding="utf-8"?>
-<p:properties xmlns:p="http://schemas.microsoft.com/office/2006/metadata/properties" xmlns:xsi="http://www.w3.org/2001/XMLSchema-instance" xmlns:pc="http://schemas.microsoft.com/office/infopath/2007/PartnerControls">
-  <documentManagement>
-    <TaxCatchAll xmlns="9bea065c-4598-471b-a0d8-b208471d6a41" xsi:nil="true"/>
-    <lcf76f155ced4ddcb4097134ff3c332f xmlns="737cdb0d-9f15-48ec-9529-975a91239bb1">
-      <Terms xmlns="http://schemas.microsoft.com/office/infopath/2007/PartnerControls"/>
-    </lcf76f155ced4ddcb4097134ff3c332f>
-  </documentManagement>
-</p:properties>
+<?mso-contentType ?>
+<FormTemplates xmlns="http://schemas.microsoft.com/sharepoint/v3/contenttype/forms">
+  <Display>DocumentLibraryForm</Display>
+  <Edit>DocumentLibraryForm</Edit>
+  <New>DocumentLibraryForm</New>
+</FormTemplates>
 </file>
 
 <file path=customXml/item2.xml><?xml version="1.0" encoding="utf-8"?>
@@ -4823,27 +4641,20 @@
 </file>
 
 <file path=customXml/item3.xml><?xml version="1.0" encoding="utf-8"?>
-<?mso-contentType ?>
-<FormTemplates xmlns="http://schemas.microsoft.com/sharepoint/v3/contenttype/forms">
-  <Display>DocumentLibraryForm</Display>
-  <Edit>DocumentLibraryForm</Edit>
-  <New>DocumentLibraryForm</New>
-</FormTemplates>
+<p:properties xmlns:p="http://schemas.microsoft.com/office/2006/metadata/properties" xmlns:xsi="http://www.w3.org/2001/XMLSchema-instance" xmlns:pc="http://schemas.microsoft.com/office/infopath/2007/PartnerControls">
+  <documentManagement>
+    <TaxCatchAll xmlns="9bea065c-4598-471b-a0d8-b208471d6a41" xsi:nil="true"/>
+    <lcf76f155ced4ddcb4097134ff3c332f xmlns="737cdb0d-9f15-48ec-9529-975a91239bb1">
+      <Terms xmlns="http://schemas.microsoft.com/office/infopath/2007/PartnerControls"/>
+    </lcf76f155ced4ddcb4097134ff3c332f>
+  </documentManagement>
+</p:properties>
 </file>
 
 <file path=customXml/itemProps1.xml><?xml version="1.0" encoding="utf-8"?>
-<ds:datastoreItem xmlns:ds="http://schemas.openxmlformats.org/officeDocument/2006/customXml" ds:itemID="{9674E985-4D59-45AB-8970-AD8E2C92CE21}">
+<ds:datastoreItem xmlns:ds="http://schemas.openxmlformats.org/officeDocument/2006/customXml" ds:itemID="{3BB299B6-1159-4940-B296-E198453C8E80}">
   <ds:schemaRefs>
-    <ds:schemaRef ds:uri="http://schemas.microsoft.com/office/2006/documentManagement/types"/>
-    <ds:schemaRef ds:uri="http://purl.org/dc/elements/1.1/"/>
-    <ds:schemaRef ds:uri="http://purl.org/dc/terms/"/>
-    <ds:schemaRef ds:uri="737cdb0d-9f15-48ec-9529-975a91239bb1"/>
-    <ds:schemaRef ds:uri="http://www.w3.org/XML/1998/namespace"/>
-    <ds:schemaRef ds:uri="http://schemas.microsoft.com/office/infopath/2007/PartnerControls"/>
-    <ds:schemaRef ds:uri="http://schemas.openxmlformats.org/package/2006/metadata/core-properties"/>
-    <ds:schemaRef ds:uri="9bea065c-4598-471b-a0d8-b208471d6a41"/>
-    <ds:schemaRef ds:uri="http://schemas.microsoft.com/office/2006/metadata/properties"/>
-    <ds:schemaRef ds:uri="http://purl.org/dc/dcmitype/"/>
+    <ds:schemaRef ds:uri="http://schemas.microsoft.com/sharepoint/v3/contenttype/forms"/>
   </ds:schemaRefs>
 </ds:datastoreItem>
 </file>
@@ -4868,9 +4679,18 @@
 </file>
 
 <file path=customXml/itemProps3.xml><?xml version="1.0" encoding="utf-8"?>
-<ds:datastoreItem xmlns:ds="http://schemas.openxmlformats.org/officeDocument/2006/customXml" ds:itemID="{3BB299B6-1159-4940-B296-E198453C8E80}">
+<ds:datastoreItem xmlns:ds="http://schemas.openxmlformats.org/officeDocument/2006/customXml" ds:itemID="{9674E985-4D59-45AB-8970-AD8E2C92CE21}">
   <ds:schemaRefs>
-    <ds:schemaRef ds:uri="http://schemas.microsoft.com/sharepoint/v3/contenttype/forms"/>
+    <ds:schemaRef ds:uri="http://www.w3.org/XML/1998/namespace"/>
+    <ds:schemaRef ds:uri="http://purl.org/dc/elements/1.1/"/>
+    <ds:schemaRef ds:uri="http://schemas.microsoft.com/office/2006/documentManagement/types"/>
+    <ds:schemaRef ds:uri="http://purl.org/dc/terms/"/>
+    <ds:schemaRef ds:uri="9bea065c-4598-471b-a0d8-b208471d6a41"/>
+    <ds:schemaRef ds:uri="http://schemas.openxmlformats.org/package/2006/metadata/core-properties"/>
+    <ds:schemaRef ds:uri="http://schemas.microsoft.com/office/infopath/2007/PartnerControls"/>
+    <ds:schemaRef ds:uri="http://purl.org/dc/dcmitype/"/>
+    <ds:schemaRef ds:uri="737cdb0d-9f15-48ec-9529-975a91239bb1"/>
+    <ds:schemaRef ds:uri="http://schemas.microsoft.com/office/2006/metadata/properties"/>
   </ds:schemaRefs>
 </ds:datastoreItem>
 </file>
--- a/brand_analysis.pptx
+++ b/brand_analysis.pptx
@@ -383,7 +383,7 @@
           <a:p>
             <a:fld id="{77AB6CFA-8C06-A742-9C67-9EB8DDEC067B}" type="datetimeFigureOut">
               <a:rPr lang="en-US" smtClean="0"/>
-              <a:t>8/31/24</a:t>
+              <a:t>9/1/24</a:t>
             </a:fld>
             <a:endParaRPr lang="en-US"/>
           </a:p>
@@ -2462,7 +2462,7 @@
         <p:spPr>
           <a:xfrm>
             <a:off x="4955893" y="1491048"/>
-            <a:ext cx="6472177" cy="169277"/>
+            <a:ext cx="6472177" cy="846386"/>
           </a:xfrm>
           <a:prstGeom prst="rect">
             <a:avLst/>
@@ -2474,18 +2474,78 @@
           </a:bodyPr>
           <a:lstStyle/>
           <a:p>
-            <a:pPr algn="l"/>
-            <a:r>
-              <a:rPr lang="en-GB" sz="1100" dirty="0" err="1">
+            <a:pPr marL="171450" indent="-171450" algn="l">
+              <a:buClr>
+                <a:schemeClr val="bg1"/>
+              </a:buClr>
+              <a:buFont typeface="Arial" panose="020B0604020202020204" pitchFamily="34" charset="0"/>
+              <a:buChar char="•"/>
+            </a:pPr>
+            <a:r>
+              <a:rPr lang="en-GB" sz="1100" dirty="0">
                 <a:latin typeface="Arial" panose="020B0604020202020204" pitchFamily="34" charset="0"/>
                 <a:cs typeface="Arial" panose="020B0604020202020204" pitchFamily="34" charset="0"/>
               </a:rPr>
-              <a:t>stage_sas_urls</a:t>
-            </a:r>
+              <a:t>Review images in downloaded image folder</a:t>
+            </a:r>
+          </a:p>
+          <a:p>
+            <a:pPr marL="171450" indent="-171450" algn="l">
+              <a:buClr>
+                <a:schemeClr val="bg1"/>
+              </a:buClr>
+              <a:buFont typeface="Arial" panose="020B0604020202020204" pitchFamily="34" charset="0"/>
+              <a:buChar char="•"/>
+            </a:pPr>
             <a:endParaRPr lang="en-GB" sz="1100" b="0" dirty="0">
               <a:latin typeface="Arial" panose="020B0604020202020204" pitchFamily="34" charset="0"/>
               <a:cs typeface="Arial" panose="020B0604020202020204" pitchFamily="34" charset="0"/>
             </a:endParaRPr>
+          </a:p>
+          <a:p>
+            <a:pPr marL="171450" indent="-171450" algn="l">
+              <a:buClr>
+                <a:schemeClr val="bg1"/>
+              </a:buClr>
+              <a:buFont typeface="Arial" panose="020B0604020202020204" pitchFamily="34" charset="0"/>
+              <a:buChar char="•"/>
+            </a:pPr>
+            <a:r>
+              <a:rPr lang="en-GB" sz="1100" dirty="0">
+                <a:latin typeface="Arial" panose="020B0604020202020204" pitchFamily="34" charset="0"/>
+                <a:cs typeface="Arial" panose="020B0604020202020204" pitchFamily="34" charset="0"/>
+              </a:rPr>
+              <a:t>Identify best visuals to illustrate analysis</a:t>
+            </a:r>
+          </a:p>
+          <a:p>
+            <a:pPr marL="171450" indent="-171450" algn="l">
+              <a:buClr>
+                <a:schemeClr val="bg1"/>
+              </a:buClr>
+              <a:buFont typeface="Arial" panose="020B0604020202020204" pitchFamily="34" charset="0"/>
+              <a:buChar char="•"/>
+            </a:pPr>
+            <a:endParaRPr lang="en-GB" sz="1100" b="0" dirty="0">
+              <a:latin typeface="Arial" panose="020B0604020202020204" pitchFamily="34" charset="0"/>
+              <a:cs typeface="Arial" panose="020B0604020202020204" pitchFamily="34" charset="0"/>
+            </a:endParaRPr>
+          </a:p>
+          <a:p>
+            <a:pPr marL="171450" indent="-171450" algn="l">
+              <a:buClr>
+                <a:schemeClr val="bg1"/>
+              </a:buClr>
+              <a:buFont typeface="Arial" panose="020B0604020202020204" pitchFamily="34" charset="0"/>
+              <a:buChar char="•"/>
+            </a:pPr>
+            <a:r>
+              <a:rPr lang="en-GB" sz="1100" b="0" dirty="0">
+                <a:latin typeface="Arial" panose="020B0604020202020204" pitchFamily="34" charset="0"/>
+                <a:cs typeface="Arial" panose="020B0604020202020204" pitchFamily="34" charset="0"/>
+              </a:rPr>
+              <a:t>Review automated image interpretation</a:t>
+            </a:r>
           </a:p>
         </p:txBody>
       </p:sp>
@@ -2656,7 +2716,7 @@
         <p:spPr>
           <a:xfrm>
             <a:off x="4955893" y="1491048"/>
-            <a:ext cx="6472177" cy="169277"/>
+            <a:ext cx="6472177" cy="846386"/>
           </a:xfrm>
           <a:prstGeom prst="rect">
             <a:avLst/>
@@ -2668,18 +2728,78 @@
           </a:bodyPr>
           <a:lstStyle/>
           <a:p>
-            <a:pPr algn="l"/>
-            <a:r>
-              <a:rPr lang="en-GB" sz="1100" dirty="0" err="1">
+            <a:pPr marL="171450" indent="-171450" algn="l">
+              <a:buClr>
+                <a:schemeClr val="bg1"/>
+              </a:buClr>
+              <a:buFont typeface="Arial" panose="020B0604020202020204" pitchFamily="34" charset="0"/>
+              <a:buChar char="•"/>
+            </a:pPr>
+            <a:r>
+              <a:rPr lang="en-GB" sz="1100" dirty="0">
                 <a:latin typeface="Arial" panose="020B0604020202020204" pitchFamily="34" charset="0"/>
                 <a:cs typeface="Arial" panose="020B0604020202020204" pitchFamily="34" charset="0"/>
               </a:rPr>
-              <a:t>stage_sas_urls</a:t>
-            </a:r>
+              <a:t>Review images in downloaded image folder</a:t>
+            </a:r>
+          </a:p>
+          <a:p>
+            <a:pPr marL="171450" indent="-171450" algn="l">
+              <a:buClr>
+                <a:schemeClr val="bg1"/>
+              </a:buClr>
+              <a:buFont typeface="Arial" panose="020B0604020202020204" pitchFamily="34" charset="0"/>
+              <a:buChar char="•"/>
+            </a:pPr>
             <a:endParaRPr lang="en-GB" sz="1100" b="0" dirty="0">
               <a:latin typeface="Arial" panose="020B0604020202020204" pitchFamily="34" charset="0"/>
               <a:cs typeface="Arial" panose="020B0604020202020204" pitchFamily="34" charset="0"/>
             </a:endParaRPr>
+          </a:p>
+          <a:p>
+            <a:pPr marL="171450" indent="-171450" algn="l">
+              <a:buClr>
+                <a:schemeClr val="bg1"/>
+              </a:buClr>
+              <a:buFont typeface="Arial" panose="020B0604020202020204" pitchFamily="34" charset="0"/>
+              <a:buChar char="•"/>
+            </a:pPr>
+            <a:r>
+              <a:rPr lang="en-GB" sz="1100" dirty="0">
+                <a:latin typeface="Arial" panose="020B0604020202020204" pitchFamily="34" charset="0"/>
+                <a:cs typeface="Arial" panose="020B0604020202020204" pitchFamily="34" charset="0"/>
+              </a:rPr>
+              <a:t>Identify best visuals to illustrate analysis</a:t>
+            </a:r>
+          </a:p>
+          <a:p>
+            <a:pPr marL="171450" indent="-171450" algn="l">
+              <a:buClr>
+                <a:schemeClr val="bg1"/>
+              </a:buClr>
+              <a:buFont typeface="Arial" panose="020B0604020202020204" pitchFamily="34" charset="0"/>
+              <a:buChar char="•"/>
+            </a:pPr>
+            <a:endParaRPr lang="en-GB" sz="1100" b="0" dirty="0">
+              <a:latin typeface="Arial" panose="020B0604020202020204" pitchFamily="34" charset="0"/>
+              <a:cs typeface="Arial" panose="020B0604020202020204" pitchFamily="34" charset="0"/>
+            </a:endParaRPr>
+          </a:p>
+          <a:p>
+            <a:pPr marL="171450" indent="-171450" algn="l">
+              <a:buClr>
+                <a:schemeClr val="bg1"/>
+              </a:buClr>
+              <a:buFont typeface="Arial" panose="020B0604020202020204" pitchFamily="34" charset="0"/>
+              <a:buChar char="•"/>
+            </a:pPr>
+            <a:r>
+              <a:rPr lang="en-GB" sz="1100" b="0" dirty="0">
+                <a:latin typeface="Arial" panose="020B0604020202020204" pitchFamily="34" charset="0"/>
+                <a:cs typeface="Arial" panose="020B0604020202020204" pitchFamily="34" charset="0"/>
+              </a:rPr>
+              <a:t>Review automated image interpretation</a:t>
+            </a:r>
           </a:p>
         </p:txBody>
       </p:sp>
@@ -2735,13 +2855,13 @@
   <p:clrMapOvr>
     <a:masterClrMapping/>
   </p:clrMapOvr>
-  <mc:AlternateContent xmlns:mc="http://schemas.openxmlformats.org/markup-compatibility/2006">
-    <mc:Choice xmlns:p14="http://schemas.microsoft.com/office/powerpoint/2010/main" Requires="p14">
+  <mc:AlternateContent xmlns:mc="http://schemas.openxmlformats.org/markup-compatibility/2006" xmlns:p14="http://schemas.microsoft.com/office/powerpoint/2010/main">
+    <mc:Choice Requires="p14">
       <p:transition spd="med" p14:dur="700">
         <p:fade/>
       </p:transition>
     </mc:Choice>
-    <mc:Fallback>
+    <mc:Fallback xmlns="">
       <p:transition spd="med">
         <p:fade/>
       </p:transition>
@@ -2850,7 +2970,7 @@
         <p:spPr>
           <a:xfrm>
             <a:off x="4955893" y="1491048"/>
-            <a:ext cx="6472177" cy="169277"/>
+            <a:ext cx="6472177" cy="846386"/>
           </a:xfrm>
           <a:prstGeom prst="rect">
             <a:avLst/>
@@ -2862,18 +2982,78 @@
           </a:bodyPr>
           <a:lstStyle/>
           <a:p>
-            <a:pPr algn="l"/>
-            <a:r>
-              <a:rPr lang="en-GB" sz="1100" dirty="0" err="1">
+            <a:pPr marL="171450" indent="-171450" algn="l">
+              <a:buClr>
+                <a:schemeClr val="bg1"/>
+              </a:buClr>
+              <a:buFont typeface="Arial" panose="020B0604020202020204" pitchFamily="34" charset="0"/>
+              <a:buChar char="•"/>
+            </a:pPr>
+            <a:r>
+              <a:rPr lang="en-GB" sz="1100" dirty="0">
                 <a:latin typeface="Arial" panose="020B0604020202020204" pitchFamily="34" charset="0"/>
                 <a:cs typeface="Arial" panose="020B0604020202020204" pitchFamily="34" charset="0"/>
               </a:rPr>
-              <a:t>stage_sas_urls</a:t>
-            </a:r>
+              <a:t>Review images in downloaded image folder</a:t>
+            </a:r>
+          </a:p>
+          <a:p>
+            <a:pPr marL="171450" indent="-171450" algn="l">
+              <a:buClr>
+                <a:schemeClr val="bg1"/>
+              </a:buClr>
+              <a:buFont typeface="Arial" panose="020B0604020202020204" pitchFamily="34" charset="0"/>
+              <a:buChar char="•"/>
+            </a:pPr>
             <a:endParaRPr lang="en-GB" sz="1100" b="0" dirty="0">
               <a:latin typeface="Arial" panose="020B0604020202020204" pitchFamily="34" charset="0"/>
               <a:cs typeface="Arial" panose="020B0604020202020204" pitchFamily="34" charset="0"/>
             </a:endParaRPr>
+          </a:p>
+          <a:p>
+            <a:pPr marL="171450" indent="-171450" algn="l">
+              <a:buClr>
+                <a:schemeClr val="bg1"/>
+              </a:buClr>
+              <a:buFont typeface="Arial" panose="020B0604020202020204" pitchFamily="34" charset="0"/>
+              <a:buChar char="•"/>
+            </a:pPr>
+            <a:r>
+              <a:rPr lang="en-GB" sz="1100" dirty="0">
+                <a:latin typeface="Arial" panose="020B0604020202020204" pitchFamily="34" charset="0"/>
+                <a:cs typeface="Arial" panose="020B0604020202020204" pitchFamily="34" charset="0"/>
+              </a:rPr>
+              <a:t>Identify best visuals to illustrate analysis</a:t>
+            </a:r>
+          </a:p>
+          <a:p>
+            <a:pPr marL="171450" indent="-171450" algn="l">
+              <a:buClr>
+                <a:schemeClr val="bg1"/>
+              </a:buClr>
+              <a:buFont typeface="Arial" panose="020B0604020202020204" pitchFamily="34" charset="0"/>
+              <a:buChar char="•"/>
+            </a:pPr>
+            <a:endParaRPr lang="en-GB" sz="1100" b="0" dirty="0">
+              <a:latin typeface="Arial" panose="020B0604020202020204" pitchFamily="34" charset="0"/>
+              <a:cs typeface="Arial" panose="020B0604020202020204" pitchFamily="34" charset="0"/>
+            </a:endParaRPr>
+          </a:p>
+          <a:p>
+            <a:pPr marL="171450" indent="-171450" algn="l">
+              <a:buClr>
+                <a:schemeClr val="bg1"/>
+              </a:buClr>
+              <a:buFont typeface="Arial" panose="020B0604020202020204" pitchFamily="34" charset="0"/>
+              <a:buChar char="•"/>
+            </a:pPr>
+            <a:r>
+              <a:rPr lang="en-GB" sz="1100" b="0" dirty="0">
+                <a:latin typeface="Arial" panose="020B0604020202020204" pitchFamily="34" charset="0"/>
+                <a:cs typeface="Arial" panose="020B0604020202020204" pitchFamily="34" charset="0"/>
+              </a:rPr>
+              <a:t>Review automated image interpretation</a:t>
+            </a:r>
           </a:p>
         </p:txBody>
       </p:sp>
@@ -2929,13 +3109,13 @@
   <p:clrMapOvr>
     <a:masterClrMapping/>
   </p:clrMapOvr>
-  <mc:AlternateContent xmlns:mc="http://schemas.openxmlformats.org/markup-compatibility/2006">
-    <mc:Choice xmlns:p14="http://schemas.microsoft.com/office/powerpoint/2010/main" Requires="p14">
+  <mc:AlternateContent xmlns:mc="http://schemas.openxmlformats.org/markup-compatibility/2006" xmlns:p14="http://schemas.microsoft.com/office/powerpoint/2010/main">
+    <mc:Choice Requires="p14">
       <p:transition spd="med" p14:dur="700">
         <p:fade/>
       </p:transition>
     </mc:Choice>
-    <mc:Fallback>
+    <mc:Fallback xmlns="">
       <p:transition spd="med">
         <p:fade/>
       </p:transition>
@@ -3044,7 +3224,7 @@
         <p:spPr>
           <a:xfrm>
             <a:off x="4955893" y="1491048"/>
-            <a:ext cx="6472177" cy="169277"/>
+            <a:ext cx="6472177" cy="846386"/>
           </a:xfrm>
           <a:prstGeom prst="rect">
             <a:avLst/>
@@ -3056,18 +3236,78 @@
           </a:bodyPr>
           <a:lstStyle/>
           <a:p>
-            <a:pPr algn="l"/>
-            <a:r>
-              <a:rPr lang="en-GB" sz="1100" dirty="0" err="1">
+            <a:pPr marL="171450" indent="-171450" algn="l">
+              <a:buClr>
+                <a:schemeClr val="bg1"/>
+              </a:buClr>
+              <a:buFont typeface="Arial" panose="020B0604020202020204" pitchFamily="34" charset="0"/>
+              <a:buChar char="•"/>
+            </a:pPr>
+            <a:r>
+              <a:rPr lang="en-GB" sz="1100" dirty="0">
                 <a:latin typeface="Arial" panose="020B0604020202020204" pitchFamily="34" charset="0"/>
                 <a:cs typeface="Arial" panose="020B0604020202020204" pitchFamily="34" charset="0"/>
               </a:rPr>
-              <a:t>stage_sas_urls</a:t>
-            </a:r>
+              <a:t>Review images in downloaded image folder</a:t>
+            </a:r>
+          </a:p>
+          <a:p>
+            <a:pPr marL="171450" indent="-171450" algn="l">
+              <a:buClr>
+                <a:schemeClr val="bg1"/>
+              </a:buClr>
+              <a:buFont typeface="Arial" panose="020B0604020202020204" pitchFamily="34" charset="0"/>
+              <a:buChar char="•"/>
+            </a:pPr>
             <a:endParaRPr lang="en-GB" sz="1100" b="0" dirty="0">
               <a:latin typeface="Arial" panose="020B0604020202020204" pitchFamily="34" charset="0"/>
               <a:cs typeface="Arial" panose="020B0604020202020204" pitchFamily="34" charset="0"/>
             </a:endParaRPr>
+          </a:p>
+          <a:p>
+            <a:pPr marL="171450" indent="-171450" algn="l">
+              <a:buClr>
+                <a:schemeClr val="bg1"/>
+              </a:buClr>
+              <a:buFont typeface="Arial" panose="020B0604020202020204" pitchFamily="34" charset="0"/>
+              <a:buChar char="•"/>
+            </a:pPr>
+            <a:r>
+              <a:rPr lang="en-GB" sz="1100" dirty="0">
+                <a:latin typeface="Arial" panose="020B0604020202020204" pitchFamily="34" charset="0"/>
+                <a:cs typeface="Arial" panose="020B0604020202020204" pitchFamily="34" charset="0"/>
+              </a:rPr>
+              <a:t>Identify best visuals to illustrate analysis</a:t>
+            </a:r>
+          </a:p>
+          <a:p>
+            <a:pPr marL="171450" indent="-171450" algn="l">
+              <a:buClr>
+                <a:schemeClr val="bg1"/>
+              </a:buClr>
+              <a:buFont typeface="Arial" panose="020B0604020202020204" pitchFamily="34" charset="0"/>
+              <a:buChar char="•"/>
+            </a:pPr>
+            <a:endParaRPr lang="en-GB" sz="1100" b="0" dirty="0">
+              <a:latin typeface="Arial" panose="020B0604020202020204" pitchFamily="34" charset="0"/>
+              <a:cs typeface="Arial" panose="020B0604020202020204" pitchFamily="34" charset="0"/>
+            </a:endParaRPr>
+          </a:p>
+          <a:p>
+            <a:pPr marL="171450" indent="-171450" algn="l">
+              <a:buClr>
+                <a:schemeClr val="bg1"/>
+              </a:buClr>
+              <a:buFont typeface="Arial" panose="020B0604020202020204" pitchFamily="34" charset="0"/>
+              <a:buChar char="•"/>
+            </a:pPr>
+            <a:r>
+              <a:rPr lang="en-GB" sz="1100" b="0" dirty="0">
+                <a:latin typeface="Arial" panose="020B0604020202020204" pitchFamily="34" charset="0"/>
+                <a:cs typeface="Arial" panose="020B0604020202020204" pitchFamily="34" charset="0"/>
+              </a:rPr>
+              <a:t>Review automated image interpretation</a:t>
+            </a:r>
           </a:p>
         </p:txBody>
       </p:sp>
@@ -3123,13 +3363,13 @@
   <p:clrMapOvr>
     <a:masterClrMapping/>
   </p:clrMapOvr>
-  <mc:AlternateContent xmlns:mc="http://schemas.openxmlformats.org/markup-compatibility/2006">
-    <mc:Choice xmlns:p14="http://schemas.microsoft.com/office/powerpoint/2010/main" Requires="p14">
+  <mc:AlternateContent xmlns:mc="http://schemas.openxmlformats.org/markup-compatibility/2006" xmlns:p14="http://schemas.microsoft.com/office/powerpoint/2010/main">
+    <mc:Choice Requires="p14">
       <p:transition spd="med" p14:dur="700">
         <p:fade/>
       </p:transition>
     </mc:Choice>
-    <mc:Fallback>
+    <mc:Fallback xmlns="">
       <p:transition spd="med">
         <p:fade/>
       </p:transition>
@@ -3238,7 +3478,7 @@
         <p:spPr>
           <a:xfrm>
             <a:off x="4955893" y="1491048"/>
-            <a:ext cx="6472177" cy="169277"/>
+            <a:ext cx="6472177" cy="846386"/>
           </a:xfrm>
           <a:prstGeom prst="rect">
             <a:avLst/>
@@ -3250,18 +3490,78 @@
           </a:bodyPr>
           <a:lstStyle/>
           <a:p>
-            <a:pPr algn="l"/>
-            <a:r>
-              <a:rPr lang="en-GB" sz="1100" dirty="0" err="1">
+            <a:pPr marL="171450" indent="-171450" algn="l">
+              <a:buClr>
+                <a:schemeClr val="bg1"/>
+              </a:buClr>
+              <a:buFont typeface="Arial" panose="020B0604020202020204" pitchFamily="34" charset="0"/>
+              <a:buChar char="•"/>
+            </a:pPr>
+            <a:r>
+              <a:rPr lang="en-GB" sz="1100" dirty="0">
                 <a:latin typeface="Arial" panose="020B0604020202020204" pitchFamily="34" charset="0"/>
                 <a:cs typeface="Arial" panose="020B0604020202020204" pitchFamily="34" charset="0"/>
               </a:rPr>
-              <a:t>stage_sas_urls</a:t>
-            </a:r>
+              <a:t>Review images in downloaded image folder</a:t>
+            </a:r>
+          </a:p>
+          <a:p>
+            <a:pPr marL="171450" indent="-171450" algn="l">
+              <a:buClr>
+                <a:schemeClr val="bg1"/>
+              </a:buClr>
+              <a:buFont typeface="Arial" panose="020B0604020202020204" pitchFamily="34" charset="0"/>
+              <a:buChar char="•"/>
+            </a:pPr>
             <a:endParaRPr lang="en-GB" sz="1100" b="0" dirty="0">
               <a:latin typeface="Arial" panose="020B0604020202020204" pitchFamily="34" charset="0"/>
               <a:cs typeface="Arial" panose="020B0604020202020204" pitchFamily="34" charset="0"/>
             </a:endParaRPr>
+          </a:p>
+          <a:p>
+            <a:pPr marL="171450" indent="-171450" algn="l">
+              <a:buClr>
+                <a:schemeClr val="bg1"/>
+              </a:buClr>
+              <a:buFont typeface="Arial" panose="020B0604020202020204" pitchFamily="34" charset="0"/>
+              <a:buChar char="•"/>
+            </a:pPr>
+            <a:r>
+              <a:rPr lang="en-GB" sz="1100" dirty="0">
+                <a:latin typeface="Arial" panose="020B0604020202020204" pitchFamily="34" charset="0"/>
+                <a:cs typeface="Arial" panose="020B0604020202020204" pitchFamily="34" charset="0"/>
+              </a:rPr>
+              <a:t>Identify best visuals to illustrate analysis</a:t>
+            </a:r>
+          </a:p>
+          <a:p>
+            <a:pPr marL="171450" indent="-171450" algn="l">
+              <a:buClr>
+                <a:schemeClr val="bg1"/>
+              </a:buClr>
+              <a:buFont typeface="Arial" panose="020B0604020202020204" pitchFamily="34" charset="0"/>
+              <a:buChar char="•"/>
+            </a:pPr>
+            <a:endParaRPr lang="en-GB" sz="1100" b="0" dirty="0">
+              <a:latin typeface="Arial" panose="020B0604020202020204" pitchFamily="34" charset="0"/>
+              <a:cs typeface="Arial" panose="020B0604020202020204" pitchFamily="34" charset="0"/>
+            </a:endParaRPr>
+          </a:p>
+          <a:p>
+            <a:pPr marL="171450" indent="-171450" algn="l">
+              <a:buClr>
+                <a:schemeClr val="bg1"/>
+              </a:buClr>
+              <a:buFont typeface="Arial" panose="020B0604020202020204" pitchFamily="34" charset="0"/>
+              <a:buChar char="•"/>
+            </a:pPr>
+            <a:r>
+              <a:rPr lang="en-GB" sz="1100" b="0" dirty="0">
+                <a:latin typeface="Arial" panose="020B0604020202020204" pitchFamily="34" charset="0"/>
+                <a:cs typeface="Arial" panose="020B0604020202020204" pitchFamily="34" charset="0"/>
+              </a:rPr>
+              <a:t>Review automated image interpretation</a:t>
+            </a:r>
           </a:p>
         </p:txBody>
       </p:sp>
@@ -3317,13 +3617,13 @@
   <p:clrMapOvr>
     <a:masterClrMapping/>
   </p:clrMapOvr>
-  <mc:AlternateContent xmlns:mc="http://schemas.openxmlformats.org/markup-compatibility/2006">
-    <mc:Choice xmlns:p14="http://schemas.microsoft.com/office/powerpoint/2010/main" Requires="p14">
+  <mc:AlternateContent xmlns:mc="http://schemas.openxmlformats.org/markup-compatibility/2006" xmlns:p14="http://schemas.microsoft.com/office/powerpoint/2010/main">
+    <mc:Choice Requires="p14">
       <p:transition spd="med" p14:dur="700">
         <p:fade/>
       </p:transition>
     </mc:Choice>
-    <mc:Fallback>
+    <mc:Fallback xmlns="">
       <p:transition spd="med">
         <p:fade/>
       </p:transition>
@@ -3432,7 +3732,7 @@
         <p:spPr>
           <a:xfrm>
             <a:off x="4955893" y="1491048"/>
-            <a:ext cx="6472177" cy="169277"/>
+            <a:ext cx="6472177" cy="846386"/>
           </a:xfrm>
           <a:prstGeom prst="rect">
             <a:avLst/>
@@ -3444,18 +3744,78 @@
           </a:bodyPr>
           <a:lstStyle/>
           <a:p>
-            <a:pPr algn="l"/>
-            <a:r>
-              <a:rPr lang="en-GB" sz="1100" dirty="0" err="1">
+            <a:pPr marL="171450" indent="-171450" algn="l">
+              <a:buClr>
+                <a:schemeClr val="bg1"/>
+              </a:buClr>
+              <a:buFont typeface="Arial" panose="020B0604020202020204" pitchFamily="34" charset="0"/>
+              <a:buChar char="•"/>
+            </a:pPr>
+            <a:r>
+              <a:rPr lang="en-GB" sz="1100" dirty="0">
                 <a:latin typeface="Arial" panose="020B0604020202020204" pitchFamily="34" charset="0"/>
                 <a:cs typeface="Arial" panose="020B0604020202020204" pitchFamily="34" charset="0"/>
               </a:rPr>
-              <a:t>stage_sas_urls</a:t>
-            </a:r>
+              <a:t>Review images in downloaded image folder</a:t>
+            </a:r>
+          </a:p>
+          <a:p>
+            <a:pPr marL="171450" indent="-171450" algn="l">
+              <a:buClr>
+                <a:schemeClr val="bg1"/>
+              </a:buClr>
+              <a:buFont typeface="Arial" panose="020B0604020202020204" pitchFamily="34" charset="0"/>
+              <a:buChar char="•"/>
+            </a:pPr>
             <a:endParaRPr lang="en-GB" sz="1100" b="0" dirty="0">
               <a:latin typeface="Arial" panose="020B0604020202020204" pitchFamily="34" charset="0"/>
               <a:cs typeface="Arial" panose="020B0604020202020204" pitchFamily="34" charset="0"/>
             </a:endParaRPr>
+          </a:p>
+          <a:p>
+            <a:pPr marL="171450" indent="-171450" algn="l">
+              <a:buClr>
+                <a:schemeClr val="bg1"/>
+              </a:buClr>
+              <a:buFont typeface="Arial" panose="020B0604020202020204" pitchFamily="34" charset="0"/>
+              <a:buChar char="•"/>
+            </a:pPr>
+            <a:r>
+              <a:rPr lang="en-GB" sz="1100" dirty="0">
+                <a:latin typeface="Arial" panose="020B0604020202020204" pitchFamily="34" charset="0"/>
+                <a:cs typeface="Arial" panose="020B0604020202020204" pitchFamily="34" charset="0"/>
+              </a:rPr>
+              <a:t>Identify best visuals to illustrate analysis</a:t>
+            </a:r>
+          </a:p>
+          <a:p>
+            <a:pPr marL="171450" indent="-171450" algn="l">
+              <a:buClr>
+                <a:schemeClr val="bg1"/>
+              </a:buClr>
+              <a:buFont typeface="Arial" panose="020B0604020202020204" pitchFamily="34" charset="0"/>
+              <a:buChar char="•"/>
+            </a:pPr>
+            <a:endParaRPr lang="en-GB" sz="1100" b="0" dirty="0">
+              <a:latin typeface="Arial" panose="020B0604020202020204" pitchFamily="34" charset="0"/>
+              <a:cs typeface="Arial" panose="020B0604020202020204" pitchFamily="34" charset="0"/>
+            </a:endParaRPr>
+          </a:p>
+          <a:p>
+            <a:pPr marL="171450" indent="-171450" algn="l">
+              <a:buClr>
+                <a:schemeClr val="bg1"/>
+              </a:buClr>
+              <a:buFont typeface="Arial" panose="020B0604020202020204" pitchFamily="34" charset="0"/>
+              <a:buChar char="•"/>
+            </a:pPr>
+            <a:r>
+              <a:rPr lang="en-GB" sz="1100" b="0" dirty="0">
+                <a:latin typeface="Arial" panose="020B0604020202020204" pitchFamily="34" charset="0"/>
+                <a:cs typeface="Arial" panose="020B0604020202020204" pitchFamily="34" charset="0"/>
+              </a:rPr>
+              <a:t>Review automated image interpretation</a:t>
+            </a:r>
           </a:p>
         </p:txBody>
       </p:sp>
@@ -3511,13 +3871,13 @@
   <p:clrMapOvr>
     <a:masterClrMapping/>
   </p:clrMapOvr>
-  <mc:AlternateContent xmlns:mc="http://schemas.openxmlformats.org/markup-compatibility/2006">
-    <mc:Choice xmlns:p14="http://schemas.microsoft.com/office/powerpoint/2010/main" Requires="p14">
+  <mc:AlternateContent xmlns:mc="http://schemas.openxmlformats.org/markup-compatibility/2006" xmlns:p14="http://schemas.microsoft.com/office/powerpoint/2010/main">
+    <mc:Choice Requires="p14">
       <p:transition spd="med" p14:dur="700">
         <p:fade/>
       </p:transition>
     </mc:Choice>
-    <mc:Fallback>
+    <mc:Fallback xmlns="">
       <p:transition spd="med">
         <p:fade/>
       </p:transition>
@@ -3626,7 +3986,7 @@
         <p:spPr>
           <a:xfrm>
             <a:off x="4955893" y="1491048"/>
-            <a:ext cx="6472177" cy="169277"/>
+            <a:ext cx="6472177" cy="846386"/>
           </a:xfrm>
           <a:prstGeom prst="rect">
             <a:avLst/>
@@ -3638,13 +3998,77 @@
           </a:bodyPr>
           <a:lstStyle/>
           <a:p>
-            <a:pPr algn="l"/>
-            <a:r>
-              <a:rPr lang="en-GB" sz="1100" dirty="0" err="1">
+            <a:pPr marL="171450" indent="-171450" algn="l">
+              <a:buClr>
+                <a:schemeClr val="bg1"/>
+              </a:buClr>
+              <a:buFont typeface="Arial" panose="020B0604020202020204" pitchFamily="34" charset="0"/>
+              <a:buChar char="•"/>
+            </a:pPr>
+            <a:r>
+              <a:rPr lang="en-GB" sz="1100" dirty="0">
                 <a:latin typeface="Arial" panose="020B0604020202020204" pitchFamily="34" charset="0"/>
                 <a:cs typeface="Arial" panose="020B0604020202020204" pitchFamily="34" charset="0"/>
               </a:rPr>
-              <a:t>stage_sas_urls</a:t>
+              <a:t>Review images in downloaded image folder</a:t>
+            </a:r>
+          </a:p>
+          <a:p>
+            <a:pPr marL="171450" indent="-171450" algn="l">
+              <a:buClr>
+                <a:schemeClr val="bg1"/>
+              </a:buClr>
+              <a:buFont typeface="Arial" panose="020B0604020202020204" pitchFamily="34" charset="0"/>
+              <a:buChar char="•"/>
+            </a:pPr>
+            <a:endParaRPr lang="en-GB" sz="1100" b="0" dirty="0">
+              <a:latin typeface="Arial" panose="020B0604020202020204" pitchFamily="34" charset="0"/>
+              <a:cs typeface="Arial" panose="020B0604020202020204" pitchFamily="34" charset="0"/>
+            </a:endParaRPr>
+          </a:p>
+          <a:p>
+            <a:pPr marL="171450" indent="-171450" algn="l">
+              <a:buClr>
+                <a:schemeClr val="bg1"/>
+              </a:buClr>
+              <a:buFont typeface="Arial" panose="020B0604020202020204" pitchFamily="34" charset="0"/>
+              <a:buChar char="•"/>
+            </a:pPr>
+            <a:r>
+              <a:rPr lang="en-GB" sz="1100" dirty="0">
+                <a:latin typeface="Arial" panose="020B0604020202020204" pitchFamily="34" charset="0"/>
+                <a:cs typeface="Arial" panose="020B0604020202020204" pitchFamily="34" charset="0"/>
+              </a:rPr>
+              <a:t>Identify best visuals to illustrate analysis</a:t>
+            </a:r>
+          </a:p>
+          <a:p>
+            <a:pPr marL="171450" indent="-171450" algn="l">
+              <a:buClr>
+                <a:schemeClr val="bg1"/>
+              </a:buClr>
+              <a:buFont typeface="Arial" panose="020B0604020202020204" pitchFamily="34" charset="0"/>
+              <a:buChar char="•"/>
+            </a:pPr>
+            <a:endParaRPr lang="en-GB" sz="1100" b="0" dirty="0">
+              <a:latin typeface="Arial" panose="020B0604020202020204" pitchFamily="34" charset="0"/>
+              <a:cs typeface="Arial" panose="020B0604020202020204" pitchFamily="34" charset="0"/>
+            </a:endParaRPr>
+          </a:p>
+          <a:p>
+            <a:pPr marL="171450" indent="-171450" algn="l">
+              <a:buClr>
+                <a:schemeClr val="bg1"/>
+              </a:buClr>
+              <a:buFont typeface="Arial" panose="020B0604020202020204" pitchFamily="34" charset="0"/>
+              <a:buChar char="•"/>
+            </a:pPr>
+            <a:r>
+              <a:rPr lang="en-GB" sz="1100" b="0">
+                <a:latin typeface="Arial" panose="020B0604020202020204" pitchFamily="34" charset="0"/>
+                <a:cs typeface="Arial" panose="020B0604020202020204" pitchFamily="34" charset="0"/>
+              </a:rPr>
+              <a:t>Review automated image interpretation</a:t>
             </a:r>
             <a:endParaRPr lang="en-GB" sz="1100" b="0" dirty="0">
               <a:latin typeface="Arial" panose="020B0604020202020204" pitchFamily="34" charset="0"/>
@@ -3705,13 +4129,13 @@
   <p:clrMapOvr>
     <a:masterClrMapping/>
   </p:clrMapOvr>
-  <mc:AlternateContent xmlns:mc="http://schemas.openxmlformats.org/markup-compatibility/2006">
-    <mc:Choice xmlns:p14="http://schemas.microsoft.com/office/powerpoint/2010/main" Requires="p14">
+  <mc:AlternateContent xmlns:mc="http://schemas.openxmlformats.org/markup-compatibility/2006" xmlns:p14="http://schemas.microsoft.com/office/powerpoint/2010/main">
+    <mc:Choice Requires="p14">
       <p:transition spd="med" p14:dur="700">
         <p:fade/>
       </p:transition>
     </mc:Choice>
-    <mc:Fallback>
+    <mc:Fallback xmlns="">
       <p:transition spd="med">
         <p:fade/>
       </p:transition>
@@ -4406,6 +4830,17 @@
 </file>
 
 <file path=customXml/item2.xml><?xml version="1.0" encoding="utf-8"?>
+<p:properties xmlns:p="http://schemas.microsoft.com/office/2006/metadata/properties" xmlns:xsi="http://www.w3.org/2001/XMLSchema-instance" xmlns:pc="http://schemas.microsoft.com/office/infopath/2007/PartnerControls">
+  <documentManagement>
+    <TaxCatchAll xmlns="9bea065c-4598-471b-a0d8-b208471d6a41" xsi:nil="true"/>
+    <lcf76f155ced4ddcb4097134ff3c332f xmlns="737cdb0d-9f15-48ec-9529-975a91239bb1">
+      <Terms xmlns="http://schemas.microsoft.com/office/infopath/2007/PartnerControls"/>
+    </lcf76f155ced4ddcb4097134ff3c332f>
+  </documentManagement>
+</p:properties>
+</file>
+
+<file path=customXml/item3.xml><?xml version="1.0" encoding="utf-8"?>
 <ct:contentTypeSchema xmlns:ct="http://schemas.microsoft.com/office/2006/metadata/contentType" xmlns:ma="http://schemas.microsoft.com/office/2006/metadata/properties/metaAttributes" ct:_="" ma:_="" ma:contentTypeName="Document" ma:contentTypeID="0x010100A2CD2B7DD7D5E348A4B5B847AD49C1E4" ma:contentTypeVersion="15" ma:contentTypeDescription="Create a new document." ma:contentTypeScope="" ma:versionID="8e0e392dcf65750e3ad704a59f705fb3">
   <xsd:schema xmlns:xsd="http://www.w3.org/2001/XMLSchema" xmlns:xs="http://www.w3.org/2001/XMLSchema" xmlns:p="http://schemas.microsoft.com/office/2006/metadata/properties" xmlns:ns2="737cdb0d-9f15-48ec-9529-975a91239bb1" xmlns:ns3="9bea065c-4598-471b-a0d8-b208471d6a41" targetNamespace="http://schemas.microsoft.com/office/2006/metadata/properties" ma:root="true" ma:fieldsID="16d7d9ff6e2e2d483fddd166083c89fa" ns2:_="" ns3:_="">
     <xsd:import namespace="737cdb0d-9f15-48ec-9529-975a91239bb1"/>
@@ -4640,17 +5075,6 @@
 </ct:contentTypeSchema>
 </file>
 
-<file path=customXml/item3.xml><?xml version="1.0" encoding="utf-8"?>
-<p:properties xmlns:p="http://schemas.microsoft.com/office/2006/metadata/properties" xmlns:xsi="http://www.w3.org/2001/XMLSchema-instance" xmlns:pc="http://schemas.microsoft.com/office/infopath/2007/PartnerControls">
-  <documentManagement>
-    <TaxCatchAll xmlns="9bea065c-4598-471b-a0d8-b208471d6a41" xsi:nil="true"/>
-    <lcf76f155ced4ddcb4097134ff3c332f xmlns="737cdb0d-9f15-48ec-9529-975a91239bb1">
-      <Terms xmlns="http://schemas.microsoft.com/office/infopath/2007/PartnerControls"/>
-    </lcf76f155ced4ddcb4097134ff3c332f>
-  </documentManagement>
-</p:properties>
-</file>
-
 <file path=customXml/itemProps1.xml><?xml version="1.0" encoding="utf-8"?>
 <ds:datastoreItem xmlns:ds="http://schemas.openxmlformats.org/officeDocument/2006/customXml" ds:itemID="{3BB299B6-1159-4940-B296-E198453C8E80}">
   <ds:schemaRefs>
@@ -4660,6 +5084,23 @@
 </file>
 
 <file path=customXml/itemProps2.xml><?xml version="1.0" encoding="utf-8"?>
+<ds:datastoreItem xmlns:ds="http://schemas.openxmlformats.org/officeDocument/2006/customXml" ds:itemID="{9674E985-4D59-45AB-8970-AD8E2C92CE21}">
+  <ds:schemaRefs>
+    <ds:schemaRef ds:uri="http://www.w3.org/XML/1998/namespace"/>
+    <ds:schemaRef ds:uri="http://purl.org/dc/elements/1.1/"/>
+    <ds:schemaRef ds:uri="http://schemas.microsoft.com/office/2006/documentManagement/types"/>
+    <ds:schemaRef ds:uri="http://purl.org/dc/terms/"/>
+    <ds:schemaRef ds:uri="9bea065c-4598-471b-a0d8-b208471d6a41"/>
+    <ds:schemaRef ds:uri="http://schemas.openxmlformats.org/package/2006/metadata/core-properties"/>
+    <ds:schemaRef ds:uri="http://schemas.microsoft.com/office/infopath/2007/PartnerControls"/>
+    <ds:schemaRef ds:uri="http://purl.org/dc/dcmitype/"/>
+    <ds:schemaRef ds:uri="737cdb0d-9f15-48ec-9529-975a91239bb1"/>
+    <ds:schemaRef ds:uri="http://schemas.microsoft.com/office/2006/metadata/properties"/>
+  </ds:schemaRefs>
+</ds:datastoreItem>
+</file>
+
+<file path=customXml/itemProps3.xml><?xml version="1.0" encoding="utf-8"?>
 <ds:datastoreItem xmlns:ds="http://schemas.openxmlformats.org/officeDocument/2006/customXml" ds:itemID="{C4D443D4-D2BB-47D9-93BA-F264F5B47780}">
   <ds:schemaRefs>
     <ds:schemaRef ds:uri="737cdb0d-9f15-48ec-9529-975a91239bb1"/>
@@ -4676,21 +5117,4 @@
     <ds:schemaRef ds:uri="http://www.w3.org/2001/XMLSchema"/>
   </ds:schemaRefs>
 </ds:datastoreItem>
-</file>
-
-<file path=customXml/itemProps3.xml><?xml version="1.0" encoding="utf-8"?>
-<ds:datastoreItem xmlns:ds="http://schemas.openxmlformats.org/officeDocument/2006/customXml" ds:itemID="{9674E985-4D59-45AB-8970-AD8E2C92CE21}">
-  <ds:schemaRefs>
-    <ds:schemaRef ds:uri="http://www.w3.org/XML/1998/namespace"/>
-    <ds:schemaRef ds:uri="http://purl.org/dc/elements/1.1/"/>
-    <ds:schemaRef ds:uri="http://schemas.microsoft.com/office/2006/documentManagement/types"/>
-    <ds:schemaRef ds:uri="http://purl.org/dc/terms/"/>
-    <ds:schemaRef ds:uri="9bea065c-4598-471b-a0d8-b208471d6a41"/>
-    <ds:schemaRef ds:uri="http://schemas.openxmlformats.org/package/2006/metadata/core-properties"/>
-    <ds:schemaRef ds:uri="http://schemas.microsoft.com/office/infopath/2007/PartnerControls"/>
-    <ds:schemaRef ds:uri="http://purl.org/dc/dcmitype/"/>
-    <ds:schemaRef ds:uri="737cdb0d-9f15-48ec-9529-975a91239bb1"/>
-    <ds:schemaRef ds:uri="http://schemas.microsoft.com/office/2006/metadata/properties"/>
-  </ds:schemaRefs>
-</ds:datastoreItem>
 </file>
--- a/brand_analysis.pptx
+++ b/brand_analysis.pptx
@@ -5,7 +5,7 @@
     <p:sldMasterId id="2147483660" r:id="rId4"/>
   </p:sldMasterIdLst>
   <p:notesMasterIdLst>
-    <p:notesMasterId r:id="rId12"/>
+    <p:notesMasterId r:id="rId21"/>
   </p:notesMasterIdLst>
   <p:sldIdLst>
     <p:sldId id="257" r:id="rId5"/>
@@ -15,6 +15,15 @@
     <p:sldId id="261" r:id="rId9"/>
     <p:sldId id="262" r:id="rId10"/>
     <p:sldId id="263" r:id="rId11"/>
+    <p:sldId id="264" r:id="rId12"/>
+    <p:sldId id="265" r:id="rId13"/>
+    <p:sldId id="266" r:id="rId14"/>
+    <p:sldId id="267" r:id="rId15"/>
+    <p:sldId id="268" r:id="rId16"/>
+    <p:sldId id="269" r:id="rId17"/>
+    <p:sldId id="270" r:id="rId18"/>
+    <p:sldId id="271" r:id="rId19"/>
+    <p:sldId id="272" r:id="rId20"/>
   </p:sldIdLst>
   <p:sldSz cx="12192000" cy="6858000"/>
   <p:notesSz cx="6858000" cy="9144000"/>
@@ -735,6 +744,762 @@
 </p:notes>
 </file>
 
+<file path=ppt/notesSlides/notesSlide10.xml><?xml version="1.0" encoding="utf-8"?>
+<p:notes xmlns:a="http://schemas.openxmlformats.org/drawingml/2006/main" xmlns:r="http://schemas.openxmlformats.org/officeDocument/2006/relationships" xmlns:p="http://schemas.openxmlformats.org/presentationml/2006/main">
+  <p:cSld>
+    <p:spTree>
+      <p:nvGrpSpPr>
+        <p:cNvPr id="1" name="">
+          <a:extLst>
+            <a:ext uri="{FF2B5EF4-FFF2-40B4-BE49-F238E27FC236}">
+              <a16:creationId xmlns:a16="http://schemas.microsoft.com/office/drawing/2014/main" id="{68619525-8EEA-066A-9A05-62E12695F86B}"/>
+            </a:ext>
+          </a:extLst>
+        </p:cNvPr>
+        <p:cNvGrpSpPr/>
+        <p:nvPr/>
+      </p:nvGrpSpPr>
+      <p:grpSpPr>
+        <a:xfrm>
+          <a:off x="0" y="0"/>
+          <a:ext cx="0" cy="0"/>
+          <a:chOff x="0" y="0"/>
+          <a:chExt cx="0" cy="0"/>
+        </a:xfrm>
+      </p:grpSpPr>
+      <p:sp>
+        <p:nvSpPr>
+          <p:cNvPr id="2" name="Slide Image Placeholder 1">
+            <a:extLst>
+              <a:ext uri="{FF2B5EF4-FFF2-40B4-BE49-F238E27FC236}">
+                <a16:creationId xmlns:a16="http://schemas.microsoft.com/office/drawing/2014/main" id="{684524C7-8639-1637-EBEB-62A9FD92100B}"/>
+              </a:ext>
+            </a:extLst>
+          </p:cNvPr>
+          <p:cNvSpPr>
+            <a:spLocks noGrp="1" noRot="1" noChangeAspect="1"/>
+          </p:cNvSpPr>
+          <p:nvPr>
+            <p:ph type="sldImg"/>
+          </p:nvPr>
+        </p:nvSpPr>
+        <p:spPr/>
+      </p:sp>
+      <p:sp>
+        <p:nvSpPr>
+          <p:cNvPr id="3" name="Notes Placeholder 2">
+            <a:extLst>
+              <a:ext uri="{FF2B5EF4-FFF2-40B4-BE49-F238E27FC236}">
+                <a16:creationId xmlns:a16="http://schemas.microsoft.com/office/drawing/2014/main" id="{89A4ECD9-67FA-A975-3A9D-85226F8DB8FC}"/>
+              </a:ext>
+            </a:extLst>
+          </p:cNvPr>
+          <p:cNvSpPr>
+            <a:spLocks noGrp="1"/>
+          </p:cNvSpPr>
+          <p:nvPr>
+            <p:ph type="body" idx="1"/>
+          </p:nvPr>
+        </p:nvSpPr>
+        <p:spPr/>
+        <p:txBody>
+          <a:bodyPr/>
+          <a:lstStyle/>
+          <a:p>
+            <a:endParaRPr lang="en-GB" dirty="0"/>
+          </a:p>
+        </p:txBody>
+      </p:sp>
+      <p:sp>
+        <p:nvSpPr>
+          <p:cNvPr id="4" name="Slide Number Placeholder 3">
+            <a:extLst>
+              <a:ext uri="{FF2B5EF4-FFF2-40B4-BE49-F238E27FC236}">
+                <a16:creationId xmlns:a16="http://schemas.microsoft.com/office/drawing/2014/main" id="{012F75F2-697D-DA9E-3F33-A876CB3EC199}"/>
+              </a:ext>
+            </a:extLst>
+          </p:cNvPr>
+          <p:cNvSpPr>
+            <a:spLocks noGrp="1"/>
+          </p:cNvSpPr>
+          <p:nvPr>
+            <p:ph type="sldNum" sz="quarter" idx="5"/>
+          </p:nvPr>
+        </p:nvSpPr>
+        <p:spPr/>
+        <p:txBody>
+          <a:bodyPr/>
+          <a:lstStyle/>
+          <a:p>
+            <a:fld id="{763931CF-879D-C24C-B4FC-A16B88D776C8}" type="slidenum">
+              <a:rPr lang="en-US" smtClean="0"/>
+              <a:t>10</a:t>
+            </a:fld>
+            <a:endParaRPr lang="en-US"/>
+          </a:p>
+        </p:txBody>
+      </p:sp>
+    </p:spTree>
+    <p:extLst>
+      <p:ext uri="{BB962C8B-B14F-4D97-AF65-F5344CB8AC3E}">
+        <p14:creationId xmlns:p14="http://schemas.microsoft.com/office/powerpoint/2010/main" val="3216153415"/>
+      </p:ext>
+    </p:extLst>
+  </p:cSld>
+  <p:clrMapOvr>
+    <a:masterClrMapping/>
+  </p:clrMapOvr>
+</p:notes>
+</file>
+
+<file path=ppt/notesSlides/notesSlide11.xml><?xml version="1.0" encoding="utf-8"?>
+<p:notes xmlns:a="http://schemas.openxmlformats.org/drawingml/2006/main" xmlns:r="http://schemas.openxmlformats.org/officeDocument/2006/relationships" xmlns:p="http://schemas.openxmlformats.org/presentationml/2006/main">
+  <p:cSld>
+    <p:spTree>
+      <p:nvGrpSpPr>
+        <p:cNvPr id="1" name="">
+          <a:extLst>
+            <a:ext uri="{FF2B5EF4-FFF2-40B4-BE49-F238E27FC236}">
+              <a16:creationId xmlns:a16="http://schemas.microsoft.com/office/drawing/2014/main" id="{6861B02E-0416-7CFA-7D21-8B09BE9997FE}"/>
+            </a:ext>
+          </a:extLst>
+        </p:cNvPr>
+        <p:cNvGrpSpPr/>
+        <p:nvPr/>
+      </p:nvGrpSpPr>
+      <p:grpSpPr>
+        <a:xfrm>
+          <a:off x="0" y="0"/>
+          <a:ext cx="0" cy="0"/>
+          <a:chOff x="0" y="0"/>
+          <a:chExt cx="0" cy="0"/>
+        </a:xfrm>
+      </p:grpSpPr>
+      <p:sp>
+        <p:nvSpPr>
+          <p:cNvPr id="2" name="Slide Image Placeholder 1">
+            <a:extLst>
+              <a:ext uri="{FF2B5EF4-FFF2-40B4-BE49-F238E27FC236}">
+                <a16:creationId xmlns:a16="http://schemas.microsoft.com/office/drawing/2014/main" id="{2EB72855-A1F8-EA13-9D4A-A52E16B855F6}"/>
+              </a:ext>
+            </a:extLst>
+          </p:cNvPr>
+          <p:cNvSpPr>
+            <a:spLocks noGrp="1" noRot="1" noChangeAspect="1"/>
+          </p:cNvSpPr>
+          <p:nvPr>
+            <p:ph type="sldImg"/>
+          </p:nvPr>
+        </p:nvSpPr>
+        <p:spPr/>
+      </p:sp>
+      <p:sp>
+        <p:nvSpPr>
+          <p:cNvPr id="3" name="Notes Placeholder 2">
+            <a:extLst>
+              <a:ext uri="{FF2B5EF4-FFF2-40B4-BE49-F238E27FC236}">
+                <a16:creationId xmlns:a16="http://schemas.microsoft.com/office/drawing/2014/main" id="{1CF09958-4123-84DF-DB2B-C97D0AEE495C}"/>
+              </a:ext>
+            </a:extLst>
+          </p:cNvPr>
+          <p:cNvSpPr>
+            <a:spLocks noGrp="1"/>
+          </p:cNvSpPr>
+          <p:nvPr>
+            <p:ph type="body" idx="1"/>
+          </p:nvPr>
+        </p:nvSpPr>
+        <p:spPr/>
+        <p:txBody>
+          <a:bodyPr/>
+          <a:lstStyle/>
+          <a:p>
+            <a:endParaRPr lang="en-GB" dirty="0"/>
+          </a:p>
+        </p:txBody>
+      </p:sp>
+      <p:sp>
+        <p:nvSpPr>
+          <p:cNvPr id="4" name="Slide Number Placeholder 3">
+            <a:extLst>
+              <a:ext uri="{FF2B5EF4-FFF2-40B4-BE49-F238E27FC236}">
+                <a16:creationId xmlns:a16="http://schemas.microsoft.com/office/drawing/2014/main" id="{C85E5517-588A-A390-C82F-FE2694C9545C}"/>
+              </a:ext>
+            </a:extLst>
+          </p:cNvPr>
+          <p:cNvSpPr>
+            <a:spLocks noGrp="1"/>
+          </p:cNvSpPr>
+          <p:nvPr>
+            <p:ph type="sldNum" sz="quarter" idx="5"/>
+          </p:nvPr>
+        </p:nvSpPr>
+        <p:spPr/>
+        <p:txBody>
+          <a:bodyPr/>
+          <a:lstStyle/>
+          <a:p>
+            <a:fld id="{763931CF-879D-C24C-B4FC-A16B88D776C8}" type="slidenum">
+              <a:rPr lang="en-US" smtClean="0"/>
+              <a:t>11</a:t>
+            </a:fld>
+            <a:endParaRPr lang="en-US"/>
+          </a:p>
+        </p:txBody>
+      </p:sp>
+    </p:spTree>
+    <p:extLst>
+      <p:ext uri="{BB962C8B-B14F-4D97-AF65-F5344CB8AC3E}">
+        <p14:creationId xmlns:p14="http://schemas.microsoft.com/office/powerpoint/2010/main" val="3650288532"/>
+      </p:ext>
+    </p:extLst>
+  </p:cSld>
+  <p:clrMapOvr>
+    <a:masterClrMapping/>
+  </p:clrMapOvr>
+</p:notes>
+</file>
+
+<file path=ppt/notesSlides/notesSlide12.xml><?xml version="1.0" encoding="utf-8"?>
+<p:notes xmlns:a="http://schemas.openxmlformats.org/drawingml/2006/main" xmlns:r="http://schemas.openxmlformats.org/officeDocument/2006/relationships" xmlns:p="http://schemas.openxmlformats.org/presentationml/2006/main">
+  <p:cSld>
+    <p:spTree>
+      <p:nvGrpSpPr>
+        <p:cNvPr id="1" name="">
+          <a:extLst>
+            <a:ext uri="{FF2B5EF4-FFF2-40B4-BE49-F238E27FC236}">
+              <a16:creationId xmlns:a16="http://schemas.microsoft.com/office/drawing/2014/main" id="{2335DC1B-29B4-A48A-88AC-5792B399FABB}"/>
+            </a:ext>
+          </a:extLst>
+        </p:cNvPr>
+        <p:cNvGrpSpPr/>
+        <p:nvPr/>
+      </p:nvGrpSpPr>
+      <p:grpSpPr>
+        <a:xfrm>
+          <a:off x="0" y="0"/>
+          <a:ext cx="0" cy="0"/>
+          <a:chOff x="0" y="0"/>
+          <a:chExt cx="0" cy="0"/>
+        </a:xfrm>
+      </p:grpSpPr>
+      <p:sp>
+        <p:nvSpPr>
+          <p:cNvPr id="2" name="Slide Image Placeholder 1">
+            <a:extLst>
+              <a:ext uri="{FF2B5EF4-FFF2-40B4-BE49-F238E27FC236}">
+                <a16:creationId xmlns:a16="http://schemas.microsoft.com/office/drawing/2014/main" id="{D03C9497-7981-4BD2-F035-5967D59E943B}"/>
+              </a:ext>
+            </a:extLst>
+          </p:cNvPr>
+          <p:cNvSpPr>
+            <a:spLocks noGrp="1" noRot="1" noChangeAspect="1"/>
+          </p:cNvSpPr>
+          <p:nvPr>
+            <p:ph type="sldImg"/>
+          </p:nvPr>
+        </p:nvSpPr>
+        <p:spPr/>
+      </p:sp>
+      <p:sp>
+        <p:nvSpPr>
+          <p:cNvPr id="3" name="Notes Placeholder 2">
+            <a:extLst>
+              <a:ext uri="{FF2B5EF4-FFF2-40B4-BE49-F238E27FC236}">
+                <a16:creationId xmlns:a16="http://schemas.microsoft.com/office/drawing/2014/main" id="{D266746E-AE9A-FEE9-0D18-82763358DCB2}"/>
+              </a:ext>
+            </a:extLst>
+          </p:cNvPr>
+          <p:cNvSpPr>
+            <a:spLocks noGrp="1"/>
+          </p:cNvSpPr>
+          <p:nvPr>
+            <p:ph type="body" idx="1"/>
+          </p:nvPr>
+        </p:nvSpPr>
+        <p:spPr/>
+        <p:txBody>
+          <a:bodyPr/>
+          <a:lstStyle/>
+          <a:p>
+            <a:endParaRPr lang="en-GB" dirty="0"/>
+          </a:p>
+        </p:txBody>
+      </p:sp>
+      <p:sp>
+        <p:nvSpPr>
+          <p:cNvPr id="4" name="Slide Number Placeholder 3">
+            <a:extLst>
+              <a:ext uri="{FF2B5EF4-FFF2-40B4-BE49-F238E27FC236}">
+                <a16:creationId xmlns:a16="http://schemas.microsoft.com/office/drawing/2014/main" id="{6EA20735-BCED-6A42-5FC0-D72B95C97885}"/>
+              </a:ext>
+            </a:extLst>
+          </p:cNvPr>
+          <p:cNvSpPr>
+            <a:spLocks noGrp="1"/>
+          </p:cNvSpPr>
+          <p:nvPr>
+            <p:ph type="sldNum" sz="quarter" idx="5"/>
+          </p:nvPr>
+        </p:nvSpPr>
+        <p:spPr/>
+        <p:txBody>
+          <a:bodyPr/>
+          <a:lstStyle/>
+          <a:p>
+            <a:fld id="{763931CF-879D-C24C-B4FC-A16B88D776C8}" type="slidenum">
+              <a:rPr lang="en-US" smtClean="0"/>
+              <a:t>12</a:t>
+            </a:fld>
+            <a:endParaRPr lang="en-US"/>
+          </a:p>
+        </p:txBody>
+      </p:sp>
+    </p:spTree>
+    <p:extLst>
+      <p:ext uri="{BB962C8B-B14F-4D97-AF65-F5344CB8AC3E}">
+        <p14:creationId xmlns:p14="http://schemas.microsoft.com/office/powerpoint/2010/main" val="1515055877"/>
+      </p:ext>
+    </p:extLst>
+  </p:cSld>
+  <p:clrMapOvr>
+    <a:masterClrMapping/>
+  </p:clrMapOvr>
+</p:notes>
+</file>
+
+<file path=ppt/notesSlides/notesSlide13.xml><?xml version="1.0" encoding="utf-8"?>
+<p:notes xmlns:a="http://schemas.openxmlformats.org/drawingml/2006/main" xmlns:r="http://schemas.openxmlformats.org/officeDocument/2006/relationships" xmlns:p="http://schemas.openxmlformats.org/presentationml/2006/main">
+  <p:cSld>
+    <p:spTree>
+      <p:nvGrpSpPr>
+        <p:cNvPr id="1" name="">
+          <a:extLst>
+            <a:ext uri="{FF2B5EF4-FFF2-40B4-BE49-F238E27FC236}">
+              <a16:creationId xmlns:a16="http://schemas.microsoft.com/office/drawing/2014/main" id="{055FEF33-3CA4-A9F6-8111-0D4F4D97C63E}"/>
+            </a:ext>
+          </a:extLst>
+        </p:cNvPr>
+        <p:cNvGrpSpPr/>
+        <p:nvPr/>
+      </p:nvGrpSpPr>
+      <p:grpSpPr>
+        <a:xfrm>
+          <a:off x="0" y="0"/>
+          <a:ext cx="0" cy="0"/>
+          <a:chOff x="0" y="0"/>
+          <a:chExt cx="0" cy="0"/>
+        </a:xfrm>
+      </p:grpSpPr>
+      <p:sp>
+        <p:nvSpPr>
+          <p:cNvPr id="2" name="Slide Image Placeholder 1">
+            <a:extLst>
+              <a:ext uri="{FF2B5EF4-FFF2-40B4-BE49-F238E27FC236}">
+                <a16:creationId xmlns:a16="http://schemas.microsoft.com/office/drawing/2014/main" id="{F4C1E097-F84C-2EE5-10A9-4286D29E41DD}"/>
+              </a:ext>
+            </a:extLst>
+          </p:cNvPr>
+          <p:cNvSpPr>
+            <a:spLocks noGrp="1" noRot="1" noChangeAspect="1"/>
+          </p:cNvSpPr>
+          <p:nvPr>
+            <p:ph type="sldImg"/>
+          </p:nvPr>
+        </p:nvSpPr>
+        <p:spPr/>
+      </p:sp>
+      <p:sp>
+        <p:nvSpPr>
+          <p:cNvPr id="3" name="Notes Placeholder 2">
+            <a:extLst>
+              <a:ext uri="{FF2B5EF4-FFF2-40B4-BE49-F238E27FC236}">
+                <a16:creationId xmlns:a16="http://schemas.microsoft.com/office/drawing/2014/main" id="{4F51A741-6A20-C201-0C08-E0338AD90052}"/>
+              </a:ext>
+            </a:extLst>
+          </p:cNvPr>
+          <p:cNvSpPr>
+            <a:spLocks noGrp="1"/>
+          </p:cNvSpPr>
+          <p:nvPr>
+            <p:ph type="body" idx="1"/>
+          </p:nvPr>
+        </p:nvSpPr>
+        <p:spPr/>
+        <p:txBody>
+          <a:bodyPr/>
+          <a:lstStyle/>
+          <a:p>
+            <a:endParaRPr lang="en-GB" dirty="0"/>
+          </a:p>
+        </p:txBody>
+      </p:sp>
+      <p:sp>
+        <p:nvSpPr>
+          <p:cNvPr id="4" name="Slide Number Placeholder 3">
+            <a:extLst>
+              <a:ext uri="{FF2B5EF4-FFF2-40B4-BE49-F238E27FC236}">
+                <a16:creationId xmlns:a16="http://schemas.microsoft.com/office/drawing/2014/main" id="{560E4E92-894A-8F1E-A2D8-C2BC9C7E35B2}"/>
+              </a:ext>
+            </a:extLst>
+          </p:cNvPr>
+          <p:cNvSpPr>
+            <a:spLocks noGrp="1"/>
+          </p:cNvSpPr>
+          <p:nvPr>
+            <p:ph type="sldNum" sz="quarter" idx="5"/>
+          </p:nvPr>
+        </p:nvSpPr>
+        <p:spPr/>
+        <p:txBody>
+          <a:bodyPr/>
+          <a:lstStyle/>
+          <a:p>
+            <a:fld id="{763931CF-879D-C24C-B4FC-A16B88D776C8}" type="slidenum">
+              <a:rPr lang="en-US" smtClean="0"/>
+              <a:t>13</a:t>
+            </a:fld>
+            <a:endParaRPr lang="en-US"/>
+          </a:p>
+        </p:txBody>
+      </p:sp>
+    </p:spTree>
+    <p:extLst>
+      <p:ext uri="{BB962C8B-B14F-4D97-AF65-F5344CB8AC3E}">
+        <p14:creationId xmlns:p14="http://schemas.microsoft.com/office/powerpoint/2010/main" val="3922287384"/>
+      </p:ext>
+    </p:extLst>
+  </p:cSld>
+  <p:clrMapOvr>
+    <a:masterClrMapping/>
+  </p:clrMapOvr>
+</p:notes>
+</file>
+
+<file path=ppt/notesSlides/notesSlide14.xml><?xml version="1.0" encoding="utf-8"?>
+<p:notes xmlns:a="http://schemas.openxmlformats.org/drawingml/2006/main" xmlns:r="http://schemas.openxmlformats.org/officeDocument/2006/relationships" xmlns:p="http://schemas.openxmlformats.org/presentationml/2006/main">
+  <p:cSld>
+    <p:spTree>
+      <p:nvGrpSpPr>
+        <p:cNvPr id="1" name="">
+          <a:extLst>
+            <a:ext uri="{FF2B5EF4-FFF2-40B4-BE49-F238E27FC236}">
+              <a16:creationId xmlns:a16="http://schemas.microsoft.com/office/drawing/2014/main" id="{4F02E01C-C8C4-92DD-03DF-FF0C0BE137A9}"/>
+            </a:ext>
+          </a:extLst>
+        </p:cNvPr>
+        <p:cNvGrpSpPr/>
+        <p:nvPr/>
+      </p:nvGrpSpPr>
+      <p:grpSpPr>
+        <a:xfrm>
+          <a:off x="0" y="0"/>
+          <a:ext cx="0" cy="0"/>
+          <a:chOff x="0" y="0"/>
+          <a:chExt cx="0" cy="0"/>
+        </a:xfrm>
+      </p:grpSpPr>
+      <p:sp>
+        <p:nvSpPr>
+          <p:cNvPr id="2" name="Slide Image Placeholder 1">
+            <a:extLst>
+              <a:ext uri="{FF2B5EF4-FFF2-40B4-BE49-F238E27FC236}">
+                <a16:creationId xmlns:a16="http://schemas.microsoft.com/office/drawing/2014/main" id="{0A91ADF5-F84D-1B38-98C4-262DAE9B27B5}"/>
+              </a:ext>
+            </a:extLst>
+          </p:cNvPr>
+          <p:cNvSpPr>
+            <a:spLocks noGrp="1" noRot="1" noChangeAspect="1"/>
+          </p:cNvSpPr>
+          <p:nvPr>
+            <p:ph type="sldImg"/>
+          </p:nvPr>
+        </p:nvSpPr>
+        <p:spPr/>
+      </p:sp>
+      <p:sp>
+        <p:nvSpPr>
+          <p:cNvPr id="3" name="Notes Placeholder 2">
+            <a:extLst>
+              <a:ext uri="{FF2B5EF4-FFF2-40B4-BE49-F238E27FC236}">
+                <a16:creationId xmlns:a16="http://schemas.microsoft.com/office/drawing/2014/main" id="{5A4B9D77-DF31-8977-0B96-62F64676091B}"/>
+              </a:ext>
+            </a:extLst>
+          </p:cNvPr>
+          <p:cNvSpPr>
+            <a:spLocks noGrp="1"/>
+          </p:cNvSpPr>
+          <p:nvPr>
+            <p:ph type="body" idx="1"/>
+          </p:nvPr>
+        </p:nvSpPr>
+        <p:spPr/>
+        <p:txBody>
+          <a:bodyPr/>
+          <a:lstStyle/>
+          <a:p>
+            <a:endParaRPr lang="en-GB" dirty="0"/>
+          </a:p>
+        </p:txBody>
+      </p:sp>
+      <p:sp>
+        <p:nvSpPr>
+          <p:cNvPr id="4" name="Slide Number Placeholder 3">
+            <a:extLst>
+              <a:ext uri="{FF2B5EF4-FFF2-40B4-BE49-F238E27FC236}">
+                <a16:creationId xmlns:a16="http://schemas.microsoft.com/office/drawing/2014/main" id="{6C76131B-D5DB-53D9-3E5B-AB386332ACE2}"/>
+              </a:ext>
+            </a:extLst>
+          </p:cNvPr>
+          <p:cNvSpPr>
+            <a:spLocks noGrp="1"/>
+          </p:cNvSpPr>
+          <p:nvPr>
+            <p:ph type="sldNum" sz="quarter" idx="5"/>
+          </p:nvPr>
+        </p:nvSpPr>
+        <p:spPr/>
+        <p:txBody>
+          <a:bodyPr/>
+          <a:lstStyle/>
+          <a:p>
+            <a:fld id="{763931CF-879D-C24C-B4FC-A16B88D776C8}" type="slidenum">
+              <a:rPr lang="en-US" smtClean="0"/>
+              <a:t>14</a:t>
+            </a:fld>
+            <a:endParaRPr lang="en-US"/>
+          </a:p>
+        </p:txBody>
+      </p:sp>
+    </p:spTree>
+    <p:extLst>
+      <p:ext uri="{BB962C8B-B14F-4D97-AF65-F5344CB8AC3E}">
+        <p14:creationId xmlns:p14="http://schemas.microsoft.com/office/powerpoint/2010/main" val="2410257961"/>
+      </p:ext>
+    </p:extLst>
+  </p:cSld>
+  <p:clrMapOvr>
+    <a:masterClrMapping/>
+  </p:clrMapOvr>
+</p:notes>
+</file>
+
+<file path=ppt/notesSlides/notesSlide15.xml><?xml version="1.0" encoding="utf-8"?>
+<p:notes xmlns:a="http://schemas.openxmlformats.org/drawingml/2006/main" xmlns:r="http://schemas.openxmlformats.org/officeDocument/2006/relationships" xmlns:p="http://schemas.openxmlformats.org/presentationml/2006/main">
+  <p:cSld>
+    <p:spTree>
+      <p:nvGrpSpPr>
+        <p:cNvPr id="1" name="">
+          <a:extLst>
+            <a:ext uri="{FF2B5EF4-FFF2-40B4-BE49-F238E27FC236}">
+              <a16:creationId xmlns:a16="http://schemas.microsoft.com/office/drawing/2014/main" id="{A81CF327-FF7B-5690-7D45-38975D54A2CA}"/>
+            </a:ext>
+          </a:extLst>
+        </p:cNvPr>
+        <p:cNvGrpSpPr/>
+        <p:nvPr/>
+      </p:nvGrpSpPr>
+      <p:grpSpPr>
+        <a:xfrm>
+          <a:off x="0" y="0"/>
+          <a:ext cx="0" cy="0"/>
+          <a:chOff x="0" y="0"/>
+          <a:chExt cx="0" cy="0"/>
+        </a:xfrm>
+      </p:grpSpPr>
+      <p:sp>
+        <p:nvSpPr>
+          <p:cNvPr id="2" name="Slide Image Placeholder 1">
+            <a:extLst>
+              <a:ext uri="{FF2B5EF4-FFF2-40B4-BE49-F238E27FC236}">
+                <a16:creationId xmlns:a16="http://schemas.microsoft.com/office/drawing/2014/main" id="{41864EB2-E305-8076-0CA3-8941989088C6}"/>
+              </a:ext>
+            </a:extLst>
+          </p:cNvPr>
+          <p:cNvSpPr>
+            <a:spLocks noGrp="1" noRot="1" noChangeAspect="1"/>
+          </p:cNvSpPr>
+          <p:nvPr>
+            <p:ph type="sldImg"/>
+          </p:nvPr>
+        </p:nvSpPr>
+        <p:spPr/>
+      </p:sp>
+      <p:sp>
+        <p:nvSpPr>
+          <p:cNvPr id="3" name="Notes Placeholder 2">
+            <a:extLst>
+              <a:ext uri="{FF2B5EF4-FFF2-40B4-BE49-F238E27FC236}">
+                <a16:creationId xmlns:a16="http://schemas.microsoft.com/office/drawing/2014/main" id="{9D88F1AC-B204-007F-5EBA-4AA1B402F233}"/>
+              </a:ext>
+            </a:extLst>
+          </p:cNvPr>
+          <p:cNvSpPr>
+            <a:spLocks noGrp="1"/>
+          </p:cNvSpPr>
+          <p:nvPr>
+            <p:ph type="body" idx="1"/>
+          </p:nvPr>
+        </p:nvSpPr>
+        <p:spPr/>
+        <p:txBody>
+          <a:bodyPr/>
+          <a:lstStyle/>
+          <a:p>
+            <a:endParaRPr lang="en-GB" dirty="0"/>
+          </a:p>
+        </p:txBody>
+      </p:sp>
+      <p:sp>
+        <p:nvSpPr>
+          <p:cNvPr id="4" name="Slide Number Placeholder 3">
+            <a:extLst>
+              <a:ext uri="{FF2B5EF4-FFF2-40B4-BE49-F238E27FC236}">
+                <a16:creationId xmlns:a16="http://schemas.microsoft.com/office/drawing/2014/main" id="{BFF1BF45-00C5-555A-B516-0A2381F03C66}"/>
+              </a:ext>
+            </a:extLst>
+          </p:cNvPr>
+          <p:cNvSpPr>
+            <a:spLocks noGrp="1"/>
+          </p:cNvSpPr>
+          <p:nvPr>
+            <p:ph type="sldNum" sz="quarter" idx="5"/>
+          </p:nvPr>
+        </p:nvSpPr>
+        <p:spPr/>
+        <p:txBody>
+          <a:bodyPr/>
+          <a:lstStyle/>
+          <a:p>
+            <a:fld id="{763931CF-879D-C24C-B4FC-A16B88D776C8}" type="slidenum">
+              <a:rPr lang="en-US" smtClean="0"/>
+              <a:t>15</a:t>
+            </a:fld>
+            <a:endParaRPr lang="en-US"/>
+          </a:p>
+        </p:txBody>
+      </p:sp>
+    </p:spTree>
+    <p:extLst>
+      <p:ext uri="{BB962C8B-B14F-4D97-AF65-F5344CB8AC3E}">
+        <p14:creationId xmlns:p14="http://schemas.microsoft.com/office/powerpoint/2010/main" val="2817785929"/>
+      </p:ext>
+    </p:extLst>
+  </p:cSld>
+  <p:clrMapOvr>
+    <a:masterClrMapping/>
+  </p:clrMapOvr>
+</p:notes>
+</file>
+
+<file path=ppt/notesSlides/notesSlide16.xml><?xml version="1.0" encoding="utf-8"?>
+<p:notes xmlns:a="http://schemas.openxmlformats.org/drawingml/2006/main" xmlns:r="http://schemas.openxmlformats.org/officeDocument/2006/relationships" xmlns:p="http://schemas.openxmlformats.org/presentationml/2006/main">
+  <p:cSld>
+    <p:spTree>
+      <p:nvGrpSpPr>
+        <p:cNvPr id="1" name="">
+          <a:extLst>
+            <a:ext uri="{FF2B5EF4-FFF2-40B4-BE49-F238E27FC236}">
+              <a16:creationId xmlns:a16="http://schemas.microsoft.com/office/drawing/2014/main" id="{E009D9B8-99DE-50AE-4E5A-4FA897151B4B}"/>
+            </a:ext>
+          </a:extLst>
+        </p:cNvPr>
+        <p:cNvGrpSpPr/>
+        <p:nvPr/>
+      </p:nvGrpSpPr>
+      <p:grpSpPr>
+        <a:xfrm>
+          <a:off x="0" y="0"/>
+          <a:ext cx="0" cy="0"/>
+          <a:chOff x="0" y="0"/>
+          <a:chExt cx="0" cy="0"/>
+        </a:xfrm>
+      </p:grpSpPr>
+      <p:sp>
+        <p:nvSpPr>
+          <p:cNvPr id="2" name="Slide Image Placeholder 1">
+            <a:extLst>
+              <a:ext uri="{FF2B5EF4-FFF2-40B4-BE49-F238E27FC236}">
+                <a16:creationId xmlns:a16="http://schemas.microsoft.com/office/drawing/2014/main" id="{A82BBC43-9AAF-8228-C326-152B5B28220D}"/>
+              </a:ext>
+            </a:extLst>
+          </p:cNvPr>
+          <p:cNvSpPr>
+            <a:spLocks noGrp="1" noRot="1" noChangeAspect="1"/>
+          </p:cNvSpPr>
+          <p:nvPr>
+            <p:ph type="sldImg"/>
+          </p:nvPr>
+        </p:nvSpPr>
+        <p:spPr/>
+      </p:sp>
+      <p:sp>
+        <p:nvSpPr>
+          <p:cNvPr id="3" name="Notes Placeholder 2">
+            <a:extLst>
+              <a:ext uri="{FF2B5EF4-FFF2-40B4-BE49-F238E27FC236}">
+                <a16:creationId xmlns:a16="http://schemas.microsoft.com/office/drawing/2014/main" id="{32621439-8047-4AFE-A7C4-406A790B38C1}"/>
+              </a:ext>
+            </a:extLst>
+          </p:cNvPr>
+          <p:cNvSpPr>
+            <a:spLocks noGrp="1"/>
+          </p:cNvSpPr>
+          <p:nvPr>
+            <p:ph type="body" idx="1"/>
+          </p:nvPr>
+        </p:nvSpPr>
+        <p:spPr/>
+        <p:txBody>
+          <a:bodyPr/>
+          <a:lstStyle/>
+          <a:p>
+            <a:endParaRPr lang="en-GB" dirty="0"/>
+          </a:p>
+        </p:txBody>
+      </p:sp>
+      <p:sp>
+        <p:nvSpPr>
+          <p:cNvPr id="4" name="Slide Number Placeholder 3">
+            <a:extLst>
+              <a:ext uri="{FF2B5EF4-FFF2-40B4-BE49-F238E27FC236}">
+                <a16:creationId xmlns:a16="http://schemas.microsoft.com/office/drawing/2014/main" id="{4D077912-464A-DF73-F5A3-A4BCC1B3F395}"/>
+              </a:ext>
+            </a:extLst>
+          </p:cNvPr>
+          <p:cNvSpPr>
+            <a:spLocks noGrp="1"/>
+          </p:cNvSpPr>
+          <p:nvPr>
+            <p:ph type="sldNum" sz="quarter" idx="5"/>
+          </p:nvPr>
+        </p:nvSpPr>
+        <p:spPr/>
+        <p:txBody>
+          <a:bodyPr/>
+          <a:lstStyle/>
+          <a:p>
+            <a:fld id="{763931CF-879D-C24C-B4FC-A16B88D776C8}" type="slidenum">
+              <a:rPr lang="en-US" smtClean="0"/>
+              <a:t>16</a:t>
+            </a:fld>
+            <a:endParaRPr lang="en-US"/>
+          </a:p>
+        </p:txBody>
+      </p:sp>
+    </p:spTree>
+    <p:extLst>
+      <p:ext uri="{BB962C8B-B14F-4D97-AF65-F5344CB8AC3E}">
+        <p14:creationId xmlns:p14="http://schemas.microsoft.com/office/powerpoint/2010/main" val="3164123955"/>
+      </p:ext>
+    </p:extLst>
+  </p:cSld>
+  <p:clrMapOvr>
+    <a:masterClrMapping/>
+  </p:clrMapOvr>
+</p:notes>
+</file>
+
 <file path=ppt/notesSlides/notesSlide2.xml><?xml version="1.0" encoding="utf-8"?>
 <p:notes xmlns:a="http://schemas.openxmlformats.org/drawingml/2006/main" xmlns:r="http://schemas.openxmlformats.org/officeDocument/2006/relationships" xmlns:p="http://schemas.openxmlformats.org/presentationml/2006/main">
   <p:cSld>
@@ -1374,6 +2139,222 @@
     <p:extLst>
       <p:ext uri="{BB962C8B-B14F-4D97-AF65-F5344CB8AC3E}">
         <p14:creationId xmlns:p14="http://schemas.microsoft.com/office/powerpoint/2010/main" val="3698112343"/>
+      </p:ext>
+    </p:extLst>
+  </p:cSld>
+  <p:clrMapOvr>
+    <a:masterClrMapping/>
+  </p:clrMapOvr>
+</p:notes>
+</file>
+
+<file path=ppt/notesSlides/notesSlide8.xml><?xml version="1.0" encoding="utf-8"?>
+<p:notes xmlns:a="http://schemas.openxmlformats.org/drawingml/2006/main" xmlns:r="http://schemas.openxmlformats.org/officeDocument/2006/relationships" xmlns:p="http://schemas.openxmlformats.org/presentationml/2006/main">
+  <p:cSld>
+    <p:spTree>
+      <p:nvGrpSpPr>
+        <p:cNvPr id="1" name="">
+          <a:extLst>
+            <a:ext uri="{FF2B5EF4-FFF2-40B4-BE49-F238E27FC236}">
+              <a16:creationId xmlns:a16="http://schemas.microsoft.com/office/drawing/2014/main" id="{17B98456-F177-BE98-1762-EB873B260C03}"/>
+            </a:ext>
+          </a:extLst>
+        </p:cNvPr>
+        <p:cNvGrpSpPr/>
+        <p:nvPr/>
+      </p:nvGrpSpPr>
+      <p:grpSpPr>
+        <a:xfrm>
+          <a:off x="0" y="0"/>
+          <a:ext cx="0" cy="0"/>
+          <a:chOff x="0" y="0"/>
+          <a:chExt cx="0" cy="0"/>
+        </a:xfrm>
+      </p:grpSpPr>
+      <p:sp>
+        <p:nvSpPr>
+          <p:cNvPr id="2" name="Slide Image Placeholder 1">
+            <a:extLst>
+              <a:ext uri="{FF2B5EF4-FFF2-40B4-BE49-F238E27FC236}">
+                <a16:creationId xmlns:a16="http://schemas.microsoft.com/office/drawing/2014/main" id="{D0013028-B554-0D4F-C01F-E00C26EA30C7}"/>
+              </a:ext>
+            </a:extLst>
+          </p:cNvPr>
+          <p:cNvSpPr>
+            <a:spLocks noGrp="1" noRot="1" noChangeAspect="1"/>
+          </p:cNvSpPr>
+          <p:nvPr>
+            <p:ph type="sldImg"/>
+          </p:nvPr>
+        </p:nvSpPr>
+        <p:spPr/>
+      </p:sp>
+      <p:sp>
+        <p:nvSpPr>
+          <p:cNvPr id="3" name="Notes Placeholder 2">
+            <a:extLst>
+              <a:ext uri="{FF2B5EF4-FFF2-40B4-BE49-F238E27FC236}">
+                <a16:creationId xmlns:a16="http://schemas.microsoft.com/office/drawing/2014/main" id="{CD35A47F-A249-CF3E-9977-274D0D36CDE5}"/>
+              </a:ext>
+            </a:extLst>
+          </p:cNvPr>
+          <p:cNvSpPr>
+            <a:spLocks noGrp="1"/>
+          </p:cNvSpPr>
+          <p:nvPr>
+            <p:ph type="body" idx="1"/>
+          </p:nvPr>
+        </p:nvSpPr>
+        <p:spPr/>
+        <p:txBody>
+          <a:bodyPr/>
+          <a:lstStyle/>
+          <a:p>
+            <a:endParaRPr lang="en-GB" dirty="0"/>
+          </a:p>
+        </p:txBody>
+      </p:sp>
+      <p:sp>
+        <p:nvSpPr>
+          <p:cNvPr id="4" name="Slide Number Placeholder 3">
+            <a:extLst>
+              <a:ext uri="{FF2B5EF4-FFF2-40B4-BE49-F238E27FC236}">
+                <a16:creationId xmlns:a16="http://schemas.microsoft.com/office/drawing/2014/main" id="{44B08B65-C194-E496-51BE-09506BBD4758}"/>
+              </a:ext>
+            </a:extLst>
+          </p:cNvPr>
+          <p:cNvSpPr>
+            <a:spLocks noGrp="1"/>
+          </p:cNvSpPr>
+          <p:nvPr>
+            <p:ph type="sldNum" sz="quarter" idx="5"/>
+          </p:nvPr>
+        </p:nvSpPr>
+        <p:spPr/>
+        <p:txBody>
+          <a:bodyPr/>
+          <a:lstStyle/>
+          <a:p>
+            <a:fld id="{763931CF-879D-C24C-B4FC-A16B88D776C8}" type="slidenum">
+              <a:rPr lang="en-US" smtClean="0"/>
+              <a:t>8</a:t>
+            </a:fld>
+            <a:endParaRPr lang="en-US"/>
+          </a:p>
+        </p:txBody>
+      </p:sp>
+    </p:spTree>
+    <p:extLst>
+      <p:ext uri="{BB962C8B-B14F-4D97-AF65-F5344CB8AC3E}">
+        <p14:creationId xmlns:p14="http://schemas.microsoft.com/office/powerpoint/2010/main" val="2610783918"/>
+      </p:ext>
+    </p:extLst>
+  </p:cSld>
+  <p:clrMapOvr>
+    <a:masterClrMapping/>
+  </p:clrMapOvr>
+</p:notes>
+</file>
+
+<file path=ppt/notesSlides/notesSlide9.xml><?xml version="1.0" encoding="utf-8"?>
+<p:notes xmlns:a="http://schemas.openxmlformats.org/drawingml/2006/main" xmlns:r="http://schemas.openxmlformats.org/officeDocument/2006/relationships" xmlns:p="http://schemas.openxmlformats.org/presentationml/2006/main">
+  <p:cSld>
+    <p:spTree>
+      <p:nvGrpSpPr>
+        <p:cNvPr id="1" name="">
+          <a:extLst>
+            <a:ext uri="{FF2B5EF4-FFF2-40B4-BE49-F238E27FC236}">
+              <a16:creationId xmlns:a16="http://schemas.microsoft.com/office/drawing/2014/main" id="{469510ED-2F2C-B7C0-BFB0-EC9295DCDAFD}"/>
+            </a:ext>
+          </a:extLst>
+        </p:cNvPr>
+        <p:cNvGrpSpPr/>
+        <p:nvPr/>
+      </p:nvGrpSpPr>
+      <p:grpSpPr>
+        <a:xfrm>
+          <a:off x="0" y="0"/>
+          <a:ext cx="0" cy="0"/>
+          <a:chOff x="0" y="0"/>
+          <a:chExt cx="0" cy="0"/>
+        </a:xfrm>
+      </p:grpSpPr>
+      <p:sp>
+        <p:nvSpPr>
+          <p:cNvPr id="2" name="Slide Image Placeholder 1">
+            <a:extLst>
+              <a:ext uri="{FF2B5EF4-FFF2-40B4-BE49-F238E27FC236}">
+                <a16:creationId xmlns:a16="http://schemas.microsoft.com/office/drawing/2014/main" id="{5BD90A76-262A-80F0-3CA6-7F4D430C465C}"/>
+              </a:ext>
+            </a:extLst>
+          </p:cNvPr>
+          <p:cNvSpPr>
+            <a:spLocks noGrp="1" noRot="1" noChangeAspect="1"/>
+          </p:cNvSpPr>
+          <p:nvPr>
+            <p:ph type="sldImg"/>
+          </p:nvPr>
+        </p:nvSpPr>
+        <p:spPr/>
+      </p:sp>
+      <p:sp>
+        <p:nvSpPr>
+          <p:cNvPr id="3" name="Notes Placeholder 2">
+            <a:extLst>
+              <a:ext uri="{FF2B5EF4-FFF2-40B4-BE49-F238E27FC236}">
+                <a16:creationId xmlns:a16="http://schemas.microsoft.com/office/drawing/2014/main" id="{E799449F-E9F9-0CDB-7BA0-986E29442CF1}"/>
+              </a:ext>
+            </a:extLst>
+          </p:cNvPr>
+          <p:cNvSpPr>
+            <a:spLocks noGrp="1"/>
+          </p:cNvSpPr>
+          <p:nvPr>
+            <p:ph type="body" idx="1"/>
+          </p:nvPr>
+        </p:nvSpPr>
+        <p:spPr/>
+        <p:txBody>
+          <a:bodyPr/>
+          <a:lstStyle/>
+          <a:p>
+            <a:endParaRPr lang="en-GB" dirty="0"/>
+          </a:p>
+        </p:txBody>
+      </p:sp>
+      <p:sp>
+        <p:nvSpPr>
+          <p:cNvPr id="4" name="Slide Number Placeholder 3">
+            <a:extLst>
+              <a:ext uri="{FF2B5EF4-FFF2-40B4-BE49-F238E27FC236}">
+                <a16:creationId xmlns:a16="http://schemas.microsoft.com/office/drawing/2014/main" id="{135711BB-25EF-6FFA-EAF4-BD51E6F82483}"/>
+              </a:ext>
+            </a:extLst>
+          </p:cNvPr>
+          <p:cNvSpPr>
+            <a:spLocks noGrp="1"/>
+          </p:cNvSpPr>
+          <p:nvPr>
+            <p:ph type="sldNum" sz="quarter" idx="5"/>
+          </p:nvPr>
+        </p:nvSpPr>
+        <p:spPr/>
+        <p:txBody>
+          <a:bodyPr/>
+          <a:lstStyle/>
+          <a:p>
+            <a:fld id="{763931CF-879D-C24C-B4FC-A16B88D776C8}" type="slidenum">
+              <a:rPr lang="en-US" smtClean="0"/>
+              <a:t>9</a:t>
+            </a:fld>
+            <a:endParaRPr lang="en-US"/>
+          </a:p>
+        </p:txBody>
+      </p:sp>
+    </p:spTree>
+    <p:extLst>
+      <p:ext uri="{BB962C8B-B14F-4D97-AF65-F5344CB8AC3E}">
+        <p14:creationId xmlns:p14="http://schemas.microsoft.com/office/powerpoint/2010/main" val="1050544516"/>
       </p:ext>
     </p:extLst>
   </p:cSld>
@@ -2616,6 +3597,1812 @@
 </p:sld>
 </file>
 
+<file path=ppt/slides/slide10.xml><?xml version="1.0" encoding="utf-8"?>
+<p:sld xmlns:a="http://schemas.openxmlformats.org/drawingml/2006/main" xmlns:r="http://schemas.openxmlformats.org/officeDocument/2006/relationships" xmlns:p="http://schemas.openxmlformats.org/presentationml/2006/main">
+  <p:cSld>
+    <p:spTree>
+      <p:nvGrpSpPr>
+        <p:cNvPr id="1" name="">
+          <a:extLst>
+            <a:ext uri="{FF2B5EF4-FFF2-40B4-BE49-F238E27FC236}">
+              <a16:creationId xmlns:a16="http://schemas.microsoft.com/office/drawing/2014/main" id="{E6916CC4-5FD6-500E-4F17-D68D4FE615D2}"/>
+            </a:ext>
+          </a:extLst>
+        </p:cNvPr>
+        <p:cNvGrpSpPr/>
+        <p:nvPr/>
+      </p:nvGrpSpPr>
+      <p:grpSpPr>
+        <a:xfrm>
+          <a:off x="0" y="0"/>
+          <a:ext cx="0" cy="0"/>
+          <a:chOff x="0" y="0"/>
+          <a:chExt cx="0" cy="0"/>
+        </a:xfrm>
+      </p:grpSpPr>
+      <p:sp>
+        <p:nvSpPr>
+          <p:cNvPr id="8" name="Text Placeholder 7">
+            <a:extLst>
+              <a:ext uri="{FF2B5EF4-FFF2-40B4-BE49-F238E27FC236}">
+                <a16:creationId xmlns:a16="http://schemas.microsoft.com/office/drawing/2014/main" id="{1B607C03-73EA-6BC1-CEED-47A18D9AC9C1}"/>
+              </a:ext>
+            </a:extLst>
+          </p:cNvPr>
+          <p:cNvSpPr>
+            <a:spLocks noGrp="1"/>
+          </p:cNvSpPr>
+          <p:nvPr>
+            <p:ph type="body" sz="quarter" idx="10"/>
+          </p:nvPr>
+        </p:nvSpPr>
+        <p:spPr/>
+        <p:txBody>
+          <a:bodyPr/>
+          <a:lstStyle/>
+          <a:p>
+            <a:r>
+              <a:rPr lang="en-GB" dirty="0"/>
+              <a:t>Medicine</a:t>
+            </a:r>
+          </a:p>
+        </p:txBody>
+      </p:sp>
+      <p:sp>
+        <p:nvSpPr>
+          <p:cNvPr id="7" name="Title 6">
+            <a:extLst>
+              <a:ext uri="{FF2B5EF4-FFF2-40B4-BE49-F238E27FC236}">
+                <a16:creationId xmlns:a16="http://schemas.microsoft.com/office/drawing/2014/main" id="{1B535632-9FAA-55B7-02DF-74BA5CA64272}"/>
+              </a:ext>
+            </a:extLst>
+          </p:cNvPr>
+          <p:cNvSpPr>
+            <a:spLocks noGrp="1"/>
+          </p:cNvSpPr>
+          <p:nvPr>
+            <p:ph type="title"/>
+          </p:nvPr>
+        </p:nvSpPr>
+        <p:spPr>
+          <a:xfrm>
+            <a:off x="632459" y="580136"/>
+            <a:ext cx="10751157" cy="731520"/>
+          </a:xfrm>
+        </p:spPr>
+        <p:txBody>
+          <a:bodyPr/>
+          <a:lstStyle/>
+          <a:p>
+            <a:r>
+              <a:rPr lang="en-GB" dirty="0" err="1"/>
+              <a:t>stage_name</a:t>
+            </a:r>
+            <a:endParaRPr lang="en-GB" dirty="0"/>
+          </a:p>
+        </p:txBody>
+      </p:sp>
+      <p:sp>
+        <p:nvSpPr>
+          <p:cNvPr id="6" name="TextBox 5">
+            <a:extLst>
+              <a:ext uri="{FF2B5EF4-FFF2-40B4-BE49-F238E27FC236}">
+                <a16:creationId xmlns:a16="http://schemas.microsoft.com/office/drawing/2014/main" id="{7DEDDCFB-88AF-6E48-56F8-1B2D0E5BB5A6}"/>
+              </a:ext>
+            </a:extLst>
+          </p:cNvPr>
+          <p:cNvSpPr txBox="1"/>
+          <p:nvPr/>
+        </p:nvSpPr>
+        <p:spPr>
+          <a:xfrm>
+            <a:off x="4955893" y="1491048"/>
+            <a:ext cx="6472177" cy="846386"/>
+          </a:xfrm>
+          <a:prstGeom prst="rect">
+            <a:avLst/>
+          </a:prstGeom>
+        </p:spPr>
+        <p:txBody>
+          <a:bodyPr wrap="square" lIns="0" tIns="0" rIns="0" bIns="0" rtlCol="0" anchor="t" anchorCtr="0">
+            <a:spAutoFit/>
+          </a:bodyPr>
+          <a:lstStyle/>
+          <a:p>
+            <a:pPr marL="171450" indent="-171450" algn="l">
+              <a:buClr>
+                <a:schemeClr val="bg1"/>
+              </a:buClr>
+              <a:buFont typeface="Arial" panose="020B0604020202020204" pitchFamily="34" charset="0"/>
+              <a:buChar char="•"/>
+            </a:pPr>
+            <a:r>
+              <a:rPr lang="en-GB" sz="1100" dirty="0">
+                <a:latin typeface="Arial" panose="020B0604020202020204" pitchFamily="34" charset="0"/>
+                <a:cs typeface="Arial" panose="020B0604020202020204" pitchFamily="34" charset="0"/>
+              </a:rPr>
+              <a:t>Review images in downloaded image folder</a:t>
+            </a:r>
+          </a:p>
+          <a:p>
+            <a:pPr marL="171450" indent="-171450" algn="l">
+              <a:buClr>
+                <a:schemeClr val="bg1"/>
+              </a:buClr>
+              <a:buFont typeface="Arial" panose="020B0604020202020204" pitchFamily="34" charset="0"/>
+              <a:buChar char="•"/>
+            </a:pPr>
+            <a:endParaRPr lang="en-GB" sz="1100" b="0" dirty="0">
+              <a:latin typeface="Arial" panose="020B0604020202020204" pitchFamily="34" charset="0"/>
+              <a:cs typeface="Arial" panose="020B0604020202020204" pitchFamily="34" charset="0"/>
+            </a:endParaRPr>
+          </a:p>
+          <a:p>
+            <a:pPr marL="171450" indent="-171450" algn="l">
+              <a:buClr>
+                <a:schemeClr val="bg1"/>
+              </a:buClr>
+              <a:buFont typeface="Arial" panose="020B0604020202020204" pitchFamily="34" charset="0"/>
+              <a:buChar char="•"/>
+            </a:pPr>
+            <a:r>
+              <a:rPr lang="en-GB" sz="1100" dirty="0">
+                <a:latin typeface="Arial" panose="020B0604020202020204" pitchFamily="34" charset="0"/>
+                <a:cs typeface="Arial" panose="020B0604020202020204" pitchFamily="34" charset="0"/>
+              </a:rPr>
+              <a:t>Identify best visuals to illustrate analysis</a:t>
+            </a:r>
+          </a:p>
+          <a:p>
+            <a:pPr marL="171450" indent="-171450" algn="l">
+              <a:buClr>
+                <a:schemeClr val="bg1"/>
+              </a:buClr>
+              <a:buFont typeface="Arial" panose="020B0604020202020204" pitchFamily="34" charset="0"/>
+              <a:buChar char="•"/>
+            </a:pPr>
+            <a:endParaRPr lang="en-GB" sz="1100" b="0" dirty="0">
+              <a:latin typeface="Arial" panose="020B0604020202020204" pitchFamily="34" charset="0"/>
+              <a:cs typeface="Arial" panose="020B0604020202020204" pitchFamily="34" charset="0"/>
+            </a:endParaRPr>
+          </a:p>
+          <a:p>
+            <a:pPr marL="171450" indent="-171450" algn="l">
+              <a:buClr>
+                <a:schemeClr val="bg1"/>
+              </a:buClr>
+              <a:buFont typeface="Arial" panose="020B0604020202020204" pitchFamily="34" charset="0"/>
+              <a:buChar char="•"/>
+            </a:pPr>
+            <a:r>
+              <a:rPr lang="en-GB" sz="1100" b="0">
+                <a:latin typeface="Arial" panose="020B0604020202020204" pitchFamily="34" charset="0"/>
+                <a:cs typeface="Arial" panose="020B0604020202020204" pitchFamily="34" charset="0"/>
+              </a:rPr>
+              <a:t>Review automated image interpretation</a:t>
+            </a:r>
+            <a:endParaRPr lang="en-GB" sz="1100" b="0" dirty="0">
+              <a:latin typeface="Arial" panose="020B0604020202020204" pitchFamily="34" charset="0"/>
+              <a:cs typeface="Arial" panose="020B0604020202020204" pitchFamily="34" charset="0"/>
+            </a:endParaRPr>
+          </a:p>
+        </p:txBody>
+      </p:sp>
+      <p:sp>
+        <p:nvSpPr>
+          <p:cNvPr id="2" name="TextBox 1">
+            <a:extLst>
+              <a:ext uri="{FF2B5EF4-FFF2-40B4-BE49-F238E27FC236}">
+                <a16:creationId xmlns:a16="http://schemas.microsoft.com/office/drawing/2014/main" id="{1317E34C-5F68-0CBD-4E68-FAD4F64ED75A}"/>
+              </a:ext>
+            </a:extLst>
+          </p:cNvPr>
+          <p:cNvSpPr txBox="1"/>
+          <p:nvPr/>
+        </p:nvSpPr>
+        <p:spPr>
+          <a:xfrm>
+            <a:off x="763931" y="1491048"/>
+            <a:ext cx="3675548" cy="169277"/>
+          </a:xfrm>
+          <a:prstGeom prst="rect">
+            <a:avLst/>
+          </a:prstGeom>
+        </p:spPr>
+        <p:txBody>
+          <a:bodyPr wrap="square" lIns="0" tIns="0" rIns="0" bIns="0" rtlCol="0" anchor="t" anchorCtr="0">
+            <a:spAutoFit/>
+          </a:bodyPr>
+          <a:lstStyle/>
+          <a:p>
+            <a:pPr algn="l"/>
+            <a:r>
+              <a:rPr lang="en-GB" sz="1100" dirty="0" err="1">
+                <a:latin typeface="Arial" panose="020B0604020202020204" pitchFamily="34" charset="0"/>
+                <a:cs typeface="Arial" panose="020B0604020202020204" pitchFamily="34" charset="0"/>
+              </a:rPr>
+              <a:t>json_content</a:t>
+            </a:r>
+            <a:endParaRPr lang="en-GB" sz="1100" b="0" dirty="0">
+              <a:latin typeface="Arial" panose="020B0604020202020204" pitchFamily="34" charset="0"/>
+              <a:cs typeface="Arial" panose="020B0604020202020204" pitchFamily="34" charset="0"/>
+            </a:endParaRPr>
+          </a:p>
+        </p:txBody>
+      </p:sp>
+    </p:spTree>
+    <p:extLst>
+      <p:ext uri="{BB962C8B-B14F-4D97-AF65-F5344CB8AC3E}">
+        <p14:creationId xmlns:p14="http://schemas.microsoft.com/office/powerpoint/2010/main" val="1626527096"/>
+      </p:ext>
+    </p:extLst>
+  </p:cSld>
+  <p:clrMapOvr>
+    <a:masterClrMapping/>
+  </p:clrMapOvr>
+  <mc:AlternateContent xmlns:mc="http://schemas.openxmlformats.org/markup-compatibility/2006">
+    <mc:Choice xmlns:p14="http://schemas.microsoft.com/office/powerpoint/2010/main" Requires="p14">
+      <p:transition spd="med" p14:dur="700">
+        <p:fade/>
+      </p:transition>
+    </mc:Choice>
+    <mc:Fallback>
+      <p:transition spd="med">
+        <p:fade/>
+      </p:transition>
+    </mc:Fallback>
+  </mc:AlternateContent>
+</p:sld>
+</file>
+
+<file path=ppt/slides/slide11.xml><?xml version="1.0" encoding="utf-8"?>
+<p:sld xmlns:a="http://schemas.openxmlformats.org/drawingml/2006/main" xmlns:r="http://schemas.openxmlformats.org/officeDocument/2006/relationships" xmlns:p="http://schemas.openxmlformats.org/presentationml/2006/main">
+  <p:cSld>
+    <p:spTree>
+      <p:nvGrpSpPr>
+        <p:cNvPr id="1" name="">
+          <a:extLst>
+            <a:ext uri="{FF2B5EF4-FFF2-40B4-BE49-F238E27FC236}">
+              <a16:creationId xmlns:a16="http://schemas.microsoft.com/office/drawing/2014/main" id="{4B2C092F-F716-1095-F0EF-032F980233E4}"/>
+            </a:ext>
+          </a:extLst>
+        </p:cNvPr>
+        <p:cNvGrpSpPr/>
+        <p:nvPr/>
+      </p:nvGrpSpPr>
+      <p:grpSpPr>
+        <a:xfrm>
+          <a:off x="0" y="0"/>
+          <a:ext cx="0" cy="0"/>
+          <a:chOff x="0" y="0"/>
+          <a:chExt cx="0" cy="0"/>
+        </a:xfrm>
+      </p:grpSpPr>
+      <p:sp>
+        <p:nvSpPr>
+          <p:cNvPr id="8" name="Text Placeholder 7">
+            <a:extLst>
+              <a:ext uri="{FF2B5EF4-FFF2-40B4-BE49-F238E27FC236}">
+                <a16:creationId xmlns:a16="http://schemas.microsoft.com/office/drawing/2014/main" id="{B5DF67DB-E784-3F38-2ED9-A04ECB7E5E23}"/>
+              </a:ext>
+            </a:extLst>
+          </p:cNvPr>
+          <p:cNvSpPr>
+            <a:spLocks noGrp="1"/>
+          </p:cNvSpPr>
+          <p:nvPr>
+            <p:ph type="body" sz="quarter" idx="10"/>
+          </p:nvPr>
+        </p:nvSpPr>
+        <p:spPr/>
+        <p:txBody>
+          <a:bodyPr/>
+          <a:lstStyle/>
+          <a:p>
+            <a:r>
+              <a:rPr lang="en-GB" dirty="0"/>
+              <a:t>Medicine</a:t>
+            </a:r>
+          </a:p>
+        </p:txBody>
+      </p:sp>
+      <p:sp>
+        <p:nvSpPr>
+          <p:cNvPr id="7" name="Title 6">
+            <a:extLst>
+              <a:ext uri="{FF2B5EF4-FFF2-40B4-BE49-F238E27FC236}">
+                <a16:creationId xmlns:a16="http://schemas.microsoft.com/office/drawing/2014/main" id="{FF9CD904-194C-2346-D184-B0D7A4132BB3}"/>
+              </a:ext>
+            </a:extLst>
+          </p:cNvPr>
+          <p:cNvSpPr>
+            <a:spLocks noGrp="1"/>
+          </p:cNvSpPr>
+          <p:nvPr>
+            <p:ph type="title"/>
+          </p:nvPr>
+        </p:nvSpPr>
+        <p:spPr>
+          <a:xfrm>
+            <a:off x="632459" y="580136"/>
+            <a:ext cx="10751157" cy="731520"/>
+          </a:xfrm>
+        </p:spPr>
+        <p:txBody>
+          <a:bodyPr/>
+          <a:lstStyle/>
+          <a:p>
+            <a:r>
+              <a:rPr lang="en-GB" dirty="0" err="1"/>
+              <a:t>stage_name</a:t>
+            </a:r>
+            <a:endParaRPr lang="en-GB" dirty="0"/>
+          </a:p>
+        </p:txBody>
+      </p:sp>
+      <p:sp>
+        <p:nvSpPr>
+          <p:cNvPr id="6" name="TextBox 5">
+            <a:extLst>
+              <a:ext uri="{FF2B5EF4-FFF2-40B4-BE49-F238E27FC236}">
+                <a16:creationId xmlns:a16="http://schemas.microsoft.com/office/drawing/2014/main" id="{744BD15B-8102-B01E-0D95-3C587A4BAFA0}"/>
+              </a:ext>
+            </a:extLst>
+          </p:cNvPr>
+          <p:cNvSpPr txBox="1"/>
+          <p:nvPr/>
+        </p:nvSpPr>
+        <p:spPr>
+          <a:xfrm>
+            <a:off x="4955893" y="1491048"/>
+            <a:ext cx="6472177" cy="846386"/>
+          </a:xfrm>
+          <a:prstGeom prst="rect">
+            <a:avLst/>
+          </a:prstGeom>
+        </p:spPr>
+        <p:txBody>
+          <a:bodyPr wrap="square" lIns="0" tIns="0" rIns="0" bIns="0" rtlCol="0" anchor="t" anchorCtr="0">
+            <a:spAutoFit/>
+          </a:bodyPr>
+          <a:lstStyle/>
+          <a:p>
+            <a:pPr marL="171450" indent="-171450" algn="l">
+              <a:buClr>
+                <a:schemeClr val="bg1"/>
+              </a:buClr>
+              <a:buFont typeface="Arial" panose="020B0604020202020204" pitchFamily="34" charset="0"/>
+              <a:buChar char="•"/>
+            </a:pPr>
+            <a:r>
+              <a:rPr lang="en-GB" sz="1100" dirty="0">
+                <a:latin typeface="Arial" panose="020B0604020202020204" pitchFamily="34" charset="0"/>
+                <a:cs typeface="Arial" panose="020B0604020202020204" pitchFamily="34" charset="0"/>
+              </a:rPr>
+              <a:t>Review images in downloaded image folder</a:t>
+            </a:r>
+          </a:p>
+          <a:p>
+            <a:pPr marL="171450" indent="-171450" algn="l">
+              <a:buClr>
+                <a:schemeClr val="bg1"/>
+              </a:buClr>
+              <a:buFont typeface="Arial" panose="020B0604020202020204" pitchFamily="34" charset="0"/>
+              <a:buChar char="•"/>
+            </a:pPr>
+            <a:endParaRPr lang="en-GB" sz="1100" b="0" dirty="0">
+              <a:latin typeface="Arial" panose="020B0604020202020204" pitchFamily="34" charset="0"/>
+              <a:cs typeface="Arial" panose="020B0604020202020204" pitchFamily="34" charset="0"/>
+            </a:endParaRPr>
+          </a:p>
+          <a:p>
+            <a:pPr marL="171450" indent="-171450" algn="l">
+              <a:buClr>
+                <a:schemeClr val="bg1"/>
+              </a:buClr>
+              <a:buFont typeface="Arial" panose="020B0604020202020204" pitchFamily="34" charset="0"/>
+              <a:buChar char="•"/>
+            </a:pPr>
+            <a:r>
+              <a:rPr lang="en-GB" sz="1100" dirty="0">
+                <a:latin typeface="Arial" panose="020B0604020202020204" pitchFamily="34" charset="0"/>
+                <a:cs typeface="Arial" panose="020B0604020202020204" pitchFamily="34" charset="0"/>
+              </a:rPr>
+              <a:t>Identify best visuals to illustrate analysis</a:t>
+            </a:r>
+          </a:p>
+          <a:p>
+            <a:pPr marL="171450" indent="-171450" algn="l">
+              <a:buClr>
+                <a:schemeClr val="bg1"/>
+              </a:buClr>
+              <a:buFont typeface="Arial" panose="020B0604020202020204" pitchFamily="34" charset="0"/>
+              <a:buChar char="•"/>
+            </a:pPr>
+            <a:endParaRPr lang="en-GB" sz="1100" b="0" dirty="0">
+              <a:latin typeface="Arial" panose="020B0604020202020204" pitchFamily="34" charset="0"/>
+              <a:cs typeface="Arial" panose="020B0604020202020204" pitchFamily="34" charset="0"/>
+            </a:endParaRPr>
+          </a:p>
+          <a:p>
+            <a:pPr marL="171450" indent="-171450" algn="l">
+              <a:buClr>
+                <a:schemeClr val="bg1"/>
+              </a:buClr>
+              <a:buFont typeface="Arial" panose="020B0604020202020204" pitchFamily="34" charset="0"/>
+              <a:buChar char="•"/>
+            </a:pPr>
+            <a:r>
+              <a:rPr lang="en-GB" sz="1100" b="0">
+                <a:latin typeface="Arial" panose="020B0604020202020204" pitchFamily="34" charset="0"/>
+                <a:cs typeface="Arial" panose="020B0604020202020204" pitchFamily="34" charset="0"/>
+              </a:rPr>
+              <a:t>Review automated image interpretation</a:t>
+            </a:r>
+            <a:endParaRPr lang="en-GB" sz="1100" b="0" dirty="0">
+              <a:latin typeface="Arial" panose="020B0604020202020204" pitchFamily="34" charset="0"/>
+              <a:cs typeface="Arial" panose="020B0604020202020204" pitchFamily="34" charset="0"/>
+            </a:endParaRPr>
+          </a:p>
+        </p:txBody>
+      </p:sp>
+      <p:sp>
+        <p:nvSpPr>
+          <p:cNvPr id="2" name="TextBox 1">
+            <a:extLst>
+              <a:ext uri="{FF2B5EF4-FFF2-40B4-BE49-F238E27FC236}">
+                <a16:creationId xmlns:a16="http://schemas.microsoft.com/office/drawing/2014/main" id="{C80FBA2F-DF9B-65FD-09B0-EA514B7C407B}"/>
+              </a:ext>
+            </a:extLst>
+          </p:cNvPr>
+          <p:cNvSpPr txBox="1"/>
+          <p:nvPr/>
+        </p:nvSpPr>
+        <p:spPr>
+          <a:xfrm>
+            <a:off x="763931" y="1491048"/>
+            <a:ext cx="3675548" cy="169277"/>
+          </a:xfrm>
+          <a:prstGeom prst="rect">
+            <a:avLst/>
+          </a:prstGeom>
+        </p:spPr>
+        <p:txBody>
+          <a:bodyPr wrap="square" lIns="0" tIns="0" rIns="0" bIns="0" rtlCol="0" anchor="t" anchorCtr="0">
+            <a:spAutoFit/>
+          </a:bodyPr>
+          <a:lstStyle/>
+          <a:p>
+            <a:pPr algn="l"/>
+            <a:r>
+              <a:rPr lang="en-GB" sz="1100" dirty="0" err="1">
+                <a:latin typeface="Arial" panose="020B0604020202020204" pitchFamily="34" charset="0"/>
+                <a:cs typeface="Arial" panose="020B0604020202020204" pitchFamily="34" charset="0"/>
+              </a:rPr>
+              <a:t>json_content</a:t>
+            </a:r>
+            <a:endParaRPr lang="en-GB" sz="1100" b="0" dirty="0">
+              <a:latin typeface="Arial" panose="020B0604020202020204" pitchFamily="34" charset="0"/>
+              <a:cs typeface="Arial" panose="020B0604020202020204" pitchFamily="34" charset="0"/>
+            </a:endParaRPr>
+          </a:p>
+        </p:txBody>
+      </p:sp>
+    </p:spTree>
+    <p:extLst>
+      <p:ext uri="{BB962C8B-B14F-4D97-AF65-F5344CB8AC3E}">
+        <p14:creationId xmlns:p14="http://schemas.microsoft.com/office/powerpoint/2010/main" val="1140920522"/>
+      </p:ext>
+    </p:extLst>
+  </p:cSld>
+  <p:clrMapOvr>
+    <a:masterClrMapping/>
+  </p:clrMapOvr>
+  <mc:AlternateContent xmlns:mc="http://schemas.openxmlformats.org/markup-compatibility/2006">
+    <mc:Choice xmlns:p14="http://schemas.microsoft.com/office/powerpoint/2010/main" Requires="p14">
+      <p:transition spd="med" p14:dur="700">
+        <p:fade/>
+      </p:transition>
+    </mc:Choice>
+    <mc:Fallback>
+      <p:transition spd="med">
+        <p:fade/>
+      </p:transition>
+    </mc:Fallback>
+  </mc:AlternateContent>
+</p:sld>
+</file>
+
+<file path=ppt/slides/slide12.xml><?xml version="1.0" encoding="utf-8"?>
+<p:sld xmlns:a="http://schemas.openxmlformats.org/drawingml/2006/main" xmlns:r="http://schemas.openxmlformats.org/officeDocument/2006/relationships" xmlns:p="http://schemas.openxmlformats.org/presentationml/2006/main">
+  <p:cSld>
+    <p:spTree>
+      <p:nvGrpSpPr>
+        <p:cNvPr id="1" name="">
+          <a:extLst>
+            <a:ext uri="{FF2B5EF4-FFF2-40B4-BE49-F238E27FC236}">
+              <a16:creationId xmlns:a16="http://schemas.microsoft.com/office/drawing/2014/main" id="{F87F807C-4B89-784A-B686-BBD7D10CE867}"/>
+            </a:ext>
+          </a:extLst>
+        </p:cNvPr>
+        <p:cNvGrpSpPr/>
+        <p:nvPr/>
+      </p:nvGrpSpPr>
+      <p:grpSpPr>
+        <a:xfrm>
+          <a:off x="0" y="0"/>
+          <a:ext cx="0" cy="0"/>
+          <a:chOff x="0" y="0"/>
+          <a:chExt cx="0" cy="0"/>
+        </a:xfrm>
+      </p:grpSpPr>
+      <p:sp>
+        <p:nvSpPr>
+          <p:cNvPr id="8" name="Text Placeholder 7">
+            <a:extLst>
+              <a:ext uri="{FF2B5EF4-FFF2-40B4-BE49-F238E27FC236}">
+                <a16:creationId xmlns:a16="http://schemas.microsoft.com/office/drawing/2014/main" id="{AA173C98-B09E-2E50-D409-6CFA5FFE1DD0}"/>
+              </a:ext>
+            </a:extLst>
+          </p:cNvPr>
+          <p:cNvSpPr>
+            <a:spLocks noGrp="1"/>
+          </p:cNvSpPr>
+          <p:nvPr>
+            <p:ph type="body" sz="quarter" idx="10"/>
+          </p:nvPr>
+        </p:nvSpPr>
+        <p:spPr/>
+        <p:txBody>
+          <a:bodyPr/>
+          <a:lstStyle/>
+          <a:p>
+            <a:r>
+              <a:rPr lang="en-GB" dirty="0"/>
+              <a:t>Medicine</a:t>
+            </a:r>
+          </a:p>
+        </p:txBody>
+      </p:sp>
+      <p:sp>
+        <p:nvSpPr>
+          <p:cNvPr id="7" name="Title 6">
+            <a:extLst>
+              <a:ext uri="{FF2B5EF4-FFF2-40B4-BE49-F238E27FC236}">
+                <a16:creationId xmlns:a16="http://schemas.microsoft.com/office/drawing/2014/main" id="{6A510EC7-714E-7747-6156-C8CB5BEE5C1B}"/>
+              </a:ext>
+            </a:extLst>
+          </p:cNvPr>
+          <p:cNvSpPr>
+            <a:spLocks noGrp="1"/>
+          </p:cNvSpPr>
+          <p:nvPr>
+            <p:ph type="title"/>
+          </p:nvPr>
+        </p:nvSpPr>
+        <p:spPr>
+          <a:xfrm>
+            <a:off x="632459" y="580136"/>
+            <a:ext cx="10751157" cy="731520"/>
+          </a:xfrm>
+        </p:spPr>
+        <p:txBody>
+          <a:bodyPr/>
+          <a:lstStyle/>
+          <a:p>
+            <a:r>
+              <a:rPr lang="en-GB" dirty="0" err="1"/>
+              <a:t>stage_name</a:t>
+            </a:r>
+            <a:endParaRPr lang="en-GB" dirty="0"/>
+          </a:p>
+        </p:txBody>
+      </p:sp>
+      <p:sp>
+        <p:nvSpPr>
+          <p:cNvPr id="6" name="TextBox 5">
+            <a:extLst>
+              <a:ext uri="{FF2B5EF4-FFF2-40B4-BE49-F238E27FC236}">
+                <a16:creationId xmlns:a16="http://schemas.microsoft.com/office/drawing/2014/main" id="{64BA33F9-D658-1F55-E89B-9EFA771CB963}"/>
+              </a:ext>
+            </a:extLst>
+          </p:cNvPr>
+          <p:cNvSpPr txBox="1"/>
+          <p:nvPr/>
+        </p:nvSpPr>
+        <p:spPr>
+          <a:xfrm>
+            <a:off x="4955893" y="1491048"/>
+            <a:ext cx="6472177" cy="846386"/>
+          </a:xfrm>
+          <a:prstGeom prst="rect">
+            <a:avLst/>
+          </a:prstGeom>
+        </p:spPr>
+        <p:txBody>
+          <a:bodyPr wrap="square" lIns="0" tIns="0" rIns="0" bIns="0" rtlCol="0" anchor="t" anchorCtr="0">
+            <a:spAutoFit/>
+          </a:bodyPr>
+          <a:lstStyle/>
+          <a:p>
+            <a:pPr marL="171450" indent="-171450" algn="l">
+              <a:buClr>
+                <a:schemeClr val="bg1"/>
+              </a:buClr>
+              <a:buFont typeface="Arial" panose="020B0604020202020204" pitchFamily="34" charset="0"/>
+              <a:buChar char="•"/>
+            </a:pPr>
+            <a:r>
+              <a:rPr lang="en-GB" sz="1100" dirty="0">
+                <a:latin typeface="Arial" panose="020B0604020202020204" pitchFamily="34" charset="0"/>
+                <a:cs typeface="Arial" panose="020B0604020202020204" pitchFamily="34" charset="0"/>
+              </a:rPr>
+              <a:t>Review images in downloaded image folder</a:t>
+            </a:r>
+          </a:p>
+          <a:p>
+            <a:pPr marL="171450" indent="-171450" algn="l">
+              <a:buClr>
+                <a:schemeClr val="bg1"/>
+              </a:buClr>
+              <a:buFont typeface="Arial" panose="020B0604020202020204" pitchFamily="34" charset="0"/>
+              <a:buChar char="•"/>
+            </a:pPr>
+            <a:endParaRPr lang="en-GB" sz="1100" b="0" dirty="0">
+              <a:latin typeface="Arial" panose="020B0604020202020204" pitchFamily="34" charset="0"/>
+              <a:cs typeface="Arial" panose="020B0604020202020204" pitchFamily="34" charset="0"/>
+            </a:endParaRPr>
+          </a:p>
+          <a:p>
+            <a:pPr marL="171450" indent="-171450" algn="l">
+              <a:buClr>
+                <a:schemeClr val="bg1"/>
+              </a:buClr>
+              <a:buFont typeface="Arial" panose="020B0604020202020204" pitchFamily="34" charset="0"/>
+              <a:buChar char="•"/>
+            </a:pPr>
+            <a:r>
+              <a:rPr lang="en-GB" sz="1100" dirty="0">
+                <a:latin typeface="Arial" panose="020B0604020202020204" pitchFamily="34" charset="0"/>
+                <a:cs typeface="Arial" panose="020B0604020202020204" pitchFamily="34" charset="0"/>
+              </a:rPr>
+              <a:t>Identify best visuals to illustrate analysis</a:t>
+            </a:r>
+          </a:p>
+          <a:p>
+            <a:pPr marL="171450" indent="-171450" algn="l">
+              <a:buClr>
+                <a:schemeClr val="bg1"/>
+              </a:buClr>
+              <a:buFont typeface="Arial" panose="020B0604020202020204" pitchFamily="34" charset="0"/>
+              <a:buChar char="•"/>
+            </a:pPr>
+            <a:endParaRPr lang="en-GB" sz="1100" b="0" dirty="0">
+              <a:latin typeface="Arial" panose="020B0604020202020204" pitchFamily="34" charset="0"/>
+              <a:cs typeface="Arial" panose="020B0604020202020204" pitchFamily="34" charset="0"/>
+            </a:endParaRPr>
+          </a:p>
+          <a:p>
+            <a:pPr marL="171450" indent="-171450" algn="l">
+              <a:buClr>
+                <a:schemeClr val="bg1"/>
+              </a:buClr>
+              <a:buFont typeface="Arial" panose="020B0604020202020204" pitchFamily="34" charset="0"/>
+              <a:buChar char="•"/>
+            </a:pPr>
+            <a:r>
+              <a:rPr lang="en-GB" sz="1100" b="0">
+                <a:latin typeface="Arial" panose="020B0604020202020204" pitchFamily="34" charset="0"/>
+                <a:cs typeface="Arial" panose="020B0604020202020204" pitchFamily="34" charset="0"/>
+              </a:rPr>
+              <a:t>Review automated image interpretation</a:t>
+            </a:r>
+            <a:endParaRPr lang="en-GB" sz="1100" b="0" dirty="0">
+              <a:latin typeface="Arial" panose="020B0604020202020204" pitchFamily="34" charset="0"/>
+              <a:cs typeface="Arial" panose="020B0604020202020204" pitchFamily="34" charset="0"/>
+            </a:endParaRPr>
+          </a:p>
+        </p:txBody>
+      </p:sp>
+      <p:sp>
+        <p:nvSpPr>
+          <p:cNvPr id="2" name="TextBox 1">
+            <a:extLst>
+              <a:ext uri="{FF2B5EF4-FFF2-40B4-BE49-F238E27FC236}">
+                <a16:creationId xmlns:a16="http://schemas.microsoft.com/office/drawing/2014/main" id="{47F0675F-E4B7-5665-3930-2123DBE157BD}"/>
+              </a:ext>
+            </a:extLst>
+          </p:cNvPr>
+          <p:cNvSpPr txBox="1"/>
+          <p:nvPr/>
+        </p:nvSpPr>
+        <p:spPr>
+          <a:xfrm>
+            <a:off x="763931" y="1491048"/>
+            <a:ext cx="3675548" cy="169277"/>
+          </a:xfrm>
+          <a:prstGeom prst="rect">
+            <a:avLst/>
+          </a:prstGeom>
+        </p:spPr>
+        <p:txBody>
+          <a:bodyPr wrap="square" lIns="0" tIns="0" rIns="0" bIns="0" rtlCol="0" anchor="t" anchorCtr="0">
+            <a:spAutoFit/>
+          </a:bodyPr>
+          <a:lstStyle/>
+          <a:p>
+            <a:pPr algn="l"/>
+            <a:r>
+              <a:rPr lang="en-GB" sz="1100" dirty="0" err="1">
+                <a:latin typeface="Arial" panose="020B0604020202020204" pitchFamily="34" charset="0"/>
+                <a:cs typeface="Arial" panose="020B0604020202020204" pitchFamily="34" charset="0"/>
+              </a:rPr>
+              <a:t>json_content</a:t>
+            </a:r>
+            <a:endParaRPr lang="en-GB" sz="1100" b="0" dirty="0">
+              <a:latin typeface="Arial" panose="020B0604020202020204" pitchFamily="34" charset="0"/>
+              <a:cs typeface="Arial" panose="020B0604020202020204" pitchFamily="34" charset="0"/>
+            </a:endParaRPr>
+          </a:p>
+        </p:txBody>
+      </p:sp>
+    </p:spTree>
+    <p:extLst>
+      <p:ext uri="{BB962C8B-B14F-4D97-AF65-F5344CB8AC3E}">
+        <p14:creationId xmlns:p14="http://schemas.microsoft.com/office/powerpoint/2010/main" val="1238957556"/>
+      </p:ext>
+    </p:extLst>
+  </p:cSld>
+  <p:clrMapOvr>
+    <a:masterClrMapping/>
+  </p:clrMapOvr>
+  <mc:AlternateContent xmlns:mc="http://schemas.openxmlformats.org/markup-compatibility/2006">
+    <mc:Choice xmlns:p14="http://schemas.microsoft.com/office/powerpoint/2010/main" Requires="p14">
+      <p:transition spd="med" p14:dur="700">
+        <p:fade/>
+      </p:transition>
+    </mc:Choice>
+    <mc:Fallback>
+      <p:transition spd="med">
+        <p:fade/>
+      </p:transition>
+    </mc:Fallback>
+  </mc:AlternateContent>
+</p:sld>
+</file>
+
+<file path=ppt/slides/slide13.xml><?xml version="1.0" encoding="utf-8"?>
+<p:sld xmlns:a="http://schemas.openxmlformats.org/drawingml/2006/main" xmlns:r="http://schemas.openxmlformats.org/officeDocument/2006/relationships" xmlns:p="http://schemas.openxmlformats.org/presentationml/2006/main">
+  <p:cSld>
+    <p:spTree>
+      <p:nvGrpSpPr>
+        <p:cNvPr id="1" name="">
+          <a:extLst>
+            <a:ext uri="{FF2B5EF4-FFF2-40B4-BE49-F238E27FC236}">
+              <a16:creationId xmlns:a16="http://schemas.microsoft.com/office/drawing/2014/main" id="{9878CA19-728F-F1F3-50A4-516BFBE98EBB}"/>
+            </a:ext>
+          </a:extLst>
+        </p:cNvPr>
+        <p:cNvGrpSpPr/>
+        <p:nvPr/>
+      </p:nvGrpSpPr>
+      <p:grpSpPr>
+        <a:xfrm>
+          <a:off x="0" y="0"/>
+          <a:ext cx="0" cy="0"/>
+          <a:chOff x="0" y="0"/>
+          <a:chExt cx="0" cy="0"/>
+        </a:xfrm>
+      </p:grpSpPr>
+      <p:sp>
+        <p:nvSpPr>
+          <p:cNvPr id="8" name="Text Placeholder 7">
+            <a:extLst>
+              <a:ext uri="{FF2B5EF4-FFF2-40B4-BE49-F238E27FC236}">
+                <a16:creationId xmlns:a16="http://schemas.microsoft.com/office/drawing/2014/main" id="{F504D8FA-93C1-95A5-621C-78A3EEEAF3CA}"/>
+              </a:ext>
+            </a:extLst>
+          </p:cNvPr>
+          <p:cNvSpPr>
+            <a:spLocks noGrp="1"/>
+          </p:cNvSpPr>
+          <p:nvPr>
+            <p:ph type="body" sz="quarter" idx="10"/>
+          </p:nvPr>
+        </p:nvSpPr>
+        <p:spPr/>
+        <p:txBody>
+          <a:bodyPr/>
+          <a:lstStyle/>
+          <a:p>
+            <a:r>
+              <a:rPr lang="en-GB" dirty="0"/>
+              <a:t>Medicine</a:t>
+            </a:r>
+          </a:p>
+        </p:txBody>
+      </p:sp>
+      <p:sp>
+        <p:nvSpPr>
+          <p:cNvPr id="7" name="Title 6">
+            <a:extLst>
+              <a:ext uri="{FF2B5EF4-FFF2-40B4-BE49-F238E27FC236}">
+                <a16:creationId xmlns:a16="http://schemas.microsoft.com/office/drawing/2014/main" id="{7739E249-2423-9B5F-8324-07009FEEEE95}"/>
+              </a:ext>
+            </a:extLst>
+          </p:cNvPr>
+          <p:cNvSpPr>
+            <a:spLocks noGrp="1"/>
+          </p:cNvSpPr>
+          <p:nvPr>
+            <p:ph type="title"/>
+          </p:nvPr>
+        </p:nvSpPr>
+        <p:spPr>
+          <a:xfrm>
+            <a:off x="632459" y="580136"/>
+            <a:ext cx="10751157" cy="731520"/>
+          </a:xfrm>
+        </p:spPr>
+        <p:txBody>
+          <a:bodyPr/>
+          <a:lstStyle/>
+          <a:p>
+            <a:r>
+              <a:rPr lang="en-GB" dirty="0" err="1"/>
+              <a:t>stage_name</a:t>
+            </a:r>
+            <a:endParaRPr lang="en-GB" dirty="0"/>
+          </a:p>
+        </p:txBody>
+      </p:sp>
+      <p:sp>
+        <p:nvSpPr>
+          <p:cNvPr id="6" name="TextBox 5">
+            <a:extLst>
+              <a:ext uri="{FF2B5EF4-FFF2-40B4-BE49-F238E27FC236}">
+                <a16:creationId xmlns:a16="http://schemas.microsoft.com/office/drawing/2014/main" id="{F340DDC1-26E7-AAD0-DB53-A994DCF7876C}"/>
+              </a:ext>
+            </a:extLst>
+          </p:cNvPr>
+          <p:cNvSpPr txBox="1"/>
+          <p:nvPr/>
+        </p:nvSpPr>
+        <p:spPr>
+          <a:xfrm>
+            <a:off x="4955893" y="1491048"/>
+            <a:ext cx="6472177" cy="846386"/>
+          </a:xfrm>
+          <a:prstGeom prst="rect">
+            <a:avLst/>
+          </a:prstGeom>
+        </p:spPr>
+        <p:txBody>
+          <a:bodyPr wrap="square" lIns="0" tIns="0" rIns="0" bIns="0" rtlCol="0" anchor="t" anchorCtr="0">
+            <a:spAutoFit/>
+          </a:bodyPr>
+          <a:lstStyle/>
+          <a:p>
+            <a:pPr marL="171450" indent="-171450" algn="l">
+              <a:buClr>
+                <a:schemeClr val="bg1"/>
+              </a:buClr>
+              <a:buFont typeface="Arial" panose="020B0604020202020204" pitchFamily="34" charset="0"/>
+              <a:buChar char="•"/>
+            </a:pPr>
+            <a:r>
+              <a:rPr lang="en-GB" sz="1100" dirty="0">
+                <a:latin typeface="Arial" panose="020B0604020202020204" pitchFamily="34" charset="0"/>
+                <a:cs typeface="Arial" panose="020B0604020202020204" pitchFamily="34" charset="0"/>
+              </a:rPr>
+              <a:t>Review images in downloaded image folder</a:t>
+            </a:r>
+          </a:p>
+          <a:p>
+            <a:pPr marL="171450" indent="-171450" algn="l">
+              <a:buClr>
+                <a:schemeClr val="bg1"/>
+              </a:buClr>
+              <a:buFont typeface="Arial" panose="020B0604020202020204" pitchFamily="34" charset="0"/>
+              <a:buChar char="•"/>
+            </a:pPr>
+            <a:endParaRPr lang="en-GB" sz="1100" b="0" dirty="0">
+              <a:latin typeface="Arial" panose="020B0604020202020204" pitchFamily="34" charset="0"/>
+              <a:cs typeface="Arial" panose="020B0604020202020204" pitchFamily="34" charset="0"/>
+            </a:endParaRPr>
+          </a:p>
+          <a:p>
+            <a:pPr marL="171450" indent="-171450" algn="l">
+              <a:buClr>
+                <a:schemeClr val="bg1"/>
+              </a:buClr>
+              <a:buFont typeface="Arial" panose="020B0604020202020204" pitchFamily="34" charset="0"/>
+              <a:buChar char="•"/>
+            </a:pPr>
+            <a:r>
+              <a:rPr lang="en-GB" sz="1100" dirty="0">
+                <a:latin typeface="Arial" panose="020B0604020202020204" pitchFamily="34" charset="0"/>
+                <a:cs typeface="Arial" panose="020B0604020202020204" pitchFamily="34" charset="0"/>
+              </a:rPr>
+              <a:t>Identify best visuals to illustrate analysis</a:t>
+            </a:r>
+          </a:p>
+          <a:p>
+            <a:pPr marL="171450" indent="-171450" algn="l">
+              <a:buClr>
+                <a:schemeClr val="bg1"/>
+              </a:buClr>
+              <a:buFont typeface="Arial" panose="020B0604020202020204" pitchFamily="34" charset="0"/>
+              <a:buChar char="•"/>
+            </a:pPr>
+            <a:endParaRPr lang="en-GB" sz="1100" b="0" dirty="0">
+              <a:latin typeface="Arial" panose="020B0604020202020204" pitchFamily="34" charset="0"/>
+              <a:cs typeface="Arial" panose="020B0604020202020204" pitchFamily="34" charset="0"/>
+            </a:endParaRPr>
+          </a:p>
+          <a:p>
+            <a:pPr marL="171450" indent="-171450" algn="l">
+              <a:buClr>
+                <a:schemeClr val="bg1"/>
+              </a:buClr>
+              <a:buFont typeface="Arial" panose="020B0604020202020204" pitchFamily="34" charset="0"/>
+              <a:buChar char="•"/>
+            </a:pPr>
+            <a:r>
+              <a:rPr lang="en-GB" sz="1100" b="0">
+                <a:latin typeface="Arial" panose="020B0604020202020204" pitchFamily="34" charset="0"/>
+                <a:cs typeface="Arial" panose="020B0604020202020204" pitchFamily="34" charset="0"/>
+              </a:rPr>
+              <a:t>Review automated image interpretation</a:t>
+            </a:r>
+            <a:endParaRPr lang="en-GB" sz="1100" b="0" dirty="0">
+              <a:latin typeface="Arial" panose="020B0604020202020204" pitchFamily="34" charset="0"/>
+              <a:cs typeface="Arial" panose="020B0604020202020204" pitchFamily="34" charset="0"/>
+            </a:endParaRPr>
+          </a:p>
+        </p:txBody>
+      </p:sp>
+      <p:sp>
+        <p:nvSpPr>
+          <p:cNvPr id="2" name="TextBox 1">
+            <a:extLst>
+              <a:ext uri="{FF2B5EF4-FFF2-40B4-BE49-F238E27FC236}">
+                <a16:creationId xmlns:a16="http://schemas.microsoft.com/office/drawing/2014/main" id="{A4EC4CA6-A7AF-2E41-2130-4326C408F241}"/>
+              </a:ext>
+            </a:extLst>
+          </p:cNvPr>
+          <p:cNvSpPr txBox="1"/>
+          <p:nvPr/>
+        </p:nvSpPr>
+        <p:spPr>
+          <a:xfrm>
+            <a:off x="763931" y="1491048"/>
+            <a:ext cx="3675548" cy="169277"/>
+          </a:xfrm>
+          <a:prstGeom prst="rect">
+            <a:avLst/>
+          </a:prstGeom>
+        </p:spPr>
+        <p:txBody>
+          <a:bodyPr wrap="square" lIns="0" tIns="0" rIns="0" bIns="0" rtlCol="0" anchor="t" anchorCtr="0">
+            <a:spAutoFit/>
+          </a:bodyPr>
+          <a:lstStyle/>
+          <a:p>
+            <a:pPr algn="l"/>
+            <a:r>
+              <a:rPr lang="en-GB" sz="1100" dirty="0" err="1">
+                <a:latin typeface="Arial" panose="020B0604020202020204" pitchFamily="34" charset="0"/>
+                <a:cs typeface="Arial" panose="020B0604020202020204" pitchFamily="34" charset="0"/>
+              </a:rPr>
+              <a:t>json_content</a:t>
+            </a:r>
+            <a:endParaRPr lang="en-GB" sz="1100" b="0" dirty="0">
+              <a:latin typeface="Arial" panose="020B0604020202020204" pitchFamily="34" charset="0"/>
+              <a:cs typeface="Arial" panose="020B0604020202020204" pitchFamily="34" charset="0"/>
+            </a:endParaRPr>
+          </a:p>
+        </p:txBody>
+      </p:sp>
+    </p:spTree>
+    <p:extLst>
+      <p:ext uri="{BB962C8B-B14F-4D97-AF65-F5344CB8AC3E}">
+        <p14:creationId xmlns:p14="http://schemas.microsoft.com/office/powerpoint/2010/main" val="2443179110"/>
+      </p:ext>
+    </p:extLst>
+  </p:cSld>
+  <p:clrMapOvr>
+    <a:masterClrMapping/>
+  </p:clrMapOvr>
+  <mc:AlternateContent xmlns:mc="http://schemas.openxmlformats.org/markup-compatibility/2006">
+    <mc:Choice xmlns:p14="http://schemas.microsoft.com/office/powerpoint/2010/main" Requires="p14">
+      <p:transition spd="med" p14:dur="700">
+        <p:fade/>
+      </p:transition>
+    </mc:Choice>
+    <mc:Fallback>
+      <p:transition spd="med">
+        <p:fade/>
+      </p:transition>
+    </mc:Fallback>
+  </mc:AlternateContent>
+</p:sld>
+</file>
+
+<file path=ppt/slides/slide14.xml><?xml version="1.0" encoding="utf-8"?>
+<p:sld xmlns:a="http://schemas.openxmlformats.org/drawingml/2006/main" xmlns:r="http://schemas.openxmlformats.org/officeDocument/2006/relationships" xmlns:p="http://schemas.openxmlformats.org/presentationml/2006/main">
+  <p:cSld>
+    <p:spTree>
+      <p:nvGrpSpPr>
+        <p:cNvPr id="1" name="">
+          <a:extLst>
+            <a:ext uri="{FF2B5EF4-FFF2-40B4-BE49-F238E27FC236}">
+              <a16:creationId xmlns:a16="http://schemas.microsoft.com/office/drawing/2014/main" id="{9CAACE81-7410-A3CD-69FE-7C5FB616454E}"/>
+            </a:ext>
+          </a:extLst>
+        </p:cNvPr>
+        <p:cNvGrpSpPr/>
+        <p:nvPr/>
+      </p:nvGrpSpPr>
+      <p:grpSpPr>
+        <a:xfrm>
+          <a:off x="0" y="0"/>
+          <a:ext cx="0" cy="0"/>
+          <a:chOff x="0" y="0"/>
+          <a:chExt cx="0" cy="0"/>
+        </a:xfrm>
+      </p:grpSpPr>
+      <p:sp>
+        <p:nvSpPr>
+          <p:cNvPr id="8" name="Text Placeholder 7">
+            <a:extLst>
+              <a:ext uri="{FF2B5EF4-FFF2-40B4-BE49-F238E27FC236}">
+                <a16:creationId xmlns:a16="http://schemas.microsoft.com/office/drawing/2014/main" id="{61BE0859-2013-59A5-47E6-B34ED4C517F1}"/>
+              </a:ext>
+            </a:extLst>
+          </p:cNvPr>
+          <p:cNvSpPr>
+            <a:spLocks noGrp="1"/>
+          </p:cNvSpPr>
+          <p:nvPr>
+            <p:ph type="body" sz="quarter" idx="10"/>
+          </p:nvPr>
+        </p:nvSpPr>
+        <p:spPr/>
+        <p:txBody>
+          <a:bodyPr/>
+          <a:lstStyle/>
+          <a:p>
+            <a:r>
+              <a:rPr lang="en-GB" dirty="0"/>
+              <a:t>Medicine</a:t>
+            </a:r>
+          </a:p>
+        </p:txBody>
+      </p:sp>
+      <p:sp>
+        <p:nvSpPr>
+          <p:cNvPr id="7" name="Title 6">
+            <a:extLst>
+              <a:ext uri="{FF2B5EF4-FFF2-40B4-BE49-F238E27FC236}">
+                <a16:creationId xmlns:a16="http://schemas.microsoft.com/office/drawing/2014/main" id="{810512AA-7B0E-782C-508C-E593E6DE438B}"/>
+              </a:ext>
+            </a:extLst>
+          </p:cNvPr>
+          <p:cNvSpPr>
+            <a:spLocks noGrp="1"/>
+          </p:cNvSpPr>
+          <p:nvPr>
+            <p:ph type="title"/>
+          </p:nvPr>
+        </p:nvSpPr>
+        <p:spPr>
+          <a:xfrm>
+            <a:off x="632459" y="580136"/>
+            <a:ext cx="10751157" cy="731520"/>
+          </a:xfrm>
+        </p:spPr>
+        <p:txBody>
+          <a:bodyPr/>
+          <a:lstStyle/>
+          <a:p>
+            <a:r>
+              <a:rPr lang="en-GB" dirty="0" err="1"/>
+              <a:t>stage_name</a:t>
+            </a:r>
+            <a:endParaRPr lang="en-GB" dirty="0"/>
+          </a:p>
+        </p:txBody>
+      </p:sp>
+      <p:sp>
+        <p:nvSpPr>
+          <p:cNvPr id="6" name="TextBox 5">
+            <a:extLst>
+              <a:ext uri="{FF2B5EF4-FFF2-40B4-BE49-F238E27FC236}">
+                <a16:creationId xmlns:a16="http://schemas.microsoft.com/office/drawing/2014/main" id="{903964BB-6788-0AAD-4C9A-7E0C4DBA4FAB}"/>
+              </a:ext>
+            </a:extLst>
+          </p:cNvPr>
+          <p:cNvSpPr txBox="1"/>
+          <p:nvPr/>
+        </p:nvSpPr>
+        <p:spPr>
+          <a:xfrm>
+            <a:off x="4955893" y="1491048"/>
+            <a:ext cx="6472177" cy="846386"/>
+          </a:xfrm>
+          <a:prstGeom prst="rect">
+            <a:avLst/>
+          </a:prstGeom>
+        </p:spPr>
+        <p:txBody>
+          <a:bodyPr wrap="square" lIns="0" tIns="0" rIns="0" bIns="0" rtlCol="0" anchor="t" anchorCtr="0">
+            <a:spAutoFit/>
+          </a:bodyPr>
+          <a:lstStyle/>
+          <a:p>
+            <a:pPr marL="171450" indent="-171450" algn="l">
+              <a:buClr>
+                <a:schemeClr val="bg1"/>
+              </a:buClr>
+              <a:buFont typeface="Arial" panose="020B0604020202020204" pitchFamily="34" charset="0"/>
+              <a:buChar char="•"/>
+            </a:pPr>
+            <a:r>
+              <a:rPr lang="en-GB" sz="1100" dirty="0">
+                <a:latin typeface="Arial" panose="020B0604020202020204" pitchFamily="34" charset="0"/>
+                <a:cs typeface="Arial" panose="020B0604020202020204" pitchFamily="34" charset="0"/>
+              </a:rPr>
+              <a:t>Review images in downloaded image folder</a:t>
+            </a:r>
+          </a:p>
+          <a:p>
+            <a:pPr marL="171450" indent="-171450" algn="l">
+              <a:buClr>
+                <a:schemeClr val="bg1"/>
+              </a:buClr>
+              <a:buFont typeface="Arial" panose="020B0604020202020204" pitchFamily="34" charset="0"/>
+              <a:buChar char="•"/>
+            </a:pPr>
+            <a:endParaRPr lang="en-GB" sz="1100" b="0" dirty="0">
+              <a:latin typeface="Arial" panose="020B0604020202020204" pitchFamily="34" charset="0"/>
+              <a:cs typeface="Arial" panose="020B0604020202020204" pitchFamily="34" charset="0"/>
+            </a:endParaRPr>
+          </a:p>
+          <a:p>
+            <a:pPr marL="171450" indent="-171450" algn="l">
+              <a:buClr>
+                <a:schemeClr val="bg1"/>
+              </a:buClr>
+              <a:buFont typeface="Arial" panose="020B0604020202020204" pitchFamily="34" charset="0"/>
+              <a:buChar char="•"/>
+            </a:pPr>
+            <a:r>
+              <a:rPr lang="en-GB" sz="1100" dirty="0">
+                <a:latin typeface="Arial" panose="020B0604020202020204" pitchFamily="34" charset="0"/>
+                <a:cs typeface="Arial" panose="020B0604020202020204" pitchFamily="34" charset="0"/>
+              </a:rPr>
+              <a:t>Identify best visuals to illustrate analysis</a:t>
+            </a:r>
+          </a:p>
+          <a:p>
+            <a:pPr marL="171450" indent="-171450" algn="l">
+              <a:buClr>
+                <a:schemeClr val="bg1"/>
+              </a:buClr>
+              <a:buFont typeface="Arial" panose="020B0604020202020204" pitchFamily="34" charset="0"/>
+              <a:buChar char="•"/>
+            </a:pPr>
+            <a:endParaRPr lang="en-GB" sz="1100" b="0" dirty="0">
+              <a:latin typeface="Arial" panose="020B0604020202020204" pitchFamily="34" charset="0"/>
+              <a:cs typeface="Arial" panose="020B0604020202020204" pitchFamily="34" charset="0"/>
+            </a:endParaRPr>
+          </a:p>
+          <a:p>
+            <a:pPr marL="171450" indent="-171450" algn="l">
+              <a:buClr>
+                <a:schemeClr val="bg1"/>
+              </a:buClr>
+              <a:buFont typeface="Arial" panose="020B0604020202020204" pitchFamily="34" charset="0"/>
+              <a:buChar char="•"/>
+            </a:pPr>
+            <a:r>
+              <a:rPr lang="en-GB" sz="1100" b="0">
+                <a:latin typeface="Arial" panose="020B0604020202020204" pitchFamily="34" charset="0"/>
+                <a:cs typeface="Arial" panose="020B0604020202020204" pitchFamily="34" charset="0"/>
+              </a:rPr>
+              <a:t>Review automated image interpretation</a:t>
+            </a:r>
+            <a:endParaRPr lang="en-GB" sz="1100" b="0" dirty="0">
+              <a:latin typeface="Arial" panose="020B0604020202020204" pitchFamily="34" charset="0"/>
+              <a:cs typeface="Arial" panose="020B0604020202020204" pitchFamily="34" charset="0"/>
+            </a:endParaRPr>
+          </a:p>
+        </p:txBody>
+      </p:sp>
+      <p:sp>
+        <p:nvSpPr>
+          <p:cNvPr id="2" name="TextBox 1">
+            <a:extLst>
+              <a:ext uri="{FF2B5EF4-FFF2-40B4-BE49-F238E27FC236}">
+                <a16:creationId xmlns:a16="http://schemas.microsoft.com/office/drawing/2014/main" id="{82A1DDA8-F697-5721-BE19-5C52D7CAD807}"/>
+              </a:ext>
+            </a:extLst>
+          </p:cNvPr>
+          <p:cNvSpPr txBox="1"/>
+          <p:nvPr/>
+        </p:nvSpPr>
+        <p:spPr>
+          <a:xfrm>
+            <a:off x="763931" y="1491048"/>
+            <a:ext cx="3675548" cy="169277"/>
+          </a:xfrm>
+          <a:prstGeom prst="rect">
+            <a:avLst/>
+          </a:prstGeom>
+        </p:spPr>
+        <p:txBody>
+          <a:bodyPr wrap="square" lIns="0" tIns="0" rIns="0" bIns="0" rtlCol="0" anchor="t" anchorCtr="0">
+            <a:spAutoFit/>
+          </a:bodyPr>
+          <a:lstStyle/>
+          <a:p>
+            <a:pPr algn="l"/>
+            <a:r>
+              <a:rPr lang="en-GB" sz="1100" dirty="0" err="1">
+                <a:latin typeface="Arial" panose="020B0604020202020204" pitchFamily="34" charset="0"/>
+                <a:cs typeface="Arial" panose="020B0604020202020204" pitchFamily="34" charset="0"/>
+              </a:rPr>
+              <a:t>json_content</a:t>
+            </a:r>
+            <a:endParaRPr lang="en-GB" sz="1100" b="0" dirty="0">
+              <a:latin typeface="Arial" panose="020B0604020202020204" pitchFamily="34" charset="0"/>
+              <a:cs typeface="Arial" panose="020B0604020202020204" pitchFamily="34" charset="0"/>
+            </a:endParaRPr>
+          </a:p>
+        </p:txBody>
+      </p:sp>
+    </p:spTree>
+    <p:extLst>
+      <p:ext uri="{BB962C8B-B14F-4D97-AF65-F5344CB8AC3E}">
+        <p14:creationId xmlns:p14="http://schemas.microsoft.com/office/powerpoint/2010/main" val="3350592294"/>
+      </p:ext>
+    </p:extLst>
+  </p:cSld>
+  <p:clrMapOvr>
+    <a:masterClrMapping/>
+  </p:clrMapOvr>
+  <mc:AlternateContent xmlns:mc="http://schemas.openxmlformats.org/markup-compatibility/2006">
+    <mc:Choice xmlns:p14="http://schemas.microsoft.com/office/powerpoint/2010/main" Requires="p14">
+      <p:transition spd="med" p14:dur="700">
+        <p:fade/>
+      </p:transition>
+    </mc:Choice>
+    <mc:Fallback>
+      <p:transition spd="med">
+        <p:fade/>
+      </p:transition>
+    </mc:Fallback>
+  </mc:AlternateContent>
+</p:sld>
+</file>
+
+<file path=ppt/slides/slide15.xml><?xml version="1.0" encoding="utf-8"?>
+<p:sld xmlns:a="http://schemas.openxmlformats.org/drawingml/2006/main" xmlns:r="http://schemas.openxmlformats.org/officeDocument/2006/relationships" xmlns:p="http://schemas.openxmlformats.org/presentationml/2006/main">
+  <p:cSld>
+    <p:spTree>
+      <p:nvGrpSpPr>
+        <p:cNvPr id="1" name="">
+          <a:extLst>
+            <a:ext uri="{FF2B5EF4-FFF2-40B4-BE49-F238E27FC236}">
+              <a16:creationId xmlns:a16="http://schemas.microsoft.com/office/drawing/2014/main" id="{9B01FB22-F3AD-2E9A-7B16-556D3687E0FF}"/>
+            </a:ext>
+          </a:extLst>
+        </p:cNvPr>
+        <p:cNvGrpSpPr/>
+        <p:nvPr/>
+      </p:nvGrpSpPr>
+      <p:grpSpPr>
+        <a:xfrm>
+          <a:off x="0" y="0"/>
+          <a:ext cx="0" cy="0"/>
+          <a:chOff x="0" y="0"/>
+          <a:chExt cx="0" cy="0"/>
+        </a:xfrm>
+      </p:grpSpPr>
+      <p:sp>
+        <p:nvSpPr>
+          <p:cNvPr id="8" name="Text Placeholder 7">
+            <a:extLst>
+              <a:ext uri="{FF2B5EF4-FFF2-40B4-BE49-F238E27FC236}">
+                <a16:creationId xmlns:a16="http://schemas.microsoft.com/office/drawing/2014/main" id="{75E8A452-1849-F06E-81C5-5C727BFA0D67}"/>
+              </a:ext>
+            </a:extLst>
+          </p:cNvPr>
+          <p:cNvSpPr>
+            <a:spLocks noGrp="1"/>
+          </p:cNvSpPr>
+          <p:nvPr>
+            <p:ph type="body" sz="quarter" idx="10"/>
+          </p:nvPr>
+        </p:nvSpPr>
+        <p:spPr/>
+        <p:txBody>
+          <a:bodyPr/>
+          <a:lstStyle/>
+          <a:p>
+            <a:r>
+              <a:rPr lang="en-GB" dirty="0"/>
+              <a:t>Medicine</a:t>
+            </a:r>
+          </a:p>
+        </p:txBody>
+      </p:sp>
+      <p:sp>
+        <p:nvSpPr>
+          <p:cNvPr id="7" name="Title 6">
+            <a:extLst>
+              <a:ext uri="{FF2B5EF4-FFF2-40B4-BE49-F238E27FC236}">
+                <a16:creationId xmlns:a16="http://schemas.microsoft.com/office/drawing/2014/main" id="{F3927162-ADC1-E780-1E8C-DBB16FC4F388}"/>
+              </a:ext>
+            </a:extLst>
+          </p:cNvPr>
+          <p:cNvSpPr>
+            <a:spLocks noGrp="1"/>
+          </p:cNvSpPr>
+          <p:nvPr>
+            <p:ph type="title"/>
+          </p:nvPr>
+        </p:nvSpPr>
+        <p:spPr>
+          <a:xfrm>
+            <a:off x="632459" y="580136"/>
+            <a:ext cx="10751157" cy="731520"/>
+          </a:xfrm>
+        </p:spPr>
+        <p:txBody>
+          <a:bodyPr/>
+          <a:lstStyle/>
+          <a:p>
+            <a:r>
+              <a:rPr lang="en-GB" dirty="0" err="1"/>
+              <a:t>stage_name</a:t>
+            </a:r>
+            <a:endParaRPr lang="en-GB" dirty="0"/>
+          </a:p>
+        </p:txBody>
+      </p:sp>
+      <p:sp>
+        <p:nvSpPr>
+          <p:cNvPr id="6" name="TextBox 5">
+            <a:extLst>
+              <a:ext uri="{FF2B5EF4-FFF2-40B4-BE49-F238E27FC236}">
+                <a16:creationId xmlns:a16="http://schemas.microsoft.com/office/drawing/2014/main" id="{A5B41796-3DBA-0FE3-8D04-07A0EBAE756D}"/>
+              </a:ext>
+            </a:extLst>
+          </p:cNvPr>
+          <p:cNvSpPr txBox="1"/>
+          <p:nvPr/>
+        </p:nvSpPr>
+        <p:spPr>
+          <a:xfrm>
+            <a:off x="4955893" y="1491048"/>
+            <a:ext cx="6472177" cy="846386"/>
+          </a:xfrm>
+          <a:prstGeom prst="rect">
+            <a:avLst/>
+          </a:prstGeom>
+        </p:spPr>
+        <p:txBody>
+          <a:bodyPr wrap="square" lIns="0" tIns="0" rIns="0" bIns="0" rtlCol="0" anchor="t" anchorCtr="0">
+            <a:spAutoFit/>
+          </a:bodyPr>
+          <a:lstStyle/>
+          <a:p>
+            <a:pPr marL="171450" indent="-171450" algn="l">
+              <a:buClr>
+                <a:schemeClr val="bg1"/>
+              </a:buClr>
+              <a:buFont typeface="Arial" panose="020B0604020202020204" pitchFamily="34" charset="0"/>
+              <a:buChar char="•"/>
+            </a:pPr>
+            <a:r>
+              <a:rPr lang="en-GB" sz="1100" dirty="0">
+                <a:latin typeface="Arial" panose="020B0604020202020204" pitchFamily="34" charset="0"/>
+                <a:cs typeface="Arial" panose="020B0604020202020204" pitchFamily="34" charset="0"/>
+              </a:rPr>
+              <a:t>Review images in downloaded image folder</a:t>
+            </a:r>
+          </a:p>
+          <a:p>
+            <a:pPr marL="171450" indent="-171450" algn="l">
+              <a:buClr>
+                <a:schemeClr val="bg1"/>
+              </a:buClr>
+              <a:buFont typeface="Arial" panose="020B0604020202020204" pitchFamily="34" charset="0"/>
+              <a:buChar char="•"/>
+            </a:pPr>
+            <a:endParaRPr lang="en-GB" sz="1100" b="0" dirty="0">
+              <a:latin typeface="Arial" panose="020B0604020202020204" pitchFamily="34" charset="0"/>
+              <a:cs typeface="Arial" panose="020B0604020202020204" pitchFamily="34" charset="0"/>
+            </a:endParaRPr>
+          </a:p>
+          <a:p>
+            <a:pPr marL="171450" indent="-171450" algn="l">
+              <a:buClr>
+                <a:schemeClr val="bg1"/>
+              </a:buClr>
+              <a:buFont typeface="Arial" panose="020B0604020202020204" pitchFamily="34" charset="0"/>
+              <a:buChar char="•"/>
+            </a:pPr>
+            <a:r>
+              <a:rPr lang="en-GB" sz="1100" dirty="0">
+                <a:latin typeface="Arial" panose="020B0604020202020204" pitchFamily="34" charset="0"/>
+                <a:cs typeface="Arial" panose="020B0604020202020204" pitchFamily="34" charset="0"/>
+              </a:rPr>
+              <a:t>Identify best visuals to illustrate analysis</a:t>
+            </a:r>
+          </a:p>
+          <a:p>
+            <a:pPr marL="171450" indent="-171450" algn="l">
+              <a:buClr>
+                <a:schemeClr val="bg1"/>
+              </a:buClr>
+              <a:buFont typeface="Arial" panose="020B0604020202020204" pitchFamily="34" charset="0"/>
+              <a:buChar char="•"/>
+            </a:pPr>
+            <a:endParaRPr lang="en-GB" sz="1100" b="0" dirty="0">
+              <a:latin typeface="Arial" panose="020B0604020202020204" pitchFamily="34" charset="0"/>
+              <a:cs typeface="Arial" panose="020B0604020202020204" pitchFamily="34" charset="0"/>
+            </a:endParaRPr>
+          </a:p>
+          <a:p>
+            <a:pPr marL="171450" indent="-171450" algn="l">
+              <a:buClr>
+                <a:schemeClr val="bg1"/>
+              </a:buClr>
+              <a:buFont typeface="Arial" panose="020B0604020202020204" pitchFamily="34" charset="0"/>
+              <a:buChar char="•"/>
+            </a:pPr>
+            <a:r>
+              <a:rPr lang="en-GB" sz="1100" b="0">
+                <a:latin typeface="Arial" panose="020B0604020202020204" pitchFamily="34" charset="0"/>
+                <a:cs typeface="Arial" panose="020B0604020202020204" pitchFamily="34" charset="0"/>
+              </a:rPr>
+              <a:t>Review automated image interpretation</a:t>
+            </a:r>
+            <a:endParaRPr lang="en-GB" sz="1100" b="0" dirty="0">
+              <a:latin typeface="Arial" panose="020B0604020202020204" pitchFamily="34" charset="0"/>
+              <a:cs typeface="Arial" panose="020B0604020202020204" pitchFamily="34" charset="0"/>
+            </a:endParaRPr>
+          </a:p>
+        </p:txBody>
+      </p:sp>
+      <p:sp>
+        <p:nvSpPr>
+          <p:cNvPr id="2" name="TextBox 1">
+            <a:extLst>
+              <a:ext uri="{FF2B5EF4-FFF2-40B4-BE49-F238E27FC236}">
+                <a16:creationId xmlns:a16="http://schemas.microsoft.com/office/drawing/2014/main" id="{72761B7C-BDA6-E34A-23BD-7A1474DDA129}"/>
+              </a:ext>
+            </a:extLst>
+          </p:cNvPr>
+          <p:cNvSpPr txBox="1"/>
+          <p:nvPr/>
+        </p:nvSpPr>
+        <p:spPr>
+          <a:xfrm>
+            <a:off x="763931" y="1491048"/>
+            <a:ext cx="3675548" cy="169277"/>
+          </a:xfrm>
+          <a:prstGeom prst="rect">
+            <a:avLst/>
+          </a:prstGeom>
+        </p:spPr>
+        <p:txBody>
+          <a:bodyPr wrap="square" lIns="0" tIns="0" rIns="0" bIns="0" rtlCol="0" anchor="t" anchorCtr="0">
+            <a:spAutoFit/>
+          </a:bodyPr>
+          <a:lstStyle/>
+          <a:p>
+            <a:pPr algn="l"/>
+            <a:r>
+              <a:rPr lang="en-GB" sz="1100" dirty="0" err="1">
+                <a:latin typeface="Arial" panose="020B0604020202020204" pitchFamily="34" charset="0"/>
+                <a:cs typeface="Arial" panose="020B0604020202020204" pitchFamily="34" charset="0"/>
+              </a:rPr>
+              <a:t>json_content</a:t>
+            </a:r>
+            <a:endParaRPr lang="en-GB" sz="1100" b="0" dirty="0">
+              <a:latin typeface="Arial" panose="020B0604020202020204" pitchFamily="34" charset="0"/>
+              <a:cs typeface="Arial" panose="020B0604020202020204" pitchFamily="34" charset="0"/>
+            </a:endParaRPr>
+          </a:p>
+        </p:txBody>
+      </p:sp>
+    </p:spTree>
+    <p:extLst>
+      <p:ext uri="{BB962C8B-B14F-4D97-AF65-F5344CB8AC3E}">
+        <p14:creationId xmlns:p14="http://schemas.microsoft.com/office/powerpoint/2010/main" val="999556938"/>
+      </p:ext>
+    </p:extLst>
+  </p:cSld>
+  <p:clrMapOvr>
+    <a:masterClrMapping/>
+  </p:clrMapOvr>
+  <mc:AlternateContent xmlns:mc="http://schemas.openxmlformats.org/markup-compatibility/2006">
+    <mc:Choice xmlns:p14="http://schemas.microsoft.com/office/powerpoint/2010/main" Requires="p14">
+      <p:transition spd="med" p14:dur="700">
+        <p:fade/>
+      </p:transition>
+    </mc:Choice>
+    <mc:Fallback>
+      <p:transition spd="med">
+        <p:fade/>
+      </p:transition>
+    </mc:Fallback>
+  </mc:AlternateContent>
+</p:sld>
+</file>
+
+<file path=ppt/slides/slide16.xml><?xml version="1.0" encoding="utf-8"?>
+<p:sld xmlns:a="http://schemas.openxmlformats.org/drawingml/2006/main" xmlns:r="http://schemas.openxmlformats.org/officeDocument/2006/relationships" xmlns:p="http://schemas.openxmlformats.org/presentationml/2006/main">
+  <p:cSld>
+    <p:spTree>
+      <p:nvGrpSpPr>
+        <p:cNvPr id="1" name="">
+          <a:extLst>
+            <a:ext uri="{FF2B5EF4-FFF2-40B4-BE49-F238E27FC236}">
+              <a16:creationId xmlns:a16="http://schemas.microsoft.com/office/drawing/2014/main" id="{D55FD33C-E50E-C512-6605-DCFB1EDA7882}"/>
+            </a:ext>
+          </a:extLst>
+        </p:cNvPr>
+        <p:cNvGrpSpPr/>
+        <p:nvPr/>
+      </p:nvGrpSpPr>
+      <p:grpSpPr>
+        <a:xfrm>
+          <a:off x="0" y="0"/>
+          <a:ext cx="0" cy="0"/>
+          <a:chOff x="0" y="0"/>
+          <a:chExt cx="0" cy="0"/>
+        </a:xfrm>
+      </p:grpSpPr>
+      <p:sp>
+        <p:nvSpPr>
+          <p:cNvPr id="8" name="Text Placeholder 7">
+            <a:extLst>
+              <a:ext uri="{FF2B5EF4-FFF2-40B4-BE49-F238E27FC236}">
+                <a16:creationId xmlns:a16="http://schemas.microsoft.com/office/drawing/2014/main" id="{6A141026-763A-7F00-4029-1713D504ABDA}"/>
+              </a:ext>
+            </a:extLst>
+          </p:cNvPr>
+          <p:cNvSpPr>
+            <a:spLocks noGrp="1"/>
+          </p:cNvSpPr>
+          <p:nvPr>
+            <p:ph type="body" sz="quarter" idx="10"/>
+          </p:nvPr>
+        </p:nvSpPr>
+        <p:spPr/>
+        <p:txBody>
+          <a:bodyPr/>
+          <a:lstStyle/>
+          <a:p>
+            <a:r>
+              <a:rPr lang="en-GB" dirty="0"/>
+              <a:t>Medicine</a:t>
+            </a:r>
+          </a:p>
+        </p:txBody>
+      </p:sp>
+      <p:sp>
+        <p:nvSpPr>
+          <p:cNvPr id="7" name="Title 6">
+            <a:extLst>
+              <a:ext uri="{FF2B5EF4-FFF2-40B4-BE49-F238E27FC236}">
+                <a16:creationId xmlns:a16="http://schemas.microsoft.com/office/drawing/2014/main" id="{D5C575AC-35FA-BB0C-3030-E582C5DC0356}"/>
+              </a:ext>
+            </a:extLst>
+          </p:cNvPr>
+          <p:cNvSpPr>
+            <a:spLocks noGrp="1"/>
+          </p:cNvSpPr>
+          <p:nvPr>
+            <p:ph type="title"/>
+          </p:nvPr>
+        </p:nvSpPr>
+        <p:spPr>
+          <a:xfrm>
+            <a:off x="632459" y="580136"/>
+            <a:ext cx="10751157" cy="731520"/>
+          </a:xfrm>
+        </p:spPr>
+        <p:txBody>
+          <a:bodyPr/>
+          <a:lstStyle/>
+          <a:p>
+            <a:r>
+              <a:rPr lang="en-GB" dirty="0" err="1"/>
+              <a:t>stage_name</a:t>
+            </a:r>
+            <a:endParaRPr lang="en-GB" dirty="0"/>
+          </a:p>
+        </p:txBody>
+      </p:sp>
+      <p:sp>
+        <p:nvSpPr>
+          <p:cNvPr id="6" name="TextBox 5">
+            <a:extLst>
+              <a:ext uri="{FF2B5EF4-FFF2-40B4-BE49-F238E27FC236}">
+                <a16:creationId xmlns:a16="http://schemas.microsoft.com/office/drawing/2014/main" id="{DDAA9523-E0EF-9554-82BC-FC7BE7BFB69D}"/>
+              </a:ext>
+            </a:extLst>
+          </p:cNvPr>
+          <p:cNvSpPr txBox="1"/>
+          <p:nvPr/>
+        </p:nvSpPr>
+        <p:spPr>
+          <a:xfrm>
+            <a:off x="4955893" y="1491048"/>
+            <a:ext cx="6472177" cy="846386"/>
+          </a:xfrm>
+          <a:prstGeom prst="rect">
+            <a:avLst/>
+          </a:prstGeom>
+        </p:spPr>
+        <p:txBody>
+          <a:bodyPr wrap="square" lIns="0" tIns="0" rIns="0" bIns="0" rtlCol="0" anchor="t" anchorCtr="0">
+            <a:spAutoFit/>
+          </a:bodyPr>
+          <a:lstStyle/>
+          <a:p>
+            <a:pPr marL="171450" indent="-171450" algn="l">
+              <a:buClr>
+                <a:schemeClr val="bg1"/>
+              </a:buClr>
+              <a:buFont typeface="Arial" panose="020B0604020202020204" pitchFamily="34" charset="0"/>
+              <a:buChar char="•"/>
+            </a:pPr>
+            <a:r>
+              <a:rPr lang="en-GB" sz="1100" dirty="0">
+                <a:latin typeface="Arial" panose="020B0604020202020204" pitchFamily="34" charset="0"/>
+                <a:cs typeface="Arial" panose="020B0604020202020204" pitchFamily="34" charset="0"/>
+              </a:rPr>
+              <a:t>Review images in downloaded image folder</a:t>
+            </a:r>
+          </a:p>
+          <a:p>
+            <a:pPr marL="171450" indent="-171450" algn="l">
+              <a:buClr>
+                <a:schemeClr val="bg1"/>
+              </a:buClr>
+              <a:buFont typeface="Arial" panose="020B0604020202020204" pitchFamily="34" charset="0"/>
+              <a:buChar char="•"/>
+            </a:pPr>
+            <a:endParaRPr lang="en-GB" sz="1100" b="0" dirty="0">
+              <a:latin typeface="Arial" panose="020B0604020202020204" pitchFamily="34" charset="0"/>
+              <a:cs typeface="Arial" panose="020B0604020202020204" pitchFamily="34" charset="0"/>
+            </a:endParaRPr>
+          </a:p>
+          <a:p>
+            <a:pPr marL="171450" indent="-171450" algn="l">
+              <a:buClr>
+                <a:schemeClr val="bg1"/>
+              </a:buClr>
+              <a:buFont typeface="Arial" panose="020B0604020202020204" pitchFamily="34" charset="0"/>
+              <a:buChar char="•"/>
+            </a:pPr>
+            <a:r>
+              <a:rPr lang="en-GB" sz="1100" dirty="0">
+                <a:latin typeface="Arial" panose="020B0604020202020204" pitchFamily="34" charset="0"/>
+                <a:cs typeface="Arial" panose="020B0604020202020204" pitchFamily="34" charset="0"/>
+              </a:rPr>
+              <a:t>Identify best visuals to illustrate analysis</a:t>
+            </a:r>
+          </a:p>
+          <a:p>
+            <a:pPr marL="171450" indent="-171450" algn="l">
+              <a:buClr>
+                <a:schemeClr val="bg1"/>
+              </a:buClr>
+              <a:buFont typeface="Arial" panose="020B0604020202020204" pitchFamily="34" charset="0"/>
+              <a:buChar char="•"/>
+            </a:pPr>
+            <a:endParaRPr lang="en-GB" sz="1100" b="0" dirty="0">
+              <a:latin typeface="Arial" panose="020B0604020202020204" pitchFamily="34" charset="0"/>
+              <a:cs typeface="Arial" panose="020B0604020202020204" pitchFamily="34" charset="0"/>
+            </a:endParaRPr>
+          </a:p>
+          <a:p>
+            <a:pPr marL="171450" indent="-171450" algn="l">
+              <a:buClr>
+                <a:schemeClr val="bg1"/>
+              </a:buClr>
+              <a:buFont typeface="Arial" panose="020B0604020202020204" pitchFamily="34" charset="0"/>
+              <a:buChar char="•"/>
+            </a:pPr>
+            <a:r>
+              <a:rPr lang="en-GB" sz="1100" b="0">
+                <a:latin typeface="Arial" panose="020B0604020202020204" pitchFamily="34" charset="0"/>
+                <a:cs typeface="Arial" panose="020B0604020202020204" pitchFamily="34" charset="0"/>
+              </a:rPr>
+              <a:t>Review automated image interpretation</a:t>
+            </a:r>
+            <a:endParaRPr lang="en-GB" sz="1100" b="0" dirty="0">
+              <a:latin typeface="Arial" panose="020B0604020202020204" pitchFamily="34" charset="0"/>
+              <a:cs typeface="Arial" panose="020B0604020202020204" pitchFamily="34" charset="0"/>
+            </a:endParaRPr>
+          </a:p>
+        </p:txBody>
+      </p:sp>
+      <p:sp>
+        <p:nvSpPr>
+          <p:cNvPr id="2" name="TextBox 1">
+            <a:extLst>
+              <a:ext uri="{FF2B5EF4-FFF2-40B4-BE49-F238E27FC236}">
+                <a16:creationId xmlns:a16="http://schemas.microsoft.com/office/drawing/2014/main" id="{7724C3A3-4B60-8C71-DFD2-78EB34C21E1C}"/>
+              </a:ext>
+            </a:extLst>
+          </p:cNvPr>
+          <p:cNvSpPr txBox="1"/>
+          <p:nvPr/>
+        </p:nvSpPr>
+        <p:spPr>
+          <a:xfrm>
+            <a:off x="763931" y="1491048"/>
+            <a:ext cx="3675548" cy="169277"/>
+          </a:xfrm>
+          <a:prstGeom prst="rect">
+            <a:avLst/>
+          </a:prstGeom>
+        </p:spPr>
+        <p:txBody>
+          <a:bodyPr wrap="square" lIns="0" tIns="0" rIns="0" bIns="0" rtlCol="0" anchor="t" anchorCtr="0">
+            <a:spAutoFit/>
+          </a:bodyPr>
+          <a:lstStyle/>
+          <a:p>
+            <a:pPr algn="l"/>
+            <a:r>
+              <a:rPr lang="en-GB" sz="1100" dirty="0" err="1">
+                <a:latin typeface="Arial" panose="020B0604020202020204" pitchFamily="34" charset="0"/>
+                <a:cs typeface="Arial" panose="020B0604020202020204" pitchFamily="34" charset="0"/>
+              </a:rPr>
+              <a:t>json_content</a:t>
+            </a:r>
+            <a:endParaRPr lang="en-GB" sz="1100" b="0" dirty="0">
+              <a:latin typeface="Arial" panose="020B0604020202020204" pitchFamily="34" charset="0"/>
+              <a:cs typeface="Arial" panose="020B0604020202020204" pitchFamily="34" charset="0"/>
+            </a:endParaRPr>
+          </a:p>
+        </p:txBody>
+      </p:sp>
+    </p:spTree>
+    <p:extLst>
+      <p:ext uri="{BB962C8B-B14F-4D97-AF65-F5344CB8AC3E}">
+        <p14:creationId xmlns:p14="http://schemas.microsoft.com/office/powerpoint/2010/main" val="2247730919"/>
+      </p:ext>
+    </p:extLst>
+  </p:cSld>
+  <p:clrMapOvr>
+    <a:masterClrMapping/>
+  </p:clrMapOvr>
+  <mc:AlternateContent xmlns:mc="http://schemas.openxmlformats.org/markup-compatibility/2006">
+    <mc:Choice xmlns:p14="http://schemas.microsoft.com/office/powerpoint/2010/main" Requires="p14">
+      <p:transition spd="med" p14:dur="700">
+        <p:fade/>
+      </p:transition>
+    </mc:Choice>
+    <mc:Fallback>
+      <p:transition spd="med">
+        <p:fade/>
+      </p:transition>
+    </mc:Fallback>
+  </mc:AlternateContent>
+</p:sld>
+</file>
+
 <file path=ppt/slides/slide2.xml><?xml version="1.0" encoding="utf-8"?>
 <p:sld xmlns:a="http://schemas.openxmlformats.org/drawingml/2006/main" xmlns:r="http://schemas.openxmlformats.org/officeDocument/2006/relationships" xmlns:p="http://schemas.openxmlformats.org/presentationml/2006/main">
   <p:cSld>
@@ -4136,6 +6923,522 @@
       </p:transition>
     </mc:Choice>
     <mc:Fallback xmlns="">
+      <p:transition spd="med">
+        <p:fade/>
+      </p:transition>
+    </mc:Fallback>
+  </mc:AlternateContent>
+</p:sld>
+</file>
+
+<file path=ppt/slides/slide8.xml><?xml version="1.0" encoding="utf-8"?>
+<p:sld xmlns:a="http://schemas.openxmlformats.org/drawingml/2006/main" xmlns:r="http://schemas.openxmlformats.org/officeDocument/2006/relationships" xmlns:p="http://schemas.openxmlformats.org/presentationml/2006/main">
+  <p:cSld>
+    <p:spTree>
+      <p:nvGrpSpPr>
+        <p:cNvPr id="1" name="">
+          <a:extLst>
+            <a:ext uri="{FF2B5EF4-FFF2-40B4-BE49-F238E27FC236}">
+              <a16:creationId xmlns:a16="http://schemas.microsoft.com/office/drawing/2014/main" id="{712AEC71-3326-1A26-670E-85CFE1517E5E}"/>
+            </a:ext>
+          </a:extLst>
+        </p:cNvPr>
+        <p:cNvGrpSpPr/>
+        <p:nvPr/>
+      </p:nvGrpSpPr>
+      <p:grpSpPr>
+        <a:xfrm>
+          <a:off x="0" y="0"/>
+          <a:ext cx="0" cy="0"/>
+          <a:chOff x="0" y="0"/>
+          <a:chExt cx="0" cy="0"/>
+        </a:xfrm>
+      </p:grpSpPr>
+      <p:sp>
+        <p:nvSpPr>
+          <p:cNvPr id="8" name="Text Placeholder 7">
+            <a:extLst>
+              <a:ext uri="{FF2B5EF4-FFF2-40B4-BE49-F238E27FC236}">
+                <a16:creationId xmlns:a16="http://schemas.microsoft.com/office/drawing/2014/main" id="{E34D14FA-D02E-0C2E-9C2D-34C740AF8B7E}"/>
+              </a:ext>
+            </a:extLst>
+          </p:cNvPr>
+          <p:cNvSpPr>
+            <a:spLocks noGrp="1"/>
+          </p:cNvSpPr>
+          <p:nvPr>
+            <p:ph type="body" sz="quarter" idx="10"/>
+          </p:nvPr>
+        </p:nvSpPr>
+        <p:spPr/>
+        <p:txBody>
+          <a:bodyPr/>
+          <a:lstStyle/>
+          <a:p>
+            <a:r>
+              <a:rPr lang="en-GB" dirty="0"/>
+              <a:t>Medicine</a:t>
+            </a:r>
+          </a:p>
+        </p:txBody>
+      </p:sp>
+      <p:sp>
+        <p:nvSpPr>
+          <p:cNvPr id="7" name="Title 6">
+            <a:extLst>
+              <a:ext uri="{FF2B5EF4-FFF2-40B4-BE49-F238E27FC236}">
+                <a16:creationId xmlns:a16="http://schemas.microsoft.com/office/drawing/2014/main" id="{E4FD48B4-0225-3B9A-3C6D-84E576C96BB0}"/>
+              </a:ext>
+            </a:extLst>
+          </p:cNvPr>
+          <p:cNvSpPr>
+            <a:spLocks noGrp="1"/>
+          </p:cNvSpPr>
+          <p:nvPr>
+            <p:ph type="title"/>
+          </p:nvPr>
+        </p:nvSpPr>
+        <p:spPr>
+          <a:xfrm>
+            <a:off x="632459" y="580136"/>
+            <a:ext cx="10751157" cy="731520"/>
+          </a:xfrm>
+        </p:spPr>
+        <p:txBody>
+          <a:bodyPr/>
+          <a:lstStyle/>
+          <a:p>
+            <a:r>
+              <a:rPr lang="en-GB" dirty="0" err="1"/>
+              <a:t>stage_name</a:t>
+            </a:r>
+            <a:endParaRPr lang="en-GB" dirty="0"/>
+          </a:p>
+        </p:txBody>
+      </p:sp>
+      <p:sp>
+        <p:nvSpPr>
+          <p:cNvPr id="6" name="TextBox 5">
+            <a:extLst>
+              <a:ext uri="{FF2B5EF4-FFF2-40B4-BE49-F238E27FC236}">
+                <a16:creationId xmlns:a16="http://schemas.microsoft.com/office/drawing/2014/main" id="{EB6F2F00-82E7-BF28-1F91-D0666C2E8C5F}"/>
+              </a:ext>
+            </a:extLst>
+          </p:cNvPr>
+          <p:cNvSpPr txBox="1"/>
+          <p:nvPr/>
+        </p:nvSpPr>
+        <p:spPr>
+          <a:xfrm>
+            <a:off x="4955893" y="1491048"/>
+            <a:ext cx="6472177" cy="846386"/>
+          </a:xfrm>
+          <a:prstGeom prst="rect">
+            <a:avLst/>
+          </a:prstGeom>
+        </p:spPr>
+        <p:txBody>
+          <a:bodyPr wrap="square" lIns="0" tIns="0" rIns="0" bIns="0" rtlCol="0" anchor="t" anchorCtr="0">
+            <a:spAutoFit/>
+          </a:bodyPr>
+          <a:lstStyle/>
+          <a:p>
+            <a:pPr marL="171450" indent="-171450" algn="l">
+              <a:buClr>
+                <a:schemeClr val="bg1"/>
+              </a:buClr>
+              <a:buFont typeface="Arial" panose="020B0604020202020204" pitchFamily="34" charset="0"/>
+              <a:buChar char="•"/>
+            </a:pPr>
+            <a:r>
+              <a:rPr lang="en-GB" sz="1100" dirty="0">
+                <a:latin typeface="Arial" panose="020B0604020202020204" pitchFamily="34" charset="0"/>
+                <a:cs typeface="Arial" panose="020B0604020202020204" pitchFamily="34" charset="0"/>
+              </a:rPr>
+              <a:t>Review images in downloaded image folder</a:t>
+            </a:r>
+          </a:p>
+          <a:p>
+            <a:pPr marL="171450" indent="-171450" algn="l">
+              <a:buClr>
+                <a:schemeClr val="bg1"/>
+              </a:buClr>
+              <a:buFont typeface="Arial" panose="020B0604020202020204" pitchFamily="34" charset="0"/>
+              <a:buChar char="•"/>
+            </a:pPr>
+            <a:endParaRPr lang="en-GB" sz="1100" b="0" dirty="0">
+              <a:latin typeface="Arial" panose="020B0604020202020204" pitchFamily="34" charset="0"/>
+              <a:cs typeface="Arial" panose="020B0604020202020204" pitchFamily="34" charset="0"/>
+            </a:endParaRPr>
+          </a:p>
+          <a:p>
+            <a:pPr marL="171450" indent="-171450" algn="l">
+              <a:buClr>
+                <a:schemeClr val="bg1"/>
+              </a:buClr>
+              <a:buFont typeface="Arial" panose="020B0604020202020204" pitchFamily="34" charset="0"/>
+              <a:buChar char="•"/>
+            </a:pPr>
+            <a:r>
+              <a:rPr lang="en-GB" sz="1100" dirty="0">
+                <a:latin typeface="Arial" panose="020B0604020202020204" pitchFamily="34" charset="0"/>
+                <a:cs typeface="Arial" panose="020B0604020202020204" pitchFamily="34" charset="0"/>
+              </a:rPr>
+              <a:t>Identify best visuals to illustrate analysis</a:t>
+            </a:r>
+          </a:p>
+          <a:p>
+            <a:pPr marL="171450" indent="-171450" algn="l">
+              <a:buClr>
+                <a:schemeClr val="bg1"/>
+              </a:buClr>
+              <a:buFont typeface="Arial" panose="020B0604020202020204" pitchFamily="34" charset="0"/>
+              <a:buChar char="•"/>
+            </a:pPr>
+            <a:endParaRPr lang="en-GB" sz="1100" b="0" dirty="0">
+              <a:latin typeface="Arial" panose="020B0604020202020204" pitchFamily="34" charset="0"/>
+              <a:cs typeface="Arial" panose="020B0604020202020204" pitchFamily="34" charset="0"/>
+            </a:endParaRPr>
+          </a:p>
+          <a:p>
+            <a:pPr marL="171450" indent="-171450" algn="l">
+              <a:buClr>
+                <a:schemeClr val="bg1"/>
+              </a:buClr>
+              <a:buFont typeface="Arial" panose="020B0604020202020204" pitchFamily="34" charset="0"/>
+              <a:buChar char="•"/>
+            </a:pPr>
+            <a:r>
+              <a:rPr lang="en-GB" sz="1100" b="0">
+                <a:latin typeface="Arial" panose="020B0604020202020204" pitchFamily="34" charset="0"/>
+                <a:cs typeface="Arial" panose="020B0604020202020204" pitchFamily="34" charset="0"/>
+              </a:rPr>
+              <a:t>Review automated image interpretation</a:t>
+            </a:r>
+            <a:endParaRPr lang="en-GB" sz="1100" b="0" dirty="0">
+              <a:latin typeface="Arial" panose="020B0604020202020204" pitchFamily="34" charset="0"/>
+              <a:cs typeface="Arial" panose="020B0604020202020204" pitchFamily="34" charset="0"/>
+            </a:endParaRPr>
+          </a:p>
+        </p:txBody>
+      </p:sp>
+      <p:sp>
+        <p:nvSpPr>
+          <p:cNvPr id="2" name="TextBox 1">
+            <a:extLst>
+              <a:ext uri="{FF2B5EF4-FFF2-40B4-BE49-F238E27FC236}">
+                <a16:creationId xmlns:a16="http://schemas.microsoft.com/office/drawing/2014/main" id="{2EB552E3-D251-5DD9-6DE3-E5B863AB1483}"/>
+              </a:ext>
+            </a:extLst>
+          </p:cNvPr>
+          <p:cNvSpPr txBox="1"/>
+          <p:nvPr/>
+        </p:nvSpPr>
+        <p:spPr>
+          <a:xfrm>
+            <a:off x="763931" y="1491048"/>
+            <a:ext cx="3675548" cy="169277"/>
+          </a:xfrm>
+          <a:prstGeom prst="rect">
+            <a:avLst/>
+          </a:prstGeom>
+        </p:spPr>
+        <p:txBody>
+          <a:bodyPr wrap="square" lIns="0" tIns="0" rIns="0" bIns="0" rtlCol="0" anchor="t" anchorCtr="0">
+            <a:spAutoFit/>
+          </a:bodyPr>
+          <a:lstStyle/>
+          <a:p>
+            <a:pPr algn="l"/>
+            <a:r>
+              <a:rPr lang="en-GB" sz="1100" dirty="0" err="1">
+                <a:latin typeface="Arial" panose="020B0604020202020204" pitchFamily="34" charset="0"/>
+                <a:cs typeface="Arial" panose="020B0604020202020204" pitchFamily="34" charset="0"/>
+              </a:rPr>
+              <a:t>json_content</a:t>
+            </a:r>
+            <a:endParaRPr lang="en-GB" sz="1100" b="0" dirty="0">
+              <a:latin typeface="Arial" panose="020B0604020202020204" pitchFamily="34" charset="0"/>
+              <a:cs typeface="Arial" panose="020B0604020202020204" pitchFamily="34" charset="0"/>
+            </a:endParaRPr>
+          </a:p>
+        </p:txBody>
+      </p:sp>
+    </p:spTree>
+    <p:extLst>
+      <p:ext uri="{BB962C8B-B14F-4D97-AF65-F5344CB8AC3E}">
+        <p14:creationId xmlns:p14="http://schemas.microsoft.com/office/powerpoint/2010/main" val="1282551041"/>
+      </p:ext>
+    </p:extLst>
+  </p:cSld>
+  <p:clrMapOvr>
+    <a:masterClrMapping/>
+  </p:clrMapOvr>
+  <mc:AlternateContent xmlns:mc="http://schemas.openxmlformats.org/markup-compatibility/2006">
+    <mc:Choice xmlns:p14="http://schemas.microsoft.com/office/powerpoint/2010/main" Requires="p14">
+      <p:transition spd="med" p14:dur="700">
+        <p:fade/>
+      </p:transition>
+    </mc:Choice>
+    <mc:Fallback>
+      <p:transition spd="med">
+        <p:fade/>
+      </p:transition>
+    </mc:Fallback>
+  </mc:AlternateContent>
+</p:sld>
+</file>
+
+<file path=ppt/slides/slide9.xml><?xml version="1.0" encoding="utf-8"?>
+<p:sld xmlns:a="http://schemas.openxmlformats.org/drawingml/2006/main" xmlns:r="http://schemas.openxmlformats.org/officeDocument/2006/relationships" xmlns:p="http://schemas.openxmlformats.org/presentationml/2006/main">
+  <p:cSld>
+    <p:spTree>
+      <p:nvGrpSpPr>
+        <p:cNvPr id="1" name="">
+          <a:extLst>
+            <a:ext uri="{FF2B5EF4-FFF2-40B4-BE49-F238E27FC236}">
+              <a16:creationId xmlns:a16="http://schemas.microsoft.com/office/drawing/2014/main" id="{A26FB257-7B91-920D-2739-6C34DED86605}"/>
+            </a:ext>
+          </a:extLst>
+        </p:cNvPr>
+        <p:cNvGrpSpPr/>
+        <p:nvPr/>
+      </p:nvGrpSpPr>
+      <p:grpSpPr>
+        <a:xfrm>
+          <a:off x="0" y="0"/>
+          <a:ext cx="0" cy="0"/>
+          <a:chOff x="0" y="0"/>
+          <a:chExt cx="0" cy="0"/>
+        </a:xfrm>
+      </p:grpSpPr>
+      <p:sp>
+        <p:nvSpPr>
+          <p:cNvPr id="8" name="Text Placeholder 7">
+            <a:extLst>
+              <a:ext uri="{FF2B5EF4-FFF2-40B4-BE49-F238E27FC236}">
+                <a16:creationId xmlns:a16="http://schemas.microsoft.com/office/drawing/2014/main" id="{6A4E2636-0544-A966-EDC7-7DE53D0BB9E6}"/>
+              </a:ext>
+            </a:extLst>
+          </p:cNvPr>
+          <p:cNvSpPr>
+            <a:spLocks noGrp="1"/>
+          </p:cNvSpPr>
+          <p:nvPr>
+            <p:ph type="body" sz="quarter" idx="10"/>
+          </p:nvPr>
+        </p:nvSpPr>
+        <p:spPr/>
+        <p:txBody>
+          <a:bodyPr/>
+          <a:lstStyle/>
+          <a:p>
+            <a:r>
+              <a:rPr lang="en-GB" dirty="0"/>
+              <a:t>Medicine</a:t>
+            </a:r>
+          </a:p>
+        </p:txBody>
+      </p:sp>
+      <p:sp>
+        <p:nvSpPr>
+          <p:cNvPr id="7" name="Title 6">
+            <a:extLst>
+              <a:ext uri="{FF2B5EF4-FFF2-40B4-BE49-F238E27FC236}">
+                <a16:creationId xmlns:a16="http://schemas.microsoft.com/office/drawing/2014/main" id="{12FA75C8-E535-69D9-A639-F4F0BDCF1E22}"/>
+              </a:ext>
+            </a:extLst>
+          </p:cNvPr>
+          <p:cNvSpPr>
+            <a:spLocks noGrp="1"/>
+          </p:cNvSpPr>
+          <p:nvPr>
+            <p:ph type="title"/>
+          </p:nvPr>
+        </p:nvSpPr>
+        <p:spPr>
+          <a:xfrm>
+            <a:off x="632459" y="580136"/>
+            <a:ext cx="10751157" cy="731520"/>
+          </a:xfrm>
+        </p:spPr>
+        <p:txBody>
+          <a:bodyPr/>
+          <a:lstStyle/>
+          <a:p>
+            <a:r>
+              <a:rPr lang="en-GB" dirty="0" err="1"/>
+              <a:t>stage_name</a:t>
+            </a:r>
+            <a:endParaRPr lang="en-GB" dirty="0"/>
+          </a:p>
+        </p:txBody>
+      </p:sp>
+      <p:sp>
+        <p:nvSpPr>
+          <p:cNvPr id="6" name="TextBox 5">
+            <a:extLst>
+              <a:ext uri="{FF2B5EF4-FFF2-40B4-BE49-F238E27FC236}">
+                <a16:creationId xmlns:a16="http://schemas.microsoft.com/office/drawing/2014/main" id="{6E74AD68-E901-C970-BB74-917A33A90784}"/>
+              </a:ext>
+            </a:extLst>
+          </p:cNvPr>
+          <p:cNvSpPr txBox="1"/>
+          <p:nvPr/>
+        </p:nvSpPr>
+        <p:spPr>
+          <a:xfrm>
+            <a:off x="4955893" y="1491048"/>
+            <a:ext cx="6472177" cy="846386"/>
+          </a:xfrm>
+          <a:prstGeom prst="rect">
+            <a:avLst/>
+          </a:prstGeom>
+        </p:spPr>
+        <p:txBody>
+          <a:bodyPr wrap="square" lIns="0" tIns="0" rIns="0" bIns="0" rtlCol="0" anchor="t" anchorCtr="0">
+            <a:spAutoFit/>
+          </a:bodyPr>
+          <a:lstStyle/>
+          <a:p>
+            <a:pPr marL="171450" indent="-171450" algn="l">
+              <a:buClr>
+                <a:schemeClr val="bg1"/>
+              </a:buClr>
+              <a:buFont typeface="Arial" panose="020B0604020202020204" pitchFamily="34" charset="0"/>
+              <a:buChar char="•"/>
+            </a:pPr>
+            <a:r>
+              <a:rPr lang="en-GB" sz="1100" dirty="0">
+                <a:latin typeface="Arial" panose="020B0604020202020204" pitchFamily="34" charset="0"/>
+                <a:cs typeface="Arial" panose="020B0604020202020204" pitchFamily="34" charset="0"/>
+              </a:rPr>
+              <a:t>Review images in downloaded image folder</a:t>
+            </a:r>
+          </a:p>
+          <a:p>
+            <a:pPr marL="171450" indent="-171450" algn="l">
+              <a:buClr>
+                <a:schemeClr val="bg1"/>
+              </a:buClr>
+              <a:buFont typeface="Arial" panose="020B0604020202020204" pitchFamily="34" charset="0"/>
+              <a:buChar char="•"/>
+            </a:pPr>
+            <a:endParaRPr lang="en-GB" sz="1100" b="0" dirty="0">
+              <a:latin typeface="Arial" panose="020B0604020202020204" pitchFamily="34" charset="0"/>
+              <a:cs typeface="Arial" panose="020B0604020202020204" pitchFamily="34" charset="0"/>
+            </a:endParaRPr>
+          </a:p>
+          <a:p>
+            <a:pPr marL="171450" indent="-171450" algn="l">
+              <a:buClr>
+                <a:schemeClr val="bg1"/>
+              </a:buClr>
+              <a:buFont typeface="Arial" panose="020B0604020202020204" pitchFamily="34" charset="0"/>
+              <a:buChar char="•"/>
+            </a:pPr>
+            <a:r>
+              <a:rPr lang="en-GB" sz="1100" dirty="0">
+                <a:latin typeface="Arial" panose="020B0604020202020204" pitchFamily="34" charset="0"/>
+                <a:cs typeface="Arial" panose="020B0604020202020204" pitchFamily="34" charset="0"/>
+              </a:rPr>
+              <a:t>Identify best visuals to illustrate analysis</a:t>
+            </a:r>
+          </a:p>
+          <a:p>
+            <a:pPr marL="171450" indent="-171450" algn="l">
+              <a:buClr>
+                <a:schemeClr val="bg1"/>
+              </a:buClr>
+              <a:buFont typeface="Arial" panose="020B0604020202020204" pitchFamily="34" charset="0"/>
+              <a:buChar char="•"/>
+            </a:pPr>
+            <a:endParaRPr lang="en-GB" sz="1100" b="0" dirty="0">
+              <a:latin typeface="Arial" panose="020B0604020202020204" pitchFamily="34" charset="0"/>
+              <a:cs typeface="Arial" panose="020B0604020202020204" pitchFamily="34" charset="0"/>
+            </a:endParaRPr>
+          </a:p>
+          <a:p>
+            <a:pPr marL="171450" indent="-171450" algn="l">
+              <a:buClr>
+                <a:schemeClr val="bg1"/>
+              </a:buClr>
+              <a:buFont typeface="Arial" panose="020B0604020202020204" pitchFamily="34" charset="0"/>
+              <a:buChar char="•"/>
+            </a:pPr>
+            <a:r>
+              <a:rPr lang="en-GB" sz="1100" b="0">
+                <a:latin typeface="Arial" panose="020B0604020202020204" pitchFamily="34" charset="0"/>
+                <a:cs typeface="Arial" panose="020B0604020202020204" pitchFamily="34" charset="0"/>
+              </a:rPr>
+              <a:t>Review automated image interpretation</a:t>
+            </a:r>
+            <a:endParaRPr lang="en-GB" sz="1100" b="0" dirty="0">
+              <a:latin typeface="Arial" panose="020B0604020202020204" pitchFamily="34" charset="0"/>
+              <a:cs typeface="Arial" panose="020B0604020202020204" pitchFamily="34" charset="0"/>
+            </a:endParaRPr>
+          </a:p>
+        </p:txBody>
+      </p:sp>
+      <p:sp>
+        <p:nvSpPr>
+          <p:cNvPr id="2" name="TextBox 1">
+            <a:extLst>
+              <a:ext uri="{FF2B5EF4-FFF2-40B4-BE49-F238E27FC236}">
+                <a16:creationId xmlns:a16="http://schemas.microsoft.com/office/drawing/2014/main" id="{2E26D22F-ACF1-4694-9DC9-43A0F0A9F23E}"/>
+              </a:ext>
+            </a:extLst>
+          </p:cNvPr>
+          <p:cNvSpPr txBox="1"/>
+          <p:nvPr/>
+        </p:nvSpPr>
+        <p:spPr>
+          <a:xfrm>
+            <a:off x="763931" y="1491048"/>
+            <a:ext cx="3675548" cy="169277"/>
+          </a:xfrm>
+          <a:prstGeom prst="rect">
+            <a:avLst/>
+          </a:prstGeom>
+        </p:spPr>
+        <p:txBody>
+          <a:bodyPr wrap="square" lIns="0" tIns="0" rIns="0" bIns="0" rtlCol="0" anchor="t" anchorCtr="0">
+            <a:spAutoFit/>
+          </a:bodyPr>
+          <a:lstStyle/>
+          <a:p>
+            <a:pPr algn="l"/>
+            <a:r>
+              <a:rPr lang="en-GB" sz="1100" dirty="0" err="1">
+                <a:latin typeface="Arial" panose="020B0604020202020204" pitchFamily="34" charset="0"/>
+                <a:cs typeface="Arial" panose="020B0604020202020204" pitchFamily="34" charset="0"/>
+              </a:rPr>
+              <a:t>json_content</a:t>
+            </a:r>
+            <a:endParaRPr lang="en-GB" sz="1100" b="0" dirty="0">
+              <a:latin typeface="Arial" panose="020B0604020202020204" pitchFamily="34" charset="0"/>
+              <a:cs typeface="Arial" panose="020B0604020202020204" pitchFamily="34" charset="0"/>
+            </a:endParaRPr>
+          </a:p>
+        </p:txBody>
+      </p:sp>
+    </p:spTree>
+    <p:extLst>
+      <p:ext uri="{BB962C8B-B14F-4D97-AF65-F5344CB8AC3E}">
+        <p14:creationId xmlns:p14="http://schemas.microsoft.com/office/powerpoint/2010/main" val="114112330"/>
+      </p:ext>
+    </p:extLst>
+  </p:cSld>
+  <p:clrMapOvr>
+    <a:masterClrMapping/>
+  </p:clrMapOvr>
+  <mc:AlternateContent xmlns:mc="http://schemas.openxmlformats.org/markup-compatibility/2006">
+    <mc:Choice xmlns:p14="http://schemas.microsoft.com/office/powerpoint/2010/main" Requires="p14">
+      <p:transition spd="med" p14:dur="700">
+        <p:fade/>
+      </p:transition>
+    </mc:Choice>
+    <mc:Fallback>
       <p:transition spd="med">
         <p:fade/>
       </p:transition>
@@ -4830,17 +8133,6 @@
 </file>
 
 <file path=customXml/item2.xml><?xml version="1.0" encoding="utf-8"?>
-<p:properties xmlns:p="http://schemas.microsoft.com/office/2006/metadata/properties" xmlns:xsi="http://www.w3.org/2001/XMLSchema-instance" xmlns:pc="http://schemas.microsoft.com/office/infopath/2007/PartnerControls">
-  <documentManagement>
-    <TaxCatchAll xmlns="9bea065c-4598-471b-a0d8-b208471d6a41" xsi:nil="true"/>
-    <lcf76f155ced4ddcb4097134ff3c332f xmlns="737cdb0d-9f15-48ec-9529-975a91239bb1">
-      <Terms xmlns="http://schemas.microsoft.com/office/infopath/2007/PartnerControls"/>
-    </lcf76f155ced4ddcb4097134ff3c332f>
-  </documentManagement>
-</p:properties>
-</file>
-
-<file path=customXml/item3.xml><?xml version="1.0" encoding="utf-8"?>
 <ct:contentTypeSchema xmlns:ct="http://schemas.microsoft.com/office/2006/metadata/contentType" xmlns:ma="http://schemas.microsoft.com/office/2006/metadata/properties/metaAttributes" ct:_="" ma:_="" ma:contentTypeName="Document" ma:contentTypeID="0x010100A2CD2B7DD7D5E348A4B5B847AD49C1E4" ma:contentTypeVersion="15" ma:contentTypeDescription="Create a new document." ma:contentTypeScope="" ma:versionID="8e0e392dcf65750e3ad704a59f705fb3">
   <xsd:schema xmlns:xsd="http://www.w3.org/2001/XMLSchema" xmlns:xs="http://www.w3.org/2001/XMLSchema" xmlns:p="http://schemas.microsoft.com/office/2006/metadata/properties" xmlns:ns2="737cdb0d-9f15-48ec-9529-975a91239bb1" xmlns:ns3="9bea065c-4598-471b-a0d8-b208471d6a41" targetNamespace="http://schemas.microsoft.com/office/2006/metadata/properties" ma:root="true" ma:fieldsID="16d7d9ff6e2e2d483fddd166083c89fa" ns2:_="" ns3:_="">
     <xsd:import namespace="737cdb0d-9f15-48ec-9529-975a91239bb1"/>
@@ -5075,6 +8367,17 @@
 </ct:contentTypeSchema>
 </file>
 
+<file path=customXml/item3.xml><?xml version="1.0" encoding="utf-8"?>
+<p:properties xmlns:p="http://schemas.microsoft.com/office/2006/metadata/properties" xmlns:xsi="http://www.w3.org/2001/XMLSchema-instance" xmlns:pc="http://schemas.microsoft.com/office/infopath/2007/PartnerControls">
+  <documentManagement>
+    <TaxCatchAll xmlns="9bea065c-4598-471b-a0d8-b208471d6a41" xsi:nil="true"/>
+    <lcf76f155ced4ddcb4097134ff3c332f xmlns="737cdb0d-9f15-48ec-9529-975a91239bb1">
+      <Terms xmlns="http://schemas.microsoft.com/office/infopath/2007/PartnerControls"/>
+    </lcf76f155ced4ddcb4097134ff3c332f>
+  </documentManagement>
+</p:properties>
+</file>
+
 <file path=customXml/itemProps1.xml><?xml version="1.0" encoding="utf-8"?>
 <ds:datastoreItem xmlns:ds="http://schemas.openxmlformats.org/officeDocument/2006/customXml" ds:itemID="{3BB299B6-1159-4940-B296-E198453C8E80}">
   <ds:schemaRefs>
@@ -5084,23 +8387,6 @@
 </file>
 
 <file path=customXml/itemProps2.xml><?xml version="1.0" encoding="utf-8"?>
-<ds:datastoreItem xmlns:ds="http://schemas.openxmlformats.org/officeDocument/2006/customXml" ds:itemID="{9674E985-4D59-45AB-8970-AD8E2C92CE21}">
-  <ds:schemaRefs>
-    <ds:schemaRef ds:uri="http://www.w3.org/XML/1998/namespace"/>
-    <ds:schemaRef ds:uri="http://purl.org/dc/elements/1.1/"/>
-    <ds:schemaRef ds:uri="http://schemas.microsoft.com/office/2006/documentManagement/types"/>
-    <ds:schemaRef ds:uri="http://purl.org/dc/terms/"/>
-    <ds:schemaRef ds:uri="9bea065c-4598-471b-a0d8-b208471d6a41"/>
-    <ds:schemaRef ds:uri="http://schemas.openxmlformats.org/package/2006/metadata/core-properties"/>
-    <ds:schemaRef ds:uri="http://schemas.microsoft.com/office/infopath/2007/PartnerControls"/>
-    <ds:schemaRef ds:uri="http://purl.org/dc/dcmitype/"/>
-    <ds:schemaRef ds:uri="737cdb0d-9f15-48ec-9529-975a91239bb1"/>
-    <ds:schemaRef ds:uri="http://schemas.microsoft.com/office/2006/metadata/properties"/>
-  </ds:schemaRefs>
-</ds:datastoreItem>
-</file>
-
-<file path=customXml/itemProps3.xml><?xml version="1.0" encoding="utf-8"?>
 <ds:datastoreItem xmlns:ds="http://schemas.openxmlformats.org/officeDocument/2006/customXml" ds:itemID="{C4D443D4-D2BB-47D9-93BA-F264F5B47780}">
   <ds:schemaRefs>
     <ds:schemaRef ds:uri="737cdb0d-9f15-48ec-9529-975a91239bb1"/>
@@ -5117,4 +8403,21 @@
     <ds:schemaRef ds:uri="http://www.w3.org/2001/XMLSchema"/>
   </ds:schemaRefs>
 </ds:datastoreItem>
+</file>
+
+<file path=customXml/itemProps3.xml><?xml version="1.0" encoding="utf-8"?>
+<ds:datastoreItem xmlns:ds="http://schemas.openxmlformats.org/officeDocument/2006/customXml" ds:itemID="{9674E985-4D59-45AB-8970-AD8E2C92CE21}">
+  <ds:schemaRefs>
+    <ds:schemaRef ds:uri="http://www.w3.org/XML/1998/namespace"/>
+    <ds:schemaRef ds:uri="http://purl.org/dc/elements/1.1/"/>
+    <ds:schemaRef ds:uri="http://schemas.microsoft.com/office/2006/documentManagement/types"/>
+    <ds:schemaRef ds:uri="http://purl.org/dc/terms/"/>
+    <ds:schemaRef ds:uri="9bea065c-4598-471b-a0d8-b208471d6a41"/>
+    <ds:schemaRef ds:uri="http://schemas.openxmlformats.org/package/2006/metadata/core-properties"/>
+    <ds:schemaRef ds:uri="http://schemas.microsoft.com/office/infopath/2007/PartnerControls"/>
+    <ds:schemaRef ds:uri="http://purl.org/dc/dcmitype/"/>
+    <ds:schemaRef ds:uri="737cdb0d-9f15-48ec-9529-975a91239bb1"/>
+    <ds:schemaRef ds:uri="http://schemas.microsoft.com/office/2006/metadata/properties"/>
+  </ds:schemaRefs>
+</ds:datastoreItem>
 </file>